--- a/doc/Presentation.pptx
+++ b/doc/Presentation.pptx
@@ -5,13 +5,23 @@
     <p:sldMasterId id="2147483648" r:id="rId1"/>
   </p:sldMasterIdLst>
   <p:notesMasterIdLst>
-    <p:notesMasterId r:id="rId4"/>
+    <p:notesMasterId r:id="rId14"/>
   </p:notesMasterIdLst>
   <p:handoutMasterIdLst>
-    <p:handoutMasterId r:id="rId5"/>
+    <p:handoutMasterId r:id="rId15"/>
   </p:handoutMasterIdLst>
   <p:sldIdLst>
     <p:sldId id="256" r:id="rId3"/>
+    <p:sldId id="267" r:id="rId4"/>
+    <p:sldId id="257" r:id="rId5"/>
+    <p:sldId id="258" r:id="rId6"/>
+    <p:sldId id="268" r:id="rId7"/>
+    <p:sldId id="259" r:id="rId8"/>
+    <p:sldId id="260" r:id="rId9"/>
+    <p:sldId id="269" r:id="rId10"/>
+    <p:sldId id="266" r:id="rId11"/>
+    <p:sldId id="262" r:id="rId12"/>
+    <p:sldId id="265" r:id="rId13"/>
   </p:sldIdLst>
   <p:sldSz cx="12192000" cy="6858000"/>
   <p:notesSz cx="7103745" cy="10234295"/>
@@ -137,7 +147,7 @@
       </p:grpSpPr>
       <p:sp>
         <p:nvSpPr>
-          <p:cNvPr id="2" name="页眉占位符 1"/>
+          <p:cNvPr id="2" name="Header Placeholder 1"/>
           <p:cNvSpPr>
             <a:spLocks noGrp="true"/>
           </p:cNvSpPr>
@@ -162,13 +172,13 @@
             </a:lvl1pPr>
           </a:lstStyle>
           <a:p>
-            <a:endParaRPr lang="zh-CN" altLang="en-US"/>
-          </a:p>
-        </p:txBody>
-      </p:sp>
-      <p:sp>
-        <p:nvSpPr>
-          <p:cNvPr id="3" name="日期占位符 2"/>
+            <a:endParaRPr lang="en-US"/>
+          </a:p>
+        </p:txBody>
+      </p:sp>
+      <p:sp>
+        <p:nvSpPr>
+          <p:cNvPr id="3" name="Date Placeholder 2"/>
           <p:cNvSpPr>
             <a:spLocks noGrp="true"/>
           </p:cNvSpPr>
@@ -194,15 +204,15 @@
           </a:lstStyle>
           <a:p>
             <a:fld id="{0F9B84EA-7D68-4D60-9CB1-D50884785D1C}" type="datetimeFigureOut">
-              <a:rPr lang="zh-CN" altLang="en-US" smtClean="0"/>
+              <a:rPr lang="en-US" smtClean="0"/>
             </a:fld>
-            <a:endParaRPr lang="zh-CN" altLang="en-US"/>
-          </a:p>
-        </p:txBody>
-      </p:sp>
-      <p:sp>
-        <p:nvSpPr>
-          <p:cNvPr id="4" name="页脚占位符 3"/>
+            <a:endParaRPr lang="en-US"/>
+          </a:p>
+        </p:txBody>
+      </p:sp>
+      <p:sp>
+        <p:nvSpPr>
+          <p:cNvPr id="4" name="Footer Placeholder 3"/>
           <p:cNvSpPr>
             <a:spLocks noGrp="true"/>
           </p:cNvSpPr>
@@ -227,13 +237,13 @@
             </a:lvl1pPr>
           </a:lstStyle>
           <a:p>
-            <a:endParaRPr lang="zh-CN" altLang="en-US"/>
-          </a:p>
-        </p:txBody>
-      </p:sp>
-      <p:sp>
-        <p:nvSpPr>
-          <p:cNvPr id="5" name="灯片编号占位符 4"/>
+            <a:endParaRPr lang="en-US"/>
+          </a:p>
+        </p:txBody>
+      </p:sp>
+      <p:sp>
+        <p:nvSpPr>
+          <p:cNvPr id="5" name="Slide Number Placeholder 4"/>
           <p:cNvSpPr>
             <a:spLocks noGrp="true"/>
           </p:cNvSpPr>
@@ -259,9 +269,9 @@
           </a:lstStyle>
           <a:p>
             <a:fld id="{8D4E0FC9-F1F8-4FAE-9988-3BA365CFD46F}" type="slidenum">
-              <a:rPr lang="zh-CN" altLang="en-US" smtClean="0"/>
+              <a:rPr lang="en-US" smtClean="0"/>
             </a:fld>
-            <a:endParaRPr lang="zh-CN" altLang="en-US"/>
+            <a:endParaRPr lang="en-US"/>
           </a:p>
         </p:txBody>
       </p:sp>
@@ -295,7 +305,7 @@
       </p:grpSpPr>
       <p:sp>
         <p:nvSpPr>
-          <p:cNvPr id="2" name="页眉占位符 1"/>
+          <p:cNvPr id="2" name="Header Placeholder 1"/>
           <p:cNvSpPr>
             <a:spLocks noGrp="true"/>
           </p:cNvSpPr>
@@ -320,13 +330,13 @@
             </a:lvl1pPr>
           </a:lstStyle>
           <a:p>
-            <a:endParaRPr lang="zh-CN" altLang="en-US"/>
-          </a:p>
-        </p:txBody>
-      </p:sp>
-      <p:sp>
-        <p:nvSpPr>
-          <p:cNvPr id="3" name="日期占位符 2"/>
+            <a:endParaRPr lang="en-US"/>
+          </a:p>
+        </p:txBody>
+      </p:sp>
+      <p:sp>
+        <p:nvSpPr>
+          <p:cNvPr id="3" name="Slide Number Placeholder 2"/>
           <p:cNvSpPr>
             <a:spLocks noGrp="true"/>
           </p:cNvSpPr>
@@ -352,15 +362,15 @@
           </a:lstStyle>
           <a:p>
             <a:fld id="{D6C8D182-E4C8-4120-9249-FC9774456FFA}" type="datetimeFigureOut">
-              <a:rPr lang="zh-CN" altLang="en-US" smtClean="0"/>
+              <a:rPr lang="en-US" smtClean="0"/>
             </a:fld>
-            <a:endParaRPr lang="zh-CN" altLang="en-US"/>
-          </a:p>
-        </p:txBody>
-      </p:sp>
-      <p:sp>
-        <p:nvSpPr>
-          <p:cNvPr id="4" name="幻灯片图像占位符 3"/>
+            <a:endParaRPr lang="en-US"/>
+          </a:p>
+        </p:txBody>
+      </p:sp>
+      <p:sp>
+        <p:nvSpPr>
+          <p:cNvPr id="4" name="Slide Image Placehoder 3"/>
           <p:cNvSpPr>
             <a:spLocks noGrp="true" noRot="true" noChangeAspect="true"/>
           </p:cNvSpPr>
@@ -387,13 +397,13 @@
           <a:bodyPr vert="horz" lIns="91440" tIns="45720" rIns="91440" bIns="45720" rtlCol="0" anchor="ctr"/>
           <a:lstStyle/>
           <a:p>
-            <a:endParaRPr lang="zh-CN" altLang="en-US"/>
-          </a:p>
-        </p:txBody>
-      </p:sp>
-      <p:sp>
-        <p:nvSpPr>
-          <p:cNvPr id="5" name="备注占位符 4"/>
+            <a:endParaRPr lang="en-US"/>
+          </a:p>
+        </p:txBody>
+      </p:sp>
+      <p:sp>
+        <p:nvSpPr>
+          <p:cNvPr id="5" name="Note Placeholder 4"/>
           <p:cNvSpPr>
             <a:spLocks noGrp="true"/>
           </p:cNvSpPr>
@@ -416,48 +426,48 @@
           <a:p>
             <a:pPr lvl="0"/>
             <a:r>
-              <a:rPr lang="zh-CN" altLang="en-US"/>
-              <a:t>编辑母版文本样式</a:t>
-            </a:r>
-            <a:endParaRPr lang="zh-CN" altLang="en-US"/>
+              <a:rPr lang="en-US"/>
+              <a:t>Edit Master text styles</a:t>
+            </a:r>
+            <a:endParaRPr lang="en-US"/>
           </a:p>
           <a:p>
             <a:pPr lvl="1"/>
             <a:r>
-              <a:rPr lang="zh-CN" altLang="en-US"/>
-              <a:t>第二级</a:t>
-            </a:r>
-            <a:endParaRPr lang="zh-CN" altLang="en-US"/>
+              <a:rPr lang="en-US"/>
+              <a:t>Second level</a:t>
+            </a:r>
+            <a:endParaRPr lang="en-US"/>
           </a:p>
           <a:p>
             <a:pPr lvl="2"/>
             <a:r>
-              <a:rPr lang="zh-CN" altLang="en-US"/>
-              <a:t>第三级</a:t>
-            </a:r>
-            <a:endParaRPr lang="zh-CN" altLang="en-US"/>
+              <a:rPr lang="en-US"/>
+              <a:t>Third level</a:t>
+            </a:r>
+            <a:endParaRPr lang="en-US"/>
           </a:p>
           <a:p>
             <a:pPr lvl="3"/>
             <a:r>
-              <a:rPr lang="zh-CN" altLang="en-US"/>
-              <a:t>第四级</a:t>
-            </a:r>
-            <a:endParaRPr lang="zh-CN" altLang="en-US"/>
+              <a:rPr lang="en-US"/>
+              <a:t>Fourth level</a:t>
+            </a:r>
+            <a:endParaRPr lang="en-US"/>
           </a:p>
           <a:p>
             <a:pPr lvl="4"/>
             <a:r>
-              <a:rPr lang="zh-CN" altLang="en-US"/>
-              <a:t>第五级</a:t>
-            </a:r>
-            <a:endParaRPr lang="zh-CN" altLang="en-US"/>
-          </a:p>
-        </p:txBody>
-      </p:sp>
-      <p:sp>
-        <p:nvSpPr>
-          <p:cNvPr id="6" name="页脚占位符 5"/>
+              <a:rPr lang="en-US"/>
+              <a:t>Fifth level</a:t>
+            </a:r>
+            <a:endParaRPr lang="en-US"/>
+          </a:p>
+        </p:txBody>
+      </p:sp>
+      <p:sp>
+        <p:nvSpPr>
+          <p:cNvPr id="6" name="Footer Placeholder 5"/>
           <p:cNvSpPr>
             <a:spLocks noGrp="true"/>
           </p:cNvSpPr>
@@ -482,13 +492,13 @@
             </a:lvl1pPr>
           </a:lstStyle>
           <a:p>
-            <a:endParaRPr lang="zh-CN" altLang="en-US"/>
-          </a:p>
-        </p:txBody>
-      </p:sp>
-      <p:sp>
-        <p:nvSpPr>
-          <p:cNvPr id="7" name="灯片编号占位符 6"/>
+            <a:endParaRPr lang="en-US"/>
+          </a:p>
+        </p:txBody>
+      </p:sp>
+      <p:sp>
+        <p:nvSpPr>
+          <p:cNvPr id="7" name="Slide Number Placeholder 6"/>
           <p:cNvSpPr>
             <a:spLocks noGrp="true"/>
           </p:cNvSpPr>
@@ -514,9 +524,9 @@
           </a:lstStyle>
           <a:p>
             <a:fld id="{85D0DACE-38E0-42D2-9336-2B707D34BC6D}" type="slidenum">
-              <a:rPr lang="zh-CN" altLang="en-US" smtClean="0"/>
+              <a:rPr lang="en-US" smtClean="0"/>
             </a:fld>
-            <a:endParaRPr lang="zh-CN" altLang="en-US"/>
+            <a:endParaRPr lang="en-US"/>
           </a:p>
         </p:txBody>
       </p:sp>
@@ -620,7 +630,7 @@
 
 <file path=ppt/slideLayouts/slideLayout1.xml><?xml version="1.0" encoding="utf-8"?>
 <p:sldLayout xmlns:a="http://schemas.openxmlformats.org/drawingml/2006/main" xmlns:r="http://schemas.openxmlformats.org/officeDocument/2006/relationships" xmlns:p="http://schemas.openxmlformats.org/presentationml/2006/main" type="title" preserve="1">
-  <p:cSld name="Title Slide">
+  <p:cSld name="Титульный слайд">
     <p:spTree>
       <p:nvGrpSpPr>
         <p:cNvPr id="1" name=""/>
@@ -637,7 +647,7 @@
       </p:grpSpPr>
       <p:sp>
         <p:nvSpPr>
-          <p:cNvPr id="2" name="标题 1"/>
+          <p:cNvPr id="2" name="Заголовок 1"/>
           <p:cNvSpPr>
             <a:spLocks noGrp="true"/>
           </p:cNvSpPr>
@@ -647,109 +657,29 @@
         </p:nvSpPr>
         <p:spPr>
           <a:xfrm>
-            <a:off x="1524000" y="1322962"/>
-            <a:ext cx="9144000" cy="2187001"/>
+            <a:off x="1524000" y="1122363"/>
+            <a:ext cx="9144000" cy="2387600"/>
           </a:xfrm>
         </p:spPr>
         <p:txBody>
-          <a:bodyPr anchor="b">
-            <a:normAutofit/>
-          </a:bodyPr>
+          <a:bodyPr anchor="b"/>
           <a:lstStyle>
             <a:lvl1pPr algn="ctr">
-              <a:lnSpc>
-                <a:spcPct val="130000"/>
-              </a:lnSpc>
-              <a:defRPr sz="6000">
-                <a:effectLst>
-                  <a:outerShdw blurRad="38100" dist="38100" dir="2700000" algn="tl">
-                    <a:srgbClr val="000000">
-                      <a:alpha val="43137"/>
-                    </a:srgbClr>
-                  </a:outerShdw>
-                </a:effectLst>
-              </a:defRPr>
+              <a:defRPr sz="4500"/>
             </a:lvl1pPr>
           </a:lstStyle>
           <a:p>
             <a:r>
-              <a:rPr lang="zh-CN" altLang="en-US" dirty="0">
-                <a:sym typeface="+mn-ea"/>
-              </a:rPr>
-              <a:t>Click to edit Master title style</a:t>
-            </a:r>
-            <a:endParaRPr lang="zh-CN" altLang="en-US" dirty="0">
-              <a:sym typeface="+mn-ea"/>
-            </a:endParaRPr>
-          </a:p>
-        </p:txBody>
-      </p:sp>
-      <p:sp>
-        <p:nvSpPr>
-          <p:cNvPr id="4" name="日期占位符 3"/>
-          <p:cNvSpPr>
-            <a:spLocks noGrp="true"/>
-          </p:cNvSpPr>
-          <p:nvPr>
-            <p:ph type="dt" sz="half" idx="10"/>
-          </p:nvPr>
-        </p:nvSpPr>
-        <p:spPr/>
-        <p:txBody>
-          <a:bodyPr/>
-          <a:lstStyle/>
-          <a:p>
-            <a:fld id="{760FBDFE-C587-4B4C-A407-44438C67B59E}" type="datetimeFigureOut">
-              <a:rPr lang="zh-CN" altLang="en-US" smtClean="0"/>
-            </a:fld>
-            <a:endParaRPr lang="zh-CN" altLang="en-US"/>
-          </a:p>
-        </p:txBody>
-      </p:sp>
-      <p:sp>
-        <p:nvSpPr>
-          <p:cNvPr id="5" name="页脚占位符 4"/>
-          <p:cNvSpPr>
-            <a:spLocks noGrp="true"/>
-          </p:cNvSpPr>
-          <p:nvPr>
-            <p:ph type="ftr" sz="quarter" idx="11"/>
-          </p:nvPr>
-        </p:nvSpPr>
-        <p:spPr/>
-        <p:txBody>
-          <a:bodyPr/>
-          <a:lstStyle/>
-          <a:p>
-            <a:endParaRPr lang="zh-CN" altLang="en-US"/>
-          </a:p>
-        </p:txBody>
-      </p:sp>
-      <p:sp>
-        <p:nvSpPr>
-          <p:cNvPr id="6" name="灯片编号占位符 5"/>
-          <p:cNvSpPr>
-            <a:spLocks noGrp="true"/>
-          </p:cNvSpPr>
-          <p:nvPr>
-            <p:ph type="sldNum" sz="quarter" idx="12"/>
-          </p:nvPr>
-        </p:nvSpPr>
-        <p:spPr/>
-        <p:txBody>
-          <a:bodyPr/>
-          <a:lstStyle/>
-          <a:p>
-            <a:fld id="{49AE70B2-8BF9-45C0-BB95-33D1B9D3A854}" type="slidenum">
-              <a:rPr lang="zh-CN" altLang="en-US" smtClean="0"/>
-            </a:fld>
-            <a:endParaRPr lang="zh-CN" altLang="en-US"/>
-          </a:p>
-        </p:txBody>
-      </p:sp>
-      <p:sp>
-        <p:nvSpPr>
-          <p:cNvPr id="3" name="副标题 2"/>
+              <a:rPr lang="ru-RU" smtClean="0"/>
+              <a:t>Образец заголовка</a:t>
+            </a:r>
+            <a:endParaRPr lang="ru-RU"/>
+          </a:p>
+        </p:txBody>
+      </p:sp>
+      <p:sp>
+        <p:nvSpPr>
+          <p:cNvPr id="3" name="Подзаголовок 2"/>
           <p:cNvSpPr>
             <a:spLocks noGrp="true"/>
           </p:cNvSpPr>
@@ -764,63 +694,114 @@
           </a:xfrm>
         </p:spPr>
         <p:txBody>
-          <a:bodyPr>
-            <a:normAutofit/>
-          </a:bodyPr>
+          <a:bodyPr/>
           <a:lstStyle>
             <a:lvl1pPr marL="0" indent="0" algn="ctr">
               <a:buNone/>
-              <a:defRPr sz="1800">
-                <a:solidFill>
-                  <a:schemeClr val="tx1">
-                    <a:lumMod val="75000"/>
-                    <a:lumOff val="25000"/>
-                  </a:schemeClr>
-                </a:solidFill>
-                <a:effectLst/>
-                <a:latin typeface="+mj-lt"/>
-                <a:ea typeface="+mj-ea"/>
-              </a:defRPr>
+              <a:defRPr sz="1800"/>
             </a:lvl1pPr>
-            <a:lvl2pPr marL="457200" indent="0" algn="ctr">
-              <a:buNone/>
-              <a:defRPr sz="2000"/>
+            <a:lvl2pPr marL="342900" indent="0" algn="ctr">
+              <a:buNone/>
+              <a:defRPr sz="1500"/>
             </a:lvl2pPr>
-            <a:lvl3pPr marL="914400" indent="0" algn="ctr">
-              <a:buNone/>
-              <a:defRPr sz="1800"/>
+            <a:lvl3pPr marL="685800" indent="0" algn="ctr">
+              <a:buNone/>
+              <a:defRPr sz="1350"/>
             </a:lvl3pPr>
-            <a:lvl4pPr marL="1371600" indent="0" algn="ctr">
-              <a:buNone/>
-              <a:defRPr sz="1600"/>
+            <a:lvl4pPr marL="1028700" indent="0" algn="ctr">
+              <a:buNone/>
+              <a:defRPr sz="1200"/>
             </a:lvl4pPr>
-            <a:lvl5pPr marL="1828800" indent="0" algn="ctr">
-              <a:buNone/>
-              <a:defRPr sz="1600"/>
+            <a:lvl5pPr marL="1371600" indent="0" algn="ctr">
+              <a:buNone/>
+              <a:defRPr sz="1200"/>
             </a:lvl5pPr>
-            <a:lvl6pPr marL="2286000" indent="0" algn="ctr">
-              <a:buNone/>
-              <a:defRPr sz="1600"/>
+            <a:lvl6pPr marL="1714500" indent="0" algn="ctr">
+              <a:buNone/>
+              <a:defRPr sz="1200"/>
             </a:lvl6pPr>
-            <a:lvl7pPr marL="2743200" indent="0" algn="ctr">
-              <a:buNone/>
-              <a:defRPr sz="1600"/>
+            <a:lvl7pPr marL="2057400" indent="0" algn="ctr">
+              <a:buNone/>
+              <a:defRPr sz="1200"/>
             </a:lvl7pPr>
-            <a:lvl8pPr marL="3200400" indent="0" algn="ctr">
-              <a:buNone/>
-              <a:defRPr sz="1600"/>
+            <a:lvl8pPr marL="2400300" indent="0" algn="ctr">
+              <a:buNone/>
+              <a:defRPr sz="1200"/>
             </a:lvl8pPr>
-            <a:lvl9pPr marL="3657600" indent="0" algn="ctr">
-              <a:buNone/>
-              <a:defRPr sz="1600"/>
+            <a:lvl9pPr marL="2743200" indent="0" algn="ctr">
+              <a:buNone/>
+              <a:defRPr sz="1200"/>
             </a:lvl9pPr>
           </a:lstStyle>
           <a:p>
             <a:r>
-              <a:rPr lang="zh-CN" altLang="en-US" dirty="0"/>
-              <a:t>Click to edit Master subtitle style</a:t>
-            </a:r>
-            <a:endParaRPr lang="zh-CN" altLang="en-US" dirty="0"/>
+              <a:rPr lang="ru-RU" smtClean="0"/>
+              <a:t>Образец подзаголовка</a:t>
+            </a:r>
+            <a:endParaRPr lang="ru-RU"/>
+          </a:p>
+        </p:txBody>
+      </p:sp>
+      <p:sp>
+        <p:nvSpPr>
+          <p:cNvPr id="4" name="Дата 3"/>
+          <p:cNvSpPr>
+            <a:spLocks noGrp="true"/>
+          </p:cNvSpPr>
+          <p:nvPr>
+            <p:ph type="dt" sz="half" idx="10"/>
+          </p:nvPr>
+        </p:nvSpPr>
+        <p:spPr/>
+        <p:txBody>
+          <a:bodyPr/>
+          <a:lstStyle/>
+          <a:p>
+            <a:fld id="{760FBDFE-C587-4B4C-A407-44438C67B59E}" type="datetimeFigureOut">
+              <a:rPr lang="en-US" smtClean="0"/>
+            </a:fld>
+            <a:endParaRPr lang="en-US"/>
+          </a:p>
+        </p:txBody>
+      </p:sp>
+      <p:sp>
+        <p:nvSpPr>
+          <p:cNvPr id="5" name="Нижний колонтитул 4"/>
+          <p:cNvSpPr>
+            <a:spLocks noGrp="true"/>
+          </p:cNvSpPr>
+          <p:nvPr>
+            <p:ph type="ftr" sz="quarter" idx="11"/>
+          </p:nvPr>
+        </p:nvSpPr>
+        <p:spPr/>
+        <p:txBody>
+          <a:bodyPr/>
+          <a:lstStyle/>
+          <a:p>
+            <a:endParaRPr lang="en-US"/>
+          </a:p>
+        </p:txBody>
+      </p:sp>
+      <p:sp>
+        <p:nvSpPr>
+          <p:cNvPr id="6" name="Номер слайда 5"/>
+          <p:cNvSpPr>
+            <a:spLocks noGrp="true"/>
+          </p:cNvSpPr>
+          <p:nvPr>
+            <p:ph type="sldNum" sz="quarter" idx="12"/>
+          </p:nvPr>
+        </p:nvSpPr>
+        <p:spPr/>
+        <p:txBody>
+          <a:bodyPr/>
+          <a:lstStyle/>
+          <a:p>
+            <a:fld id="{49AE70B2-8BF9-45C0-BB95-33D1B9D3A854}" type="slidenum">
+              <a:rPr lang="en-US" smtClean="0"/>
+            </a:fld>
+            <a:endParaRPr lang="en-US"/>
           </a:p>
         </p:txBody>
       </p:sp>
@@ -829,12 +810,13 @@
   <p:clrMapOvr>
     <a:masterClrMapping/>
   </p:clrMapOvr>
+  <p:hf sldNum="0" hdr="0" ftr="0" dt="0"/>
 </p:sldLayout>
 </file>
 
 <file path=ppt/slideLayouts/slideLayout10.xml><?xml version="1.0" encoding="utf-8"?>
-<p:sldLayout xmlns:a="http://schemas.openxmlformats.org/drawingml/2006/main" xmlns:r="http://schemas.openxmlformats.org/officeDocument/2006/relationships" xmlns:p="http://schemas.openxmlformats.org/presentationml/2006/main" preserve="1" userDrawn="1">
-  <p:cSld name="Content">
+<p:sldLayout xmlns:a="http://schemas.openxmlformats.org/drawingml/2006/main" xmlns:r="http://schemas.openxmlformats.org/officeDocument/2006/relationships" xmlns:p="http://schemas.openxmlformats.org/presentationml/2006/main" type="vertTx" preserve="1">
+  <p:cSld name="Заголовок и вертикальный текст">
     <p:spTree>
       <p:nvGrpSpPr>
         <p:cNvPr id="1" name=""/>
@@ -851,7 +833,86 @@
       </p:grpSpPr>
       <p:sp>
         <p:nvSpPr>
-          <p:cNvPr id="3" name="日期占位符 2"/>
+          <p:cNvPr id="2" name="Заголовок 1"/>
+          <p:cNvSpPr>
+            <a:spLocks noGrp="true"/>
+          </p:cNvSpPr>
+          <p:nvPr>
+            <p:ph type="title"/>
+          </p:nvPr>
+        </p:nvSpPr>
+        <p:spPr/>
+        <p:txBody>
+          <a:bodyPr/>
+          <a:lstStyle/>
+          <a:p>
+            <a:r>
+              <a:rPr lang="ru-RU" smtClean="0"/>
+              <a:t>Образец заголовка</a:t>
+            </a:r>
+            <a:endParaRPr lang="ru-RU"/>
+          </a:p>
+        </p:txBody>
+      </p:sp>
+      <p:sp>
+        <p:nvSpPr>
+          <p:cNvPr id="3" name="Вертикальный текст 2"/>
+          <p:cNvSpPr>
+            <a:spLocks noGrp="true"/>
+          </p:cNvSpPr>
+          <p:nvPr>
+            <p:ph type="body" orient="vert" idx="1"/>
+          </p:nvPr>
+        </p:nvSpPr>
+        <p:spPr/>
+        <p:txBody>
+          <a:bodyPr vert="eaVert"/>
+          <a:lstStyle/>
+          <a:p>
+            <a:pPr lvl="0"/>
+            <a:r>
+              <a:rPr lang="ru-RU" smtClean="0"/>
+              <a:t>Образец текста</a:t>
+            </a:r>
+            <a:endParaRPr lang="ru-RU" smtClean="0"/>
+          </a:p>
+          <a:p>
+            <a:pPr lvl="1"/>
+            <a:r>
+              <a:rPr lang="ru-RU" smtClean="0"/>
+              <a:t>Второй уровень</a:t>
+            </a:r>
+            <a:endParaRPr lang="ru-RU" smtClean="0"/>
+          </a:p>
+          <a:p>
+            <a:pPr lvl="2"/>
+            <a:r>
+              <a:rPr lang="ru-RU" smtClean="0"/>
+              <a:t>Третий уровень</a:t>
+            </a:r>
+            <a:endParaRPr lang="ru-RU" smtClean="0"/>
+          </a:p>
+          <a:p>
+            <a:pPr lvl="3"/>
+            <a:r>
+              <a:rPr lang="ru-RU" smtClean="0"/>
+              <a:t>Четвертый уровень</a:t>
+            </a:r>
+            <a:endParaRPr lang="ru-RU" smtClean="0"/>
+          </a:p>
+          <a:p>
+            <a:pPr lvl="4"/>
+            <a:r>
+              <a:rPr lang="ru-RU" smtClean="0"/>
+              <a:t>Пятый уровень</a:t>
+            </a:r>
+            <a:endParaRPr lang="ru-RU"/>
+          </a:p>
+        </p:txBody>
+      </p:sp>
+      <p:sp>
+        <p:nvSpPr>
+          <p:cNvPr id="4" name="Дата 3"/>
           <p:cNvSpPr>
             <a:spLocks noGrp="true"/>
           </p:cNvSpPr>
@@ -864,116 +925,148 @@
           <a:bodyPr/>
           <a:lstStyle/>
           <a:p>
-            <a:fld id="{760FBDFE-C587-4B4C-A407-44438C67B59E}" type="datetimeFigureOut">
-              <a:rPr lang="zh-CN" altLang="en-US" smtClean="0"/>
+            <a:pPr marL="0" marR="0" lvl="0" indent="0" algn="l" defTabSz="914400" rtl="0" eaLnBrk="1" fontAlgn="base" latinLnBrk="0" hangingPunct="1">
+              <a:lnSpc>
+                <a:spcPct val="100000"/>
+              </a:lnSpc>
+              <a:spcBef>
+                <a:spcPct val="0"/>
+              </a:spcBef>
+              <a:spcAft>
+                <a:spcPct val="0"/>
+              </a:spcAft>
+              <a:buClrTx/>
+              <a:buSzTx/>
+              <a:buFontTx/>
+              <a:buNone/>
+              <a:defRPr/>
+            </a:pPr>
+            <a:endParaRPr kumimoji="0" lang="en-US" altLang="zh-CN" sz="1400" b="0" i="0" u="none" strike="noStrike" kern="1200" cap="none" spc="0" normalizeH="0" baseline="0" noProof="0" smtClean="0">
+              <a:ln>
+                <a:noFill/>
+              </a:ln>
+              <a:solidFill>
+                <a:schemeClr val="tx1"/>
+              </a:solidFill>
+              <a:effectLst/>
+              <a:uLnTx/>
+              <a:uFillTx/>
+              <a:latin typeface="Arial" panose="020B0604020202020204" pitchFamily="34" charset="0"/>
+              <a:ea typeface="SimSun" pitchFamily="2" charset="-122"/>
+              <a:cs typeface="+mn-cs"/>
+            </a:endParaRPr>
+          </a:p>
+        </p:txBody>
+      </p:sp>
+      <p:sp>
+        <p:nvSpPr>
+          <p:cNvPr id="5" name="Нижний колонтитул 4"/>
+          <p:cNvSpPr>
+            <a:spLocks noGrp="true"/>
+          </p:cNvSpPr>
+          <p:nvPr>
+            <p:ph type="ftr" sz="quarter" idx="11"/>
+          </p:nvPr>
+        </p:nvSpPr>
+        <p:spPr/>
+        <p:txBody>
+          <a:bodyPr/>
+          <a:lstStyle/>
+          <a:p>
+            <a:pPr marL="0" marR="0" lvl="0" indent="0" algn="ctr" defTabSz="914400" rtl="0" eaLnBrk="1" fontAlgn="base" latinLnBrk="0" hangingPunct="1">
+              <a:lnSpc>
+                <a:spcPct val="100000"/>
+              </a:lnSpc>
+              <a:spcBef>
+                <a:spcPct val="0"/>
+              </a:spcBef>
+              <a:spcAft>
+                <a:spcPct val="0"/>
+              </a:spcAft>
+              <a:buClrTx/>
+              <a:buSzTx/>
+              <a:buFontTx/>
+              <a:buNone/>
+              <a:defRPr/>
+            </a:pPr>
+            <a:endParaRPr kumimoji="0" lang="en-US" altLang="zh-CN" sz="1400" b="0" i="0" u="none" strike="noStrike" kern="1200" cap="none" spc="0" normalizeH="0" baseline="0" noProof="0" smtClean="0">
+              <a:ln>
+                <a:noFill/>
+              </a:ln>
+              <a:solidFill>
+                <a:schemeClr val="tx1"/>
+              </a:solidFill>
+              <a:effectLst/>
+              <a:uLnTx/>
+              <a:uFillTx/>
+              <a:latin typeface="Arial" panose="020B0604020202020204" pitchFamily="34" charset="0"/>
+              <a:ea typeface="SimSun" pitchFamily="2" charset="-122"/>
+              <a:cs typeface="+mn-cs"/>
+            </a:endParaRPr>
+          </a:p>
+        </p:txBody>
+      </p:sp>
+      <p:sp>
+        <p:nvSpPr>
+          <p:cNvPr id="6" name="Номер слайда 5"/>
+          <p:cNvSpPr>
+            <a:spLocks noGrp="true"/>
+          </p:cNvSpPr>
+          <p:nvPr>
+            <p:ph type="sldNum" sz="quarter" idx="12"/>
+          </p:nvPr>
+        </p:nvSpPr>
+        <p:spPr/>
+        <p:txBody>
+          <a:bodyPr/>
+          <a:lstStyle/>
+          <a:p>
+            <a:pPr marL="0" marR="0" lvl="0" indent="0" algn="r" defTabSz="914400" rtl="0" eaLnBrk="1" fontAlgn="base" latinLnBrk="0" hangingPunct="1">
+              <a:lnSpc>
+                <a:spcPct val="100000"/>
+              </a:lnSpc>
+              <a:spcBef>
+                <a:spcPct val="0"/>
+              </a:spcBef>
+              <a:spcAft>
+                <a:spcPct val="0"/>
+              </a:spcAft>
+              <a:buClrTx/>
+              <a:buSzTx/>
+              <a:buFontTx/>
+              <a:buNone/>
+              <a:defRPr/>
+            </a:pPr>
+            <a:fld id="{078FD23A-2F78-4156-BB62-C393E2F1F45C}" type="slidenum">
+              <a:rPr kumimoji="0" lang="en-US" altLang="zh-CN" sz="1400" b="0" i="0" u="none" strike="noStrike" kern="1200" cap="none" spc="0" normalizeH="0" baseline="0" noProof="0" smtClean="0">
+                <a:ln>
+                  <a:noFill/>
+                </a:ln>
+                <a:solidFill>
+                  <a:schemeClr val="tx1"/>
+                </a:solidFill>
+                <a:effectLst/>
+                <a:uLnTx/>
+                <a:uFillTx/>
+                <a:latin typeface="Arial" panose="020B0604020202020204" pitchFamily="34" charset="0"/>
+                <a:ea typeface="SimSun" pitchFamily="2" charset="-122"/>
+                <a:cs typeface="+mn-cs"/>
+              </a:rPr>
             </a:fld>
-            <a:endParaRPr lang="zh-CN" altLang="en-US"/>
-          </a:p>
-        </p:txBody>
-      </p:sp>
-      <p:sp>
-        <p:nvSpPr>
-          <p:cNvPr id="4" name="页脚占位符 3"/>
-          <p:cNvSpPr>
-            <a:spLocks noGrp="true"/>
-          </p:cNvSpPr>
-          <p:nvPr>
-            <p:ph type="ftr" sz="quarter" idx="11"/>
-          </p:nvPr>
-        </p:nvSpPr>
-        <p:spPr/>
-        <p:txBody>
-          <a:bodyPr/>
-          <a:lstStyle/>
-          <a:p>
-            <a:endParaRPr lang="zh-CN" altLang="en-US"/>
-          </a:p>
-        </p:txBody>
-      </p:sp>
-      <p:sp>
-        <p:nvSpPr>
-          <p:cNvPr id="5" name="灯片编号占位符 4"/>
-          <p:cNvSpPr>
-            <a:spLocks noGrp="true"/>
-          </p:cNvSpPr>
-          <p:nvPr>
-            <p:ph type="sldNum" sz="quarter" idx="12"/>
-          </p:nvPr>
-        </p:nvSpPr>
-        <p:spPr/>
-        <p:txBody>
-          <a:bodyPr/>
-          <a:lstStyle/>
-          <a:p>
-            <a:fld id="{49AE70B2-8BF9-45C0-BB95-33D1B9D3A854}" type="slidenum">
-              <a:rPr lang="zh-CN" altLang="en-US" smtClean="0"/>
-            </a:fld>
-            <a:endParaRPr lang="zh-CN" altLang="en-US"/>
-          </a:p>
-        </p:txBody>
-      </p:sp>
-      <p:sp>
-        <p:nvSpPr>
-          <p:cNvPr id="7" name="内容占位符 6"/>
-          <p:cNvSpPr>
-            <a:spLocks noGrp="true"/>
-          </p:cNvSpPr>
-          <p:nvPr>
-            <p:ph sz="quarter" idx="13"/>
-          </p:nvPr>
-        </p:nvSpPr>
-        <p:spPr>
-          <a:xfrm>
-            <a:off x="838200" y="551543"/>
-            <a:ext cx="10515600" cy="5558971"/>
-          </a:xfrm>
-        </p:spPr>
-        <p:txBody>
-          <a:bodyPr/>
-          <a:lstStyle/>
-          <a:p>
-            <a:pPr lvl="0"/>
-            <a:r>
-              <a:rPr lang="zh-CN" altLang="en-US" dirty="0">
-                <a:sym typeface="+mn-ea"/>
-              </a:rPr>
-              <a:t>Click to edit Master text styles</a:t>
-            </a:r>
-            <a:endParaRPr lang="zh-CN" altLang="en-US" dirty="0">
-              <a:sym typeface="+mn-ea"/>
+            <a:endParaRPr kumimoji="0" lang="en-US" altLang="zh-CN" sz="1400" b="0" i="0" u="none" strike="noStrike" kern="1200" cap="none" spc="0" normalizeH="0" baseline="0" noProof="0" smtClean="0">
+              <a:ln>
+                <a:noFill/>
+              </a:ln>
+              <a:solidFill>
+                <a:schemeClr val="tx1"/>
+              </a:solidFill>
+              <a:effectLst/>
+              <a:uLnTx/>
+              <a:uFillTx/>
+              <a:latin typeface="Arial" panose="020B0604020202020204" pitchFamily="34" charset="0"/>
+              <a:ea typeface="SimSun" pitchFamily="2" charset="-122"/>
+              <a:cs typeface="+mn-cs"/>
             </a:endParaRPr>
-          </a:p>
-          <a:p>
-            <a:pPr lvl="1"/>
-            <a:r>
-              <a:rPr lang="zh-CN" altLang="en-US" dirty="0"/>
-              <a:t>Second level</a:t>
-            </a:r>
-            <a:endParaRPr lang="zh-CN" altLang="en-US" dirty="0"/>
-          </a:p>
-          <a:p>
-            <a:pPr lvl="2"/>
-            <a:r>
-              <a:rPr lang="zh-CN" altLang="en-US" dirty="0"/>
-              <a:t>Third level</a:t>
-            </a:r>
-            <a:endParaRPr lang="zh-CN" altLang="en-US" dirty="0"/>
-          </a:p>
-          <a:p>
-            <a:pPr lvl="3"/>
-            <a:r>
-              <a:rPr lang="zh-CN" altLang="en-US" dirty="0"/>
-              <a:t>Fourth level</a:t>
-            </a:r>
-            <a:endParaRPr lang="zh-CN" altLang="en-US" dirty="0"/>
-          </a:p>
-          <a:p>
-            <a:pPr lvl="4"/>
-            <a:r>
-              <a:rPr lang="zh-CN" altLang="en-US" dirty="0"/>
-              <a:t>Fifth level</a:t>
-            </a:r>
-            <a:endParaRPr lang="zh-CN" altLang="en-US" dirty="0"/>
           </a:p>
         </p:txBody>
       </p:sp>
@@ -982,12 +1075,13 @@
   <p:clrMapOvr>
     <a:masterClrMapping/>
   </p:clrMapOvr>
+  <p:hf sldNum="0" hdr="0" ftr="0" dt="0"/>
 </p:sldLayout>
 </file>
 
-<file path=ppt/slideLayouts/slideLayout2.xml><?xml version="1.0" encoding="utf-8"?>
-<p:sldLayout xmlns:a="http://schemas.openxmlformats.org/drawingml/2006/main" xmlns:r="http://schemas.openxmlformats.org/officeDocument/2006/relationships" xmlns:p="http://schemas.openxmlformats.org/presentationml/2006/main" type="obj" preserve="1">
-  <p:cSld name="Title and Content">
+<file path=ppt/slideLayouts/slideLayout11.xml><?xml version="1.0" encoding="utf-8"?>
+<p:sldLayout xmlns:a="http://schemas.openxmlformats.org/drawingml/2006/main" xmlns:r="http://schemas.openxmlformats.org/officeDocument/2006/relationships" xmlns:p="http://schemas.openxmlformats.org/presentationml/2006/main" type="vertTitleAndTx" preserve="1">
+  <p:cSld name="Вертикальный заголовок и текст">
     <p:spTree>
       <p:nvGrpSpPr>
         <p:cNvPr id="1" name=""/>
@@ -1004,167 +1098,96 @@
       </p:grpSpPr>
       <p:sp>
         <p:nvSpPr>
-          <p:cNvPr id="2" name="标题 1"/>
-          <p:cNvSpPr>
-            <a:spLocks noGrp="true"/>
-          </p:cNvSpPr>
-          <p:nvPr>
-            <p:ph type="title"/>
+          <p:cNvPr id="2" name="Вертикальный заголовок 1"/>
+          <p:cNvSpPr>
+            <a:spLocks noGrp="true"/>
+          </p:cNvSpPr>
+          <p:nvPr>
+            <p:ph type="title" orient="vert"/>
           </p:nvPr>
         </p:nvSpPr>
         <p:spPr>
           <a:xfrm>
-            <a:off x="647700" y="258445"/>
-            <a:ext cx="10515600" cy="1325563"/>
+            <a:off x="8839200" y="274638"/>
+            <a:ext cx="2743200" cy="5851525"/>
           </a:xfrm>
         </p:spPr>
         <p:txBody>
-          <a:bodyPr anchor="ctr" anchorCtr="false">
-            <a:normAutofit/>
-          </a:bodyPr>
-          <a:lstStyle>
-            <a:lvl1pPr>
-              <a:defRPr sz="2400" b="1">
-                <a:effectLst>
-                  <a:outerShdw blurRad="38100" dist="38100" dir="2700000" algn="tl">
-                    <a:srgbClr val="000000">
-                      <a:alpha val="43137"/>
-                    </a:srgbClr>
-                  </a:outerShdw>
-                </a:effectLst>
-              </a:defRPr>
-            </a:lvl1pPr>
-          </a:lstStyle>
-          <a:p>
-            <a:r>
-              <a:rPr lang="zh-CN" altLang="en-US" dirty="0"/>
-              <a:t>Click to edit Master title style</a:t>
-            </a:r>
-            <a:endParaRPr lang="zh-CN" altLang="en-US" dirty="0"/>
-          </a:p>
-        </p:txBody>
-      </p:sp>
-      <p:sp>
-        <p:nvSpPr>
-          <p:cNvPr id="3" name="内容占位符 2"/>
-          <p:cNvSpPr>
-            <a:spLocks noGrp="true"/>
-          </p:cNvSpPr>
-          <p:nvPr>
-            <p:ph idx="1"/>
+          <a:bodyPr vert="eaVert"/>
+          <a:lstStyle/>
+          <a:p>
+            <a:r>
+              <a:rPr lang="ru-RU" smtClean="0"/>
+              <a:t>Образец заголовка</a:t>
+            </a:r>
+            <a:endParaRPr lang="ru-RU"/>
+          </a:p>
+        </p:txBody>
+      </p:sp>
+      <p:sp>
+        <p:nvSpPr>
+          <p:cNvPr id="3" name="Вертикальный текст 2"/>
+          <p:cNvSpPr>
+            <a:spLocks noGrp="true"/>
+          </p:cNvSpPr>
+          <p:nvPr>
+            <p:ph type="body" orient="vert" idx="1"/>
           </p:nvPr>
         </p:nvSpPr>
         <p:spPr>
           <a:xfrm>
-            <a:off x="647700" y="1825625"/>
-            <a:ext cx="10515600" cy="4351338"/>
+            <a:off x="609600" y="274638"/>
+            <a:ext cx="8070573" cy="5851525"/>
           </a:xfrm>
         </p:spPr>
         <p:txBody>
-          <a:bodyPr>
-            <a:normAutofit/>
-          </a:bodyPr>
-          <a:lstStyle>
-            <a:lvl1pPr>
-              <a:defRPr sz="2000">
-                <a:solidFill>
-                  <a:schemeClr val="tx1">
-                    <a:lumMod val="75000"/>
-                    <a:lumOff val="25000"/>
-                  </a:schemeClr>
-                </a:solidFill>
-              </a:defRPr>
-            </a:lvl1pPr>
-            <a:lvl2pPr>
-              <a:defRPr sz="1800">
-                <a:solidFill>
-                  <a:schemeClr val="tx1">
-                    <a:lumMod val="75000"/>
-                    <a:lumOff val="25000"/>
-                  </a:schemeClr>
-                </a:solidFill>
-              </a:defRPr>
-            </a:lvl2pPr>
-            <a:lvl3pPr>
-              <a:defRPr sz="1600">
-                <a:solidFill>
-                  <a:schemeClr val="tx1">
-                    <a:lumMod val="75000"/>
-                    <a:lumOff val="25000"/>
-                  </a:schemeClr>
-                </a:solidFill>
-              </a:defRPr>
-            </a:lvl3pPr>
-            <a:lvl4pPr>
-              <a:defRPr sz="1600">
-                <a:solidFill>
-                  <a:schemeClr val="tx1">
-                    <a:lumMod val="75000"/>
-                    <a:lumOff val="25000"/>
-                  </a:schemeClr>
-                </a:solidFill>
-              </a:defRPr>
-            </a:lvl4pPr>
-            <a:lvl5pPr>
-              <a:defRPr sz="1600">
-                <a:solidFill>
-                  <a:schemeClr val="tx1">
-                    <a:lumMod val="75000"/>
-                    <a:lumOff val="25000"/>
-                  </a:schemeClr>
-                </a:solidFill>
-              </a:defRPr>
-            </a:lvl5pPr>
-          </a:lstStyle>
+          <a:bodyPr vert="eaVert"/>
+          <a:lstStyle/>
           <a:p>
             <a:pPr lvl="0"/>
             <a:r>
-              <a:rPr lang="zh-CN" altLang="en-US" dirty="0">
-                <a:sym typeface="+mn-ea"/>
-              </a:rPr>
-              <a:t>Click to edit Master text styles</a:t>
-            </a:r>
-            <a:endParaRPr lang="zh-CN" altLang="en-US" dirty="0">
-              <a:sym typeface="+mn-ea"/>
-            </a:endParaRPr>
+              <a:rPr lang="ru-RU" smtClean="0"/>
+              <a:t>Образец текста</a:t>
+            </a:r>
+            <a:endParaRPr lang="ru-RU" smtClean="0"/>
           </a:p>
           <a:p>
             <a:pPr lvl="1"/>
             <a:r>
-              <a:rPr lang="zh-CN" altLang="en-US" dirty="0"/>
-              <a:t>Second level</a:t>
-            </a:r>
-            <a:endParaRPr lang="zh-CN" altLang="en-US" dirty="0"/>
+              <a:rPr lang="ru-RU" smtClean="0"/>
+              <a:t>Второй уровень</a:t>
+            </a:r>
+            <a:endParaRPr lang="ru-RU" smtClean="0"/>
           </a:p>
           <a:p>
             <a:pPr lvl="2"/>
             <a:r>
-              <a:rPr lang="zh-CN" altLang="en-US" dirty="0"/>
-              <a:t>Third level</a:t>
-            </a:r>
-            <a:endParaRPr lang="zh-CN" altLang="en-US" dirty="0"/>
+              <a:rPr lang="ru-RU" smtClean="0"/>
+              <a:t>Третий уровень</a:t>
+            </a:r>
+            <a:endParaRPr lang="ru-RU" smtClean="0"/>
           </a:p>
           <a:p>
             <a:pPr lvl="3"/>
             <a:r>
-              <a:rPr lang="zh-CN" altLang="en-US" dirty="0"/>
-              <a:t>Fourth level</a:t>
-            </a:r>
-            <a:endParaRPr lang="zh-CN" altLang="en-US" dirty="0"/>
+              <a:rPr lang="ru-RU" smtClean="0"/>
+              <a:t>Четвертый уровень</a:t>
+            </a:r>
+            <a:endParaRPr lang="ru-RU" smtClean="0"/>
           </a:p>
           <a:p>
             <a:pPr lvl="4"/>
             <a:r>
-              <a:rPr lang="zh-CN" altLang="en-US" dirty="0"/>
-              <a:t>Fifth level</a:t>
-            </a:r>
-            <a:endParaRPr lang="zh-CN" altLang="en-US" dirty="0"/>
-          </a:p>
-        </p:txBody>
-      </p:sp>
-      <p:sp>
-        <p:nvSpPr>
-          <p:cNvPr id="4" name="日期占位符 3"/>
+              <a:rPr lang="ru-RU" smtClean="0"/>
+              <a:t>Пятый уровень</a:t>
+            </a:r>
+            <a:endParaRPr lang="ru-RU"/>
+          </a:p>
+        </p:txBody>
+      </p:sp>
+      <p:sp>
+        <p:nvSpPr>
+          <p:cNvPr id="4" name="Дата 3"/>
           <p:cNvSpPr>
             <a:spLocks noGrp="true"/>
           </p:cNvSpPr>
@@ -1178,15 +1201,15 @@
           <a:lstStyle/>
           <a:p>
             <a:fld id="{760FBDFE-C587-4B4C-A407-44438C67B59E}" type="datetimeFigureOut">
-              <a:rPr lang="zh-CN" altLang="en-US" smtClean="0"/>
+              <a:rPr lang="en-US" smtClean="0"/>
             </a:fld>
-            <a:endParaRPr lang="zh-CN" altLang="en-US"/>
-          </a:p>
-        </p:txBody>
-      </p:sp>
-      <p:sp>
-        <p:nvSpPr>
-          <p:cNvPr id="5" name="页脚占位符 4"/>
+            <a:endParaRPr lang="en-US"/>
+          </a:p>
+        </p:txBody>
+      </p:sp>
+      <p:sp>
+        <p:nvSpPr>
+          <p:cNvPr id="5" name="Нижний колонтитул 4"/>
           <p:cNvSpPr>
             <a:spLocks noGrp="true"/>
           </p:cNvSpPr>
@@ -1199,13 +1222,13 @@
           <a:bodyPr/>
           <a:lstStyle/>
           <a:p>
-            <a:endParaRPr lang="zh-CN" altLang="en-US"/>
-          </a:p>
-        </p:txBody>
-      </p:sp>
-      <p:sp>
-        <p:nvSpPr>
-          <p:cNvPr id="6" name="灯片编号占位符 5"/>
+            <a:endParaRPr lang="en-US"/>
+          </a:p>
+        </p:txBody>
+      </p:sp>
+      <p:sp>
+        <p:nvSpPr>
+          <p:cNvPr id="6" name="Номер слайда 5"/>
           <p:cNvSpPr>
             <a:spLocks noGrp="true"/>
           </p:cNvSpPr>
@@ -1219,9 +1242,9 @@
           <a:lstStyle/>
           <a:p>
             <a:fld id="{49AE70B2-8BF9-45C0-BB95-33D1B9D3A854}" type="slidenum">
-              <a:rPr lang="zh-CN" altLang="en-US" smtClean="0"/>
+              <a:rPr lang="en-US" smtClean="0"/>
             </a:fld>
-            <a:endParaRPr lang="zh-CN" altLang="en-US"/>
+            <a:endParaRPr lang="en-US"/>
           </a:p>
         </p:txBody>
       </p:sp>
@@ -1230,12 +1253,13 @@
   <p:clrMapOvr>
     <a:masterClrMapping/>
   </p:clrMapOvr>
+  <p:hf sldNum="0" hdr="0" ftr="0" dt="0"/>
 </p:sldLayout>
 </file>
 
-<file path=ppt/slideLayouts/slideLayout3.xml><?xml version="1.0" encoding="utf-8"?>
-<p:sldLayout xmlns:a="http://schemas.openxmlformats.org/drawingml/2006/main" xmlns:r="http://schemas.openxmlformats.org/officeDocument/2006/relationships" xmlns:p="http://schemas.openxmlformats.org/presentationml/2006/main" type="secHead" preserve="1">
-  <p:cSld name="Section Header">
+<file path=ppt/slideLayouts/slideLayout2.xml><?xml version="1.0" encoding="utf-8"?>
+<p:sldLayout xmlns:a="http://schemas.openxmlformats.org/drawingml/2006/main" xmlns:r="http://schemas.openxmlformats.org/officeDocument/2006/relationships" xmlns:p="http://schemas.openxmlformats.org/presentationml/2006/main" type="obj" preserve="1">
+  <p:cSld name="Заголовок и объект">
     <p:spTree>
       <p:nvGrpSpPr>
         <p:cNvPr id="1" name=""/>
@@ -1252,7 +1276,7 @@
       </p:grpSpPr>
       <p:sp>
         <p:nvSpPr>
-          <p:cNvPr id="2" name="标题 1"/>
+          <p:cNvPr id="2" name="Заголовок 1"/>
           <p:cNvSpPr>
             <a:spLocks noGrp="true"/>
           </p:cNvSpPr>
@@ -1260,165 +1284,78 @@
             <p:ph type="title"/>
           </p:nvPr>
         </p:nvSpPr>
-        <p:spPr>
-          <a:xfrm>
-            <a:off x="831850" y="3750945"/>
-            <a:ext cx="9848088" cy="811530"/>
-          </a:xfrm>
-        </p:spPr>
-        <p:txBody>
-          <a:bodyPr anchor="b">
-            <a:normAutofit/>
-          </a:bodyPr>
-          <a:lstStyle>
-            <a:lvl1pPr>
-              <a:defRPr sz="4000">
-                <a:effectLst>
-                  <a:outerShdw blurRad="38100" dist="38100" dir="2700000" algn="tl">
-                    <a:srgbClr val="000000">
-                      <a:alpha val="43137"/>
-                    </a:srgbClr>
-                  </a:outerShdw>
-                </a:effectLst>
-              </a:defRPr>
-            </a:lvl1pPr>
-          </a:lstStyle>
-          <a:p>
-            <a:r>
-              <a:rPr lang="zh-CN" altLang="en-US" dirty="0"/>
-              <a:t>Click to edit Master title style</a:t>
-            </a:r>
-            <a:endParaRPr lang="zh-CN" altLang="en-US" dirty="0"/>
-          </a:p>
-        </p:txBody>
-      </p:sp>
-      <p:sp>
-        <p:nvSpPr>
-          <p:cNvPr id="3" name="文本占位符 2"/>
-          <p:cNvSpPr>
-            <a:spLocks noGrp="true"/>
-          </p:cNvSpPr>
-          <p:nvPr>
-            <p:ph type="body" idx="1"/>
-          </p:nvPr>
-        </p:nvSpPr>
-        <p:spPr>
-          <a:xfrm>
-            <a:off x="831850" y="4610028"/>
-            <a:ext cx="7321550" cy="647555"/>
-          </a:xfrm>
-        </p:spPr>
-        <p:txBody>
-          <a:bodyPr>
-            <a:normAutofit/>
-          </a:bodyPr>
-          <a:lstStyle>
-            <a:lvl1pPr marL="0" indent="0">
-              <a:buNone/>
-              <a:defRPr sz="1800">
-                <a:solidFill>
-                  <a:schemeClr val="tx1"/>
-                </a:solidFill>
-              </a:defRPr>
-            </a:lvl1pPr>
-            <a:lvl2pPr marL="457200" indent="0">
-              <a:buNone/>
-              <a:defRPr sz="2000">
-                <a:solidFill>
-                  <a:schemeClr val="tx1">
-                    <a:tint val="75000"/>
-                  </a:schemeClr>
-                </a:solidFill>
-              </a:defRPr>
-            </a:lvl2pPr>
-            <a:lvl3pPr marL="914400" indent="0">
-              <a:buNone/>
-              <a:defRPr sz="1800">
-                <a:solidFill>
-                  <a:schemeClr val="tx1">
-                    <a:tint val="75000"/>
-                  </a:schemeClr>
-                </a:solidFill>
-              </a:defRPr>
-            </a:lvl3pPr>
-            <a:lvl4pPr marL="1371600" indent="0">
-              <a:buNone/>
-              <a:defRPr sz="1600">
-                <a:solidFill>
-                  <a:schemeClr val="tx1">
-                    <a:tint val="75000"/>
-                  </a:schemeClr>
-                </a:solidFill>
-              </a:defRPr>
-            </a:lvl4pPr>
-            <a:lvl5pPr marL="1828800" indent="0">
-              <a:buNone/>
-              <a:defRPr sz="1600">
-                <a:solidFill>
-                  <a:schemeClr val="tx1">
-                    <a:tint val="75000"/>
-                  </a:schemeClr>
-                </a:solidFill>
-              </a:defRPr>
-            </a:lvl5pPr>
-            <a:lvl6pPr marL="2286000" indent="0">
-              <a:buNone/>
-              <a:defRPr sz="1600">
-                <a:solidFill>
-                  <a:schemeClr val="tx1">
-                    <a:tint val="75000"/>
-                  </a:schemeClr>
-                </a:solidFill>
-              </a:defRPr>
-            </a:lvl6pPr>
-            <a:lvl7pPr marL="2743200" indent="0">
-              <a:buNone/>
-              <a:defRPr sz="1600">
-                <a:solidFill>
-                  <a:schemeClr val="tx1">
-                    <a:tint val="75000"/>
-                  </a:schemeClr>
-                </a:solidFill>
-              </a:defRPr>
-            </a:lvl7pPr>
-            <a:lvl8pPr marL="3200400" indent="0">
-              <a:buNone/>
-              <a:defRPr sz="1600">
-                <a:solidFill>
-                  <a:schemeClr val="tx1">
-                    <a:tint val="75000"/>
-                  </a:schemeClr>
-                </a:solidFill>
-              </a:defRPr>
-            </a:lvl8pPr>
-            <a:lvl9pPr marL="3657600" indent="0">
-              <a:buNone/>
-              <a:defRPr sz="1600">
-                <a:solidFill>
-                  <a:schemeClr val="tx1">
-                    <a:tint val="75000"/>
-                  </a:schemeClr>
-                </a:solidFill>
-              </a:defRPr>
-            </a:lvl9pPr>
-          </a:lstStyle>
+        <p:spPr/>
+        <p:txBody>
+          <a:bodyPr/>
+          <a:lstStyle/>
+          <a:p>
+            <a:r>
+              <a:rPr lang="ru-RU" smtClean="0"/>
+              <a:t>Образец заголовка</a:t>
+            </a:r>
+            <a:endParaRPr lang="ru-RU"/>
+          </a:p>
+        </p:txBody>
+      </p:sp>
+      <p:sp>
+        <p:nvSpPr>
+          <p:cNvPr id="3" name="Объект 2"/>
+          <p:cNvSpPr>
+            <a:spLocks noGrp="true"/>
+          </p:cNvSpPr>
+          <p:nvPr>
+            <p:ph idx="1"/>
+          </p:nvPr>
+        </p:nvSpPr>
+        <p:spPr/>
+        <p:txBody>
+          <a:bodyPr/>
+          <a:lstStyle/>
           <a:p>
             <a:pPr lvl="0"/>
             <a:r>
-              <a:rPr lang="zh-CN" altLang="en-US" dirty="0">
-                <a:sym typeface="+mn-ea"/>
-              </a:rPr>
-              <a:t>Click to edit Master text styles</a:t>
-            </a:r>
-            <a:endParaRPr lang="zh-CN" altLang="en-US" dirty="0">
-              <a:sym typeface="+mn-ea"/>
-            </a:endParaRPr>
-          </a:p>
-        </p:txBody>
-      </p:sp>
-      <p:sp>
-        <p:nvSpPr>
-          <p:cNvPr id="4" name="日期占位符 3"/>
+              <a:rPr lang="ru-RU" smtClean="0"/>
+              <a:t>Образец текста</a:t>
+            </a:r>
+            <a:endParaRPr lang="ru-RU" smtClean="0"/>
+          </a:p>
+          <a:p>
+            <a:pPr lvl="1"/>
+            <a:r>
+              <a:rPr lang="ru-RU" smtClean="0"/>
+              <a:t>Второй уровень</a:t>
+            </a:r>
+            <a:endParaRPr lang="ru-RU" smtClean="0"/>
+          </a:p>
+          <a:p>
+            <a:pPr lvl="2"/>
+            <a:r>
+              <a:rPr lang="ru-RU" smtClean="0"/>
+              <a:t>Третий уровень</a:t>
+            </a:r>
+            <a:endParaRPr lang="ru-RU" smtClean="0"/>
+          </a:p>
+          <a:p>
+            <a:pPr lvl="3"/>
+            <a:r>
+              <a:rPr lang="ru-RU" smtClean="0"/>
+              <a:t>Четвертый уровень</a:t>
+            </a:r>
+            <a:endParaRPr lang="ru-RU" smtClean="0"/>
+          </a:p>
+          <a:p>
+            <a:pPr lvl="4"/>
+            <a:r>
+              <a:rPr lang="ru-RU" smtClean="0"/>
+              <a:t>Пятый уровень</a:t>
+            </a:r>
+            <a:endParaRPr lang="ru-RU"/>
+          </a:p>
+        </p:txBody>
+      </p:sp>
+      <p:sp>
+        <p:nvSpPr>
+          <p:cNvPr id="4" name="Дата 3"/>
           <p:cNvSpPr>
             <a:spLocks noGrp="true"/>
           </p:cNvSpPr>
@@ -1432,15 +1369,15 @@
           <a:lstStyle/>
           <a:p>
             <a:fld id="{760FBDFE-C587-4B4C-A407-44438C67B59E}" type="datetimeFigureOut">
-              <a:rPr lang="zh-CN" altLang="en-US" smtClean="0"/>
+              <a:rPr lang="en-US" smtClean="0"/>
             </a:fld>
-            <a:endParaRPr lang="zh-CN" altLang="en-US"/>
-          </a:p>
-        </p:txBody>
-      </p:sp>
-      <p:sp>
-        <p:nvSpPr>
-          <p:cNvPr id="5" name="页脚占位符 4"/>
+            <a:endParaRPr lang="en-US"/>
+          </a:p>
+        </p:txBody>
+      </p:sp>
+      <p:sp>
+        <p:nvSpPr>
+          <p:cNvPr id="5" name="Нижний колонтитул 4"/>
           <p:cNvSpPr>
             <a:spLocks noGrp="true"/>
           </p:cNvSpPr>
@@ -1453,13 +1390,13 @@
           <a:bodyPr/>
           <a:lstStyle/>
           <a:p>
-            <a:endParaRPr lang="zh-CN" altLang="en-US"/>
-          </a:p>
-        </p:txBody>
-      </p:sp>
-      <p:sp>
-        <p:nvSpPr>
-          <p:cNvPr id="6" name="灯片编号占位符 5"/>
+            <a:endParaRPr lang="en-US"/>
+          </a:p>
+        </p:txBody>
+      </p:sp>
+      <p:sp>
+        <p:nvSpPr>
+          <p:cNvPr id="6" name="Номер слайда 5"/>
           <p:cNvSpPr>
             <a:spLocks noGrp="true"/>
           </p:cNvSpPr>
@@ -1473,9 +1410,9 @@
           <a:lstStyle/>
           <a:p>
             <a:fld id="{49AE70B2-8BF9-45C0-BB95-33D1B9D3A854}" type="slidenum">
-              <a:rPr lang="zh-CN" altLang="en-US" smtClean="0"/>
+              <a:rPr lang="en-US" smtClean="0"/>
             </a:fld>
-            <a:endParaRPr lang="zh-CN" altLang="en-US"/>
+            <a:endParaRPr lang="en-US"/>
           </a:p>
         </p:txBody>
       </p:sp>
@@ -1484,12 +1421,13 @@
   <p:clrMapOvr>
     <a:masterClrMapping/>
   </p:clrMapOvr>
+  <p:hf sldNum="0" hdr="0" ftr="0" dt="0"/>
 </p:sldLayout>
 </file>
 
-<file path=ppt/slideLayouts/slideLayout4.xml><?xml version="1.0" encoding="utf-8"?>
-<p:sldLayout xmlns:a="http://schemas.openxmlformats.org/drawingml/2006/main" xmlns:r="http://schemas.openxmlformats.org/officeDocument/2006/relationships" xmlns:p="http://schemas.openxmlformats.org/presentationml/2006/main" type="twoObj" preserve="1">
-  <p:cSld name="Two Content">
+<file path=ppt/slideLayouts/slideLayout3.xml><?xml version="1.0" encoding="utf-8"?>
+<p:sldLayout xmlns:a="http://schemas.openxmlformats.org/drawingml/2006/main" xmlns:r="http://schemas.openxmlformats.org/officeDocument/2006/relationships" xmlns:p="http://schemas.openxmlformats.org/presentationml/2006/main" type="secHead" preserve="1">
+  <p:cSld name="Заголовок раздела">
     <p:spTree>
       <p:nvGrpSpPr>
         <p:cNvPr id="1" name=""/>
@@ -1506,7 +1444,7 @@
       </p:grpSpPr>
       <p:sp>
         <p:nvSpPr>
-          <p:cNvPr id="2" name="标题 1"/>
+          <p:cNvPr id="2" name="Заголовок 1"/>
           <p:cNvSpPr>
             <a:spLocks noGrp="true"/>
           </p:cNvSpPr>
@@ -1516,305 +1454,149 @@
         </p:nvSpPr>
         <p:spPr>
           <a:xfrm>
-            <a:off x="647700" y="258445"/>
-            <a:ext cx="10515600" cy="1325563"/>
+            <a:off x="831851" y="1709738"/>
+            <a:ext cx="10515600" cy="2852737"/>
           </a:xfrm>
         </p:spPr>
         <p:txBody>
-          <a:bodyPr>
-            <a:normAutofit/>
-          </a:bodyPr>
+          <a:bodyPr anchor="b"/>
           <a:lstStyle>
             <a:lvl1pPr>
-              <a:defRPr sz="2400" b="1" i="0">
-                <a:effectLst>
-                  <a:outerShdw blurRad="38100" dist="38100" dir="2700000" algn="tl">
-                    <a:srgbClr val="000000">
-                      <a:alpha val="43137"/>
-                    </a:srgbClr>
-                  </a:outerShdw>
-                </a:effectLst>
-              </a:defRPr>
+              <a:defRPr sz="4500"/>
             </a:lvl1pPr>
           </a:lstStyle>
           <a:p>
             <a:r>
-              <a:rPr lang="zh-CN" altLang="en-US" dirty="0"/>
-              <a:t>Click to edit Master title style</a:t>
-            </a:r>
-            <a:endParaRPr lang="zh-CN" altLang="en-US" dirty="0"/>
-          </a:p>
-        </p:txBody>
-      </p:sp>
-      <p:sp>
-        <p:nvSpPr>
-          <p:cNvPr id="3" name="内容占位符 2"/>
-          <p:cNvSpPr>
-            <a:spLocks noGrp="true"/>
-          </p:cNvSpPr>
-          <p:nvPr>
-            <p:ph sz="half" idx="1"/>
+              <a:rPr lang="ru-RU" smtClean="0"/>
+              <a:t>Образец заголовка</a:t>
+            </a:r>
+            <a:endParaRPr lang="ru-RU"/>
+          </a:p>
+        </p:txBody>
+      </p:sp>
+      <p:sp>
+        <p:nvSpPr>
+          <p:cNvPr id="3" name="Текст 2"/>
+          <p:cNvSpPr>
+            <a:spLocks noGrp="true"/>
+          </p:cNvSpPr>
+          <p:nvPr>
+            <p:ph type="body" idx="1"/>
           </p:nvPr>
         </p:nvSpPr>
         <p:spPr>
           <a:xfrm>
-            <a:off x="647700" y="1825625"/>
-            <a:ext cx="5181600" cy="4351338"/>
+            <a:off x="831851" y="4589463"/>
+            <a:ext cx="10515600" cy="1500187"/>
           </a:xfrm>
         </p:spPr>
         <p:txBody>
-          <a:bodyPr>
-            <a:normAutofit/>
-          </a:bodyPr>
+          <a:bodyPr/>
           <a:lstStyle>
-            <a:lvl1pPr>
-              <a:lnSpc>
-                <a:spcPct val="150000"/>
-              </a:lnSpc>
-              <a:defRPr sz="2000">
+            <a:lvl1pPr marL="0" indent="0">
+              <a:buNone/>
+              <a:defRPr sz="1800">
                 <a:solidFill>
                   <a:schemeClr val="tx1">
-                    <a:lumMod val="75000"/>
-                    <a:lumOff val="25000"/>
+                    <a:tint val="75000"/>
                   </a:schemeClr>
                 </a:solidFill>
               </a:defRPr>
             </a:lvl1pPr>
-            <a:lvl2pPr>
-              <a:lnSpc>
-                <a:spcPct val="150000"/>
-              </a:lnSpc>
-              <a:defRPr sz="1800">
+            <a:lvl2pPr marL="342900" indent="0">
+              <a:buNone/>
+              <a:defRPr sz="1500">
                 <a:solidFill>
                   <a:schemeClr val="tx1">
-                    <a:lumMod val="75000"/>
-                    <a:lumOff val="25000"/>
+                    <a:tint val="75000"/>
                   </a:schemeClr>
                 </a:solidFill>
               </a:defRPr>
             </a:lvl2pPr>
-            <a:lvl3pPr>
-              <a:lnSpc>
-                <a:spcPct val="150000"/>
-              </a:lnSpc>
-              <a:defRPr sz="1600">
+            <a:lvl3pPr marL="685800" indent="0">
+              <a:buNone/>
+              <a:defRPr sz="1350">
                 <a:solidFill>
                   <a:schemeClr val="tx1">
-                    <a:lumMod val="75000"/>
-                    <a:lumOff val="25000"/>
+                    <a:tint val="75000"/>
                   </a:schemeClr>
                 </a:solidFill>
               </a:defRPr>
             </a:lvl3pPr>
-            <a:lvl4pPr>
-              <a:lnSpc>
-                <a:spcPct val="150000"/>
-              </a:lnSpc>
-              <a:defRPr sz="1600">
+            <a:lvl4pPr marL="1028700" indent="0">
+              <a:buNone/>
+              <a:defRPr sz="1200">
                 <a:solidFill>
                   <a:schemeClr val="tx1">
-                    <a:lumMod val="75000"/>
-                    <a:lumOff val="25000"/>
+                    <a:tint val="75000"/>
                   </a:schemeClr>
                 </a:solidFill>
               </a:defRPr>
             </a:lvl4pPr>
-            <a:lvl5pPr>
-              <a:lnSpc>
-                <a:spcPct val="150000"/>
-              </a:lnSpc>
-              <a:defRPr sz="1600">
+            <a:lvl5pPr marL="1371600" indent="0">
+              <a:buNone/>
+              <a:defRPr sz="1200">
                 <a:solidFill>
                   <a:schemeClr val="tx1">
-                    <a:lumMod val="75000"/>
-                    <a:lumOff val="25000"/>
+                    <a:tint val="75000"/>
                   </a:schemeClr>
                 </a:solidFill>
               </a:defRPr>
             </a:lvl5pPr>
-          </a:lstStyle>
-          <a:p>
-            <a:pPr lvl="0"/>
-            <a:r>
-              <a:rPr lang="zh-CN" altLang="en-US" dirty="0">
-                <a:sym typeface="+mn-ea"/>
-              </a:rPr>
-              <a:t>Click to edit Master text styles</a:t>
-            </a:r>
-            <a:endParaRPr lang="zh-CN" altLang="en-US" dirty="0">
-              <a:sym typeface="+mn-ea"/>
-            </a:endParaRPr>
-          </a:p>
-          <a:p>
-            <a:pPr lvl="1"/>
-            <a:r>
-              <a:rPr lang="zh-CN" altLang="en-US" dirty="0"/>
-              <a:t>Second level</a:t>
-            </a:r>
-            <a:endParaRPr lang="zh-CN" altLang="en-US" dirty="0"/>
-          </a:p>
-          <a:p>
-            <a:pPr lvl="2"/>
-            <a:r>
-              <a:rPr lang="zh-CN" altLang="en-US" dirty="0"/>
-              <a:t>Third level</a:t>
-            </a:r>
-            <a:endParaRPr lang="zh-CN" altLang="en-US" dirty="0"/>
-          </a:p>
-          <a:p>
-            <a:pPr lvl="3"/>
-            <a:r>
-              <a:rPr lang="zh-CN" altLang="en-US" dirty="0"/>
-              <a:t>Fourth level</a:t>
-            </a:r>
-            <a:endParaRPr lang="zh-CN" altLang="en-US" dirty="0"/>
-          </a:p>
-          <a:p>
-            <a:pPr lvl="4"/>
-            <a:r>
-              <a:rPr lang="zh-CN" altLang="en-US" dirty="0"/>
-              <a:t>Fifth level</a:t>
-            </a:r>
-            <a:endParaRPr lang="zh-CN" altLang="en-US" dirty="0"/>
-          </a:p>
-        </p:txBody>
-      </p:sp>
-      <p:sp>
-        <p:nvSpPr>
-          <p:cNvPr id="4" name="内容占位符 3"/>
-          <p:cNvSpPr>
-            <a:spLocks noGrp="true"/>
-          </p:cNvSpPr>
-          <p:nvPr>
-            <p:ph sz="half" idx="2"/>
-          </p:nvPr>
-        </p:nvSpPr>
-        <p:spPr>
-          <a:xfrm>
-            <a:off x="5981700" y="1825625"/>
-            <a:ext cx="5181600" cy="4351338"/>
-          </a:xfrm>
-        </p:spPr>
-        <p:txBody>
-          <a:bodyPr>
-            <a:normAutofit/>
-          </a:bodyPr>
-          <a:lstStyle>
-            <a:lvl1pPr>
-              <a:lnSpc>
-                <a:spcPct val="150000"/>
-              </a:lnSpc>
-              <a:defRPr sz="2000">
+            <a:lvl6pPr marL="1714500" indent="0">
+              <a:buNone/>
+              <a:defRPr sz="1200">
                 <a:solidFill>
                   <a:schemeClr val="tx1">
-                    <a:lumMod val="75000"/>
-                    <a:lumOff val="25000"/>
+                    <a:tint val="75000"/>
                   </a:schemeClr>
                 </a:solidFill>
               </a:defRPr>
-            </a:lvl1pPr>
-            <a:lvl2pPr>
-              <a:lnSpc>
-                <a:spcPct val="150000"/>
-              </a:lnSpc>
-              <a:defRPr sz="1800">
+            </a:lvl6pPr>
+            <a:lvl7pPr marL="2057400" indent="0">
+              <a:buNone/>
+              <a:defRPr sz="1200">
                 <a:solidFill>
                   <a:schemeClr val="tx1">
-                    <a:lumMod val="75000"/>
-                    <a:lumOff val="25000"/>
+                    <a:tint val="75000"/>
                   </a:schemeClr>
                 </a:solidFill>
               </a:defRPr>
-            </a:lvl2pPr>
-            <a:lvl3pPr>
-              <a:lnSpc>
-                <a:spcPct val="150000"/>
-              </a:lnSpc>
-              <a:defRPr sz="1600">
+            </a:lvl7pPr>
+            <a:lvl8pPr marL="2400300" indent="0">
+              <a:buNone/>
+              <a:defRPr sz="1200">
                 <a:solidFill>
                   <a:schemeClr val="tx1">
-                    <a:lumMod val="75000"/>
-                    <a:lumOff val="25000"/>
+                    <a:tint val="75000"/>
                   </a:schemeClr>
                 </a:solidFill>
               </a:defRPr>
-            </a:lvl3pPr>
-            <a:lvl4pPr>
-              <a:lnSpc>
-                <a:spcPct val="150000"/>
-              </a:lnSpc>
-              <a:defRPr sz="1600">
+            </a:lvl8pPr>
+            <a:lvl9pPr marL="2743200" indent="0">
+              <a:buNone/>
+              <a:defRPr sz="1200">
                 <a:solidFill>
                   <a:schemeClr val="tx1">
-                    <a:lumMod val="75000"/>
-                    <a:lumOff val="25000"/>
+                    <a:tint val="75000"/>
                   </a:schemeClr>
                 </a:solidFill>
               </a:defRPr>
-            </a:lvl4pPr>
-            <a:lvl5pPr>
-              <a:lnSpc>
-                <a:spcPct val="150000"/>
-              </a:lnSpc>
-              <a:defRPr sz="1600">
-                <a:solidFill>
-                  <a:schemeClr val="tx1">
-                    <a:lumMod val="75000"/>
-                    <a:lumOff val="25000"/>
-                  </a:schemeClr>
-                </a:solidFill>
-              </a:defRPr>
-            </a:lvl5pPr>
+            </a:lvl9pPr>
           </a:lstStyle>
           <a:p>
             <a:pPr lvl="0"/>
             <a:r>
-              <a:rPr lang="zh-CN" altLang="en-US" dirty="0">
-                <a:sym typeface="+mn-ea"/>
-              </a:rPr>
-              <a:t>Click to edit Master text styles</a:t>
-            </a:r>
-            <a:endParaRPr lang="zh-CN" altLang="en-US" dirty="0">
-              <a:sym typeface="+mn-ea"/>
-            </a:endParaRPr>
-          </a:p>
-          <a:p>
-            <a:pPr lvl="1"/>
-            <a:r>
-              <a:rPr lang="zh-CN" altLang="en-US" dirty="0"/>
-              <a:t>Second level</a:t>
-            </a:r>
-            <a:endParaRPr lang="zh-CN" altLang="en-US" dirty="0"/>
-          </a:p>
-          <a:p>
-            <a:pPr lvl="2"/>
-            <a:r>
-              <a:rPr lang="zh-CN" altLang="en-US" dirty="0"/>
-              <a:t>Third level</a:t>
-            </a:r>
-            <a:endParaRPr lang="zh-CN" altLang="en-US" dirty="0"/>
-          </a:p>
-          <a:p>
-            <a:pPr lvl="3"/>
-            <a:r>
-              <a:rPr lang="zh-CN" altLang="en-US" dirty="0"/>
-              <a:t>Fourth level</a:t>
-            </a:r>
-            <a:endParaRPr lang="zh-CN" altLang="en-US" dirty="0"/>
-          </a:p>
-          <a:p>
-            <a:pPr lvl="4"/>
-            <a:r>
-              <a:rPr lang="zh-CN" altLang="en-US" dirty="0"/>
-              <a:t>Fifth level</a:t>
-            </a:r>
-            <a:endParaRPr lang="zh-CN" altLang="en-US" dirty="0"/>
-          </a:p>
-        </p:txBody>
-      </p:sp>
-      <p:sp>
-        <p:nvSpPr>
-          <p:cNvPr id="5" name="日期占位符 4"/>
+              <a:rPr lang="ru-RU" smtClean="0"/>
+              <a:t>Образец текста</a:t>
+            </a:r>
+            <a:endParaRPr lang="ru-RU" smtClean="0"/>
+          </a:p>
+        </p:txBody>
+      </p:sp>
+      <p:sp>
+        <p:nvSpPr>
+          <p:cNvPr id="4" name="Дата 3"/>
           <p:cNvSpPr>
             <a:spLocks noGrp="true"/>
           </p:cNvSpPr>
@@ -1828,15 +1610,15 @@
           <a:lstStyle/>
           <a:p>
             <a:fld id="{760FBDFE-C587-4B4C-A407-44438C67B59E}" type="datetimeFigureOut">
-              <a:rPr lang="zh-CN" altLang="en-US" smtClean="0"/>
+              <a:rPr lang="en-US" smtClean="0"/>
             </a:fld>
-            <a:endParaRPr lang="zh-CN" altLang="en-US"/>
-          </a:p>
-        </p:txBody>
-      </p:sp>
-      <p:sp>
-        <p:nvSpPr>
-          <p:cNvPr id="6" name="页脚占位符 5"/>
+            <a:endParaRPr lang="en-US"/>
+          </a:p>
+        </p:txBody>
+      </p:sp>
+      <p:sp>
+        <p:nvSpPr>
+          <p:cNvPr id="5" name="Нижний колонтитул 4"/>
           <p:cNvSpPr>
             <a:spLocks noGrp="true"/>
           </p:cNvSpPr>
@@ -1849,13 +1631,13 @@
           <a:bodyPr/>
           <a:lstStyle/>
           <a:p>
-            <a:endParaRPr lang="zh-CN" altLang="en-US"/>
-          </a:p>
-        </p:txBody>
-      </p:sp>
-      <p:sp>
-        <p:nvSpPr>
-          <p:cNvPr id="7" name="灯片编号占位符 6"/>
+            <a:endParaRPr lang="en-US"/>
+          </a:p>
+        </p:txBody>
+      </p:sp>
+      <p:sp>
+        <p:nvSpPr>
+          <p:cNvPr id="6" name="Номер слайда 5"/>
           <p:cNvSpPr>
             <a:spLocks noGrp="true"/>
           </p:cNvSpPr>
@@ -1869,9 +1651,9 @@
           <a:lstStyle/>
           <a:p>
             <a:fld id="{49AE70B2-8BF9-45C0-BB95-33D1B9D3A854}" type="slidenum">
-              <a:rPr lang="zh-CN" altLang="en-US" smtClean="0"/>
+              <a:rPr lang="en-US" smtClean="0"/>
             </a:fld>
-            <a:endParaRPr lang="zh-CN" altLang="en-US"/>
+            <a:endParaRPr lang="en-US"/>
           </a:p>
         </p:txBody>
       </p:sp>
@@ -1880,12 +1662,13 @@
   <p:clrMapOvr>
     <a:masterClrMapping/>
   </p:clrMapOvr>
+  <p:hf sldNum="0" hdr="0" ftr="0" dt="0"/>
 </p:sldLayout>
 </file>
 
-<file path=ppt/slideLayouts/slideLayout5.xml><?xml version="1.0" encoding="utf-8"?>
-<p:sldLayout xmlns:a="http://schemas.openxmlformats.org/drawingml/2006/main" xmlns:r="http://schemas.openxmlformats.org/officeDocument/2006/relationships" xmlns:p="http://schemas.openxmlformats.org/presentationml/2006/main" type="twoTxTwoObj" preserve="1">
-  <p:cSld name="Comparison">
+<file path=ppt/slideLayouts/slideLayout4.xml><?xml version="1.0" encoding="utf-8"?>
+<p:sldLayout xmlns:a="http://schemas.openxmlformats.org/drawingml/2006/main" xmlns:r="http://schemas.openxmlformats.org/officeDocument/2006/relationships" xmlns:p="http://schemas.openxmlformats.org/presentationml/2006/main" type="twoObj" preserve="1">
+  <p:cSld name="Два объекта">
     <p:spTree>
       <p:nvGrpSpPr>
         <p:cNvPr id="1" name=""/>
@@ -1902,310 +1685,198 @@
       </p:grpSpPr>
       <p:sp>
         <p:nvSpPr>
-          <p:cNvPr id="2" name="标题 1"/>
+          <p:cNvPr id="2" name="Заголовок 1"/>
           <p:cNvSpPr>
             <a:spLocks noGrp="true"/>
           </p:cNvSpPr>
           <p:nvPr>
             <p:ph type="title"/>
+          </p:nvPr>
+        </p:nvSpPr>
+        <p:spPr/>
+        <p:txBody>
+          <a:bodyPr/>
+          <a:lstStyle/>
+          <a:p>
+            <a:r>
+              <a:rPr lang="ru-RU" smtClean="0"/>
+              <a:t>Образец заголовка</a:t>
+            </a:r>
+            <a:endParaRPr lang="ru-RU"/>
+          </a:p>
+        </p:txBody>
+      </p:sp>
+      <p:sp>
+        <p:nvSpPr>
+          <p:cNvPr id="3" name="Объект 2"/>
+          <p:cNvSpPr>
+            <a:spLocks noGrp="true"/>
+          </p:cNvSpPr>
+          <p:nvPr>
+            <p:ph sz="half" idx="1"/>
           </p:nvPr>
         </p:nvSpPr>
         <p:spPr>
           <a:xfrm>
-            <a:off x="839788" y="365125"/>
-            <a:ext cx="10515600" cy="1325563"/>
+            <a:off x="609600" y="1600200"/>
+            <a:ext cx="5376672" cy="4525963"/>
           </a:xfrm>
         </p:spPr>
         <p:txBody>
           <a:bodyPr/>
           <a:lstStyle/>
           <a:p>
-            <a:r>
-              <a:rPr lang="zh-CN" altLang="en-US"/>
-              <a:t>Click to edit Master title style</a:t>
-            </a:r>
-            <a:endParaRPr lang="zh-CN" altLang="en-US"/>
-          </a:p>
-        </p:txBody>
-      </p:sp>
-      <p:sp>
-        <p:nvSpPr>
-          <p:cNvPr id="3" name="文本占位符 2"/>
-          <p:cNvSpPr>
-            <a:spLocks noGrp="true"/>
-          </p:cNvSpPr>
-          <p:nvPr>
-            <p:ph type="body" idx="1"/>
+            <a:pPr lvl="0"/>
+            <a:r>
+              <a:rPr lang="ru-RU" smtClean="0"/>
+              <a:t>Образец текста</a:t>
+            </a:r>
+            <a:endParaRPr lang="ru-RU" smtClean="0"/>
+          </a:p>
+          <a:p>
+            <a:pPr lvl="1"/>
+            <a:r>
+              <a:rPr lang="ru-RU" smtClean="0"/>
+              <a:t>Второй уровень</a:t>
+            </a:r>
+            <a:endParaRPr lang="ru-RU" smtClean="0"/>
+          </a:p>
+          <a:p>
+            <a:pPr lvl="2"/>
+            <a:r>
+              <a:rPr lang="ru-RU" smtClean="0"/>
+              <a:t>Третий уровень</a:t>
+            </a:r>
+            <a:endParaRPr lang="ru-RU" smtClean="0"/>
+          </a:p>
+          <a:p>
+            <a:pPr lvl="3"/>
+            <a:r>
+              <a:rPr lang="ru-RU" smtClean="0"/>
+              <a:t>Четвертый уровень</a:t>
+            </a:r>
+            <a:endParaRPr lang="ru-RU" smtClean="0"/>
+          </a:p>
+          <a:p>
+            <a:pPr lvl="4"/>
+            <a:r>
+              <a:rPr lang="ru-RU" smtClean="0"/>
+              <a:t>Пятый уровень</a:t>
+            </a:r>
+            <a:endParaRPr lang="ru-RU"/>
+          </a:p>
+        </p:txBody>
+      </p:sp>
+      <p:sp>
+        <p:nvSpPr>
+          <p:cNvPr id="4" name="Объект 3"/>
+          <p:cNvSpPr>
+            <a:spLocks noGrp="true"/>
+          </p:cNvSpPr>
+          <p:nvPr>
+            <p:ph sz="half" idx="2"/>
           </p:nvPr>
         </p:nvSpPr>
         <p:spPr>
           <a:xfrm>
-            <a:off x="839788" y="1744961"/>
-            <a:ext cx="5157787" cy="823912"/>
+            <a:off x="6205728" y="1600200"/>
+            <a:ext cx="5376672" cy="4525963"/>
           </a:xfrm>
         </p:spPr>
         <p:txBody>
-          <a:bodyPr anchor="b"/>
-          <a:lstStyle>
-            <a:lvl1pPr marL="0" indent="0">
-              <a:buNone/>
-              <a:defRPr sz="2400" b="1"/>
-            </a:lvl1pPr>
-            <a:lvl2pPr marL="457200" indent="0">
-              <a:buNone/>
-              <a:defRPr sz="2000" b="1"/>
-            </a:lvl2pPr>
-            <a:lvl3pPr marL="914400" indent="0">
-              <a:buNone/>
-              <a:defRPr sz="1800" b="1"/>
-            </a:lvl3pPr>
-            <a:lvl4pPr marL="1371600" indent="0">
-              <a:buNone/>
-              <a:defRPr sz="1600" b="1"/>
-            </a:lvl4pPr>
-            <a:lvl5pPr marL="1828800" indent="0">
-              <a:buNone/>
-              <a:defRPr sz="1600" b="1"/>
-            </a:lvl5pPr>
-            <a:lvl6pPr marL="2286000" indent="0">
-              <a:buNone/>
-              <a:defRPr sz="1600" b="1"/>
-            </a:lvl6pPr>
-            <a:lvl7pPr marL="2743200" indent="0">
-              <a:buNone/>
-              <a:defRPr sz="1600" b="1"/>
-            </a:lvl7pPr>
-            <a:lvl8pPr marL="3200400" indent="0">
-              <a:buNone/>
-              <a:defRPr sz="1600" b="1"/>
-            </a:lvl8pPr>
-            <a:lvl9pPr marL="3657600" indent="0">
-              <a:buNone/>
-              <a:defRPr sz="1600" b="1"/>
-            </a:lvl9pPr>
-          </a:lstStyle>
+          <a:bodyPr/>
+          <a:lstStyle/>
           <a:p>
             <a:pPr lvl="0"/>
             <a:r>
-              <a:rPr lang="zh-CN" altLang="en-US" dirty="0">
-                <a:sym typeface="+mn-ea"/>
-              </a:rPr>
-              <a:t>Click to edit Master text styles</a:t>
-            </a:r>
-            <a:endParaRPr lang="zh-CN" altLang="en-US" dirty="0">
-              <a:sym typeface="+mn-ea"/>
-            </a:endParaRPr>
-          </a:p>
-        </p:txBody>
-      </p:sp>
-      <p:sp>
-        <p:nvSpPr>
-          <p:cNvPr id="4" name="内容占位符 3"/>
-          <p:cNvSpPr>
-            <a:spLocks noGrp="true"/>
-          </p:cNvSpPr>
-          <p:nvPr>
-            <p:ph sz="half" idx="2"/>
-          </p:nvPr>
-        </p:nvSpPr>
-        <p:spPr>
-          <a:xfrm>
-            <a:off x="839788" y="2615609"/>
-            <a:ext cx="5157787" cy="3574054"/>
-          </a:xfrm>
-        </p:spPr>
+              <a:rPr lang="ru-RU" smtClean="0"/>
+              <a:t>Образец текста</a:t>
+            </a:r>
+            <a:endParaRPr lang="ru-RU" smtClean="0"/>
+          </a:p>
+          <a:p>
+            <a:pPr lvl="1"/>
+            <a:r>
+              <a:rPr lang="ru-RU" smtClean="0"/>
+              <a:t>Второй уровень</a:t>
+            </a:r>
+            <a:endParaRPr lang="ru-RU" smtClean="0"/>
+          </a:p>
+          <a:p>
+            <a:pPr lvl="2"/>
+            <a:r>
+              <a:rPr lang="ru-RU" smtClean="0"/>
+              <a:t>Третий уровень</a:t>
+            </a:r>
+            <a:endParaRPr lang="ru-RU" smtClean="0"/>
+          </a:p>
+          <a:p>
+            <a:pPr lvl="3"/>
+            <a:r>
+              <a:rPr lang="ru-RU" smtClean="0"/>
+              <a:t>Четвертый уровень</a:t>
+            </a:r>
+            <a:endParaRPr lang="ru-RU" smtClean="0"/>
+          </a:p>
+          <a:p>
+            <a:pPr lvl="4"/>
+            <a:r>
+              <a:rPr lang="ru-RU" smtClean="0"/>
+              <a:t>Пятый уровень</a:t>
+            </a:r>
+            <a:endParaRPr lang="ru-RU"/>
+          </a:p>
+        </p:txBody>
+      </p:sp>
+      <p:sp>
+        <p:nvSpPr>
+          <p:cNvPr id="5" name="Дата 4"/>
+          <p:cNvSpPr>
+            <a:spLocks noGrp="true"/>
+          </p:cNvSpPr>
+          <p:nvPr>
+            <p:ph type="dt" sz="half" idx="10"/>
+          </p:nvPr>
+        </p:nvSpPr>
+        <p:spPr/>
         <p:txBody>
           <a:bodyPr/>
           <a:lstStyle/>
           <a:p>
-            <a:pPr lvl="0"/>
-            <a:r>
-              <a:rPr lang="zh-CN" altLang="en-US" dirty="0">
-                <a:sym typeface="+mn-ea"/>
-              </a:rPr>
-              <a:t>Click to edit Master text styles</a:t>
-            </a:r>
-            <a:endParaRPr lang="zh-CN" altLang="en-US" dirty="0">
-              <a:sym typeface="+mn-ea"/>
-            </a:endParaRPr>
-          </a:p>
-          <a:p>
-            <a:pPr lvl="1"/>
-            <a:r>
-              <a:rPr lang="zh-CN" altLang="en-US" dirty="0"/>
-              <a:t>Second level</a:t>
-            </a:r>
-            <a:endParaRPr lang="zh-CN" altLang="en-US" dirty="0"/>
-          </a:p>
-          <a:p>
-            <a:pPr lvl="2"/>
-            <a:r>
-              <a:rPr lang="zh-CN" altLang="en-US" dirty="0"/>
-              <a:t>Third level</a:t>
-            </a:r>
-            <a:endParaRPr lang="zh-CN" altLang="en-US" dirty="0"/>
-          </a:p>
-          <a:p>
-            <a:pPr lvl="3"/>
-            <a:r>
-              <a:rPr lang="zh-CN" altLang="en-US" dirty="0"/>
-              <a:t>Fourth level</a:t>
-            </a:r>
-            <a:endParaRPr lang="zh-CN" altLang="en-US" dirty="0"/>
-          </a:p>
-          <a:p>
-            <a:pPr lvl="4"/>
-            <a:r>
-              <a:rPr lang="zh-CN" altLang="en-US" dirty="0"/>
-              <a:t>Fifth level</a:t>
-            </a:r>
-            <a:endParaRPr lang="zh-CN" altLang="en-US" dirty="0"/>
-          </a:p>
-        </p:txBody>
-      </p:sp>
-      <p:sp>
-        <p:nvSpPr>
-          <p:cNvPr id="5" name="文本占位符 4"/>
-          <p:cNvSpPr>
-            <a:spLocks noGrp="true"/>
-          </p:cNvSpPr>
-          <p:nvPr>
-            <p:ph type="body" sz="quarter" idx="3"/>
-          </p:nvPr>
-        </p:nvSpPr>
-        <p:spPr>
-          <a:xfrm>
-            <a:off x="6172200" y="1744961"/>
-            <a:ext cx="5183188" cy="823912"/>
-          </a:xfrm>
-        </p:spPr>
-        <p:txBody>
-          <a:bodyPr anchor="b"/>
-          <a:lstStyle>
-            <a:lvl1pPr marL="0" indent="0">
-              <a:buNone/>
-              <a:defRPr sz="2400" b="1"/>
-            </a:lvl1pPr>
-            <a:lvl2pPr marL="457200" indent="0">
-              <a:buNone/>
-              <a:defRPr sz="2000" b="1"/>
-            </a:lvl2pPr>
-            <a:lvl3pPr marL="914400" indent="0">
-              <a:buNone/>
-              <a:defRPr sz="1800" b="1"/>
-            </a:lvl3pPr>
-            <a:lvl4pPr marL="1371600" indent="0">
-              <a:buNone/>
-              <a:defRPr sz="1600" b="1"/>
-            </a:lvl4pPr>
-            <a:lvl5pPr marL="1828800" indent="0">
-              <a:buNone/>
-              <a:defRPr sz="1600" b="1"/>
-            </a:lvl5pPr>
-            <a:lvl6pPr marL="2286000" indent="0">
-              <a:buNone/>
-              <a:defRPr sz="1600" b="1"/>
-            </a:lvl6pPr>
-            <a:lvl7pPr marL="2743200" indent="0">
-              <a:buNone/>
-              <a:defRPr sz="1600" b="1"/>
-            </a:lvl7pPr>
-            <a:lvl8pPr marL="3200400" indent="0">
-              <a:buNone/>
-              <a:defRPr sz="1600" b="1"/>
-            </a:lvl8pPr>
-            <a:lvl9pPr marL="3657600" indent="0">
-              <a:buNone/>
-              <a:defRPr sz="1600" b="1"/>
-            </a:lvl9pPr>
-          </a:lstStyle>
-          <a:p>
-            <a:pPr lvl="0"/>
-            <a:r>
-              <a:rPr lang="zh-CN" altLang="en-US" dirty="0">
-                <a:sym typeface="+mn-ea"/>
-              </a:rPr>
-              <a:t>Click to edit Master text styles</a:t>
-            </a:r>
-            <a:endParaRPr lang="zh-CN" altLang="en-US" dirty="0">
-              <a:sym typeface="+mn-ea"/>
-            </a:endParaRPr>
-          </a:p>
-        </p:txBody>
-      </p:sp>
-      <p:sp>
-        <p:nvSpPr>
-          <p:cNvPr id="6" name="内容占位符 5"/>
-          <p:cNvSpPr>
-            <a:spLocks noGrp="true"/>
-          </p:cNvSpPr>
-          <p:nvPr>
-            <p:ph sz="quarter" idx="4"/>
-          </p:nvPr>
-        </p:nvSpPr>
-        <p:spPr>
-          <a:xfrm>
-            <a:off x="6172200" y="2615609"/>
-            <a:ext cx="5183188" cy="3574054"/>
-          </a:xfrm>
-        </p:spPr>
+            <a:fld id="{760FBDFE-C587-4B4C-A407-44438C67B59E}" type="datetimeFigureOut">
+              <a:rPr lang="en-US" smtClean="0"/>
+            </a:fld>
+            <a:endParaRPr lang="en-US"/>
+          </a:p>
+        </p:txBody>
+      </p:sp>
+      <p:sp>
+        <p:nvSpPr>
+          <p:cNvPr id="6" name="Нижний колонтитул 5"/>
+          <p:cNvSpPr>
+            <a:spLocks noGrp="true"/>
+          </p:cNvSpPr>
+          <p:nvPr>
+            <p:ph type="ftr" sz="quarter" idx="11"/>
+          </p:nvPr>
+        </p:nvSpPr>
+        <p:spPr/>
         <p:txBody>
           <a:bodyPr/>
           <a:lstStyle/>
           <a:p>
-            <a:pPr lvl="0"/>
-            <a:r>
-              <a:rPr lang="zh-CN" altLang="en-US" dirty="0">
-                <a:sym typeface="+mn-ea"/>
-              </a:rPr>
-              <a:t>Click to edit Master text styles</a:t>
-            </a:r>
-            <a:endParaRPr lang="zh-CN" altLang="en-US" dirty="0">
-              <a:sym typeface="+mn-ea"/>
-            </a:endParaRPr>
-          </a:p>
-          <a:p>
-            <a:pPr lvl="1"/>
-            <a:r>
-              <a:rPr lang="zh-CN" altLang="en-US" dirty="0"/>
-              <a:t>Second level</a:t>
-            </a:r>
-            <a:endParaRPr lang="zh-CN" altLang="en-US" dirty="0"/>
-          </a:p>
-          <a:p>
-            <a:pPr lvl="2"/>
-            <a:r>
-              <a:rPr lang="zh-CN" altLang="en-US" dirty="0"/>
-              <a:t>Third level</a:t>
-            </a:r>
-            <a:endParaRPr lang="zh-CN" altLang="en-US" dirty="0"/>
-          </a:p>
-          <a:p>
-            <a:pPr lvl="3"/>
-            <a:r>
-              <a:rPr lang="zh-CN" altLang="en-US" dirty="0"/>
-              <a:t>Fourth level</a:t>
-            </a:r>
-            <a:endParaRPr lang="zh-CN" altLang="en-US" dirty="0"/>
-          </a:p>
-          <a:p>
-            <a:pPr lvl="4"/>
-            <a:r>
-              <a:rPr lang="zh-CN" altLang="en-US" dirty="0"/>
-              <a:t>Fifth level</a:t>
-            </a:r>
-            <a:endParaRPr lang="zh-CN" altLang="en-US" dirty="0"/>
-          </a:p>
-        </p:txBody>
-      </p:sp>
-      <p:sp>
-        <p:nvSpPr>
-          <p:cNvPr id="7" name="日期占位符 6"/>
-          <p:cNvSpPr>
-            <a:spLocks noGrp="true"/>
-          </p:cNvSpPr>
-          <p:nvPr>
-            <p:ph type="dt" sz="half" idx="10"/>
+            <a:endParaRPr lang="en-US"/>
+          </a:p>
+        </p:txBody>
+      </p:sp>
+      <p:sp>
+        <p:nvSpPr>
+          <p:cNvPr id="7" name="Номер слайда 6"/>
+          <p:cNvSpPr>
+            <a:spLocks noGrp="true"/>
+          </p:cNvSpPr>
+          <p:nvPr>
+            <p:ph type="sldNum" sz="quarter" idx="12"/>
           </p:nvPr>
         </p:nvSpPr>
         <p:spPr/>
@@ -2213,51 +1884,10 @@
           <a:bodyPr/>
           <a:lstStyle/>
           <a:p>
-            <a:fld id="{760FBDFE-C587-4B4C-A407-44438C67B59E}" type="datetimeFigureOut">
-              <a:rPr lang="zh-CN" altLang="en-US" smtClean="0"/>
+            <a:fld id="{49AE70B2-8BF9-45C0-BB95-33D1B9D3A854}" type="slidenum">
+              <a:rPr lang="en-US" smtClean="0"/>
             </a:fld>
-            <a:endParaRPr lang="zh-CN" altLang="en-US"/>
-          </a:p>
-        </p:txBody>
-      </p:sp>
-      <p:sp>
-        <p:nvSpPr>
-          <p:cNvPr id="8" name="页脚占位符 7"/>
-          <p:cNvSpPr>
-            <a:spLocks noGrp="true"/>
-          </p:cNvSpPr>
-          <p:nvPr>
-            <p:ph type="ftr" sz="quarter" idx="11"/>
-          </p:nvPr>
-        </p:nvSpPr>
-        <p:spPr/>
-        <p:txBody>
-          <a:bodyPr/>
-          <a:lstStyle/>
-          <a:p>
-            <a:endParaRPr lang="zh-CN" altLang="en-US"/>
-          </a:p>
-        </p:txBody>
-      </p:sp>
-      <p:sp>
-        <p:nvSpPr>
-          <p:cNvPr id="9" name="灯片编号占位符 8"/>
-          <p:cNvSpPr>
-            <a:spLocks noGrp="true"/>
-          </p:cNvSpPr>
-          <p:nvPr>
-            <p:ph type="sldNum" sz="quarter" idx="12"/>
-          </p:nvPr>
-        </p:nvSpPr>
-        <p:spPr/>
-        <p:txBody>
-          <a:bodyPr/>
-          <a:lstStyle/>
-          <a:p>
-            <a:fld id="{49AE70B2-8BF9-45C0-BB95-33D1B9D3A854}" type="slidenum">
-              <a:rPr lang="zh-CN" altLang="en-US" smtClean="0"/>
-            </a:fld>
-            <a:endParaRPr lang="zh-CN" altLang="en-US"/>
+            <a:endParaRPr lang="en-US"/>
           </a:p>
         </p:txBody>
       </p:sp>
@@ -2266,12 +1896,13 @@
   <p:clrMapOvr>
     <a:masterClrMapping/>
   </p:clrMapOvr>
+  <p:hf sldNum="0" hdr="0" ftr="0" dt="0"/>
 </p:sldLayout>
 </file>
 
-<file path=ppt/slideLayouts/slideLayout6.xml><?xml version="1.0" encoding="utf-8"?>
-<p:sldLayout xmlns:a="http://schemas.openxmlformats.org/drawingml/2006/main" xmlns:r="http://schemas.openxmlformats.org/officeDocument/2006/relationships" xmlns:p="http://schemas.openxmlformats.org/presentationml/2006/main" type="titleOnly" preserve="1">
-  <p:cSld name="Title Only">
+<file path=ppt/slideLayouts/slideLayout5.xml><?xml version="1.0" encoding="utf-8"?>
+<p:sldLayout xmlns:a="http://schemas.openxmlformats.org/drawingml/2006/main" xmlns:r="http://schemas.openxmlformats.org/officeDocument/2006/relationships" xmlns:p="http://schemas.openxmlformats.org/presentationml/2006/main" type="twoTxTwoObj" preserve="1">
+  <p:cSld name="Сравнение">
     <p:spTree>
       <p:nvGrpSpPr>
         <p:cNvPr id="1" name=""/>
@@ -2288,7 +1919,7 @@
       </p:grpSpPr>
       <p:sp>
         <p:nvSpPr>
-          <p:cNvPr id="2" name="标题 1"/>
+          <p:cNvPr id="2" name="Заголовок 1"/>
           <p:cNvSpPr>
             <a:spLocks noGrp="true"/>
           </p:cNvSpPr>
@@ -2298,39 +1929,279 @@
         </p:nvSpPr>
         <p:spPr>
           <a:xfrm>
-            <a:off x="838200" y="2766219"/>
+            <a:off x="839788" y="365125"/>
             <a:ext cx="10515600" cy="1325563"/>
           </a:xfrm>
         </p:spPr>
         <p:txBody>
-          <a:bodyPr>
-            <a:normAutofit/>
-          </a:bodyPr>
+          <a:bodyPr/>
+          <a:lstStyle/>
+          <a:p>
+            <a:r>
+              <a:rPr lang="ru-RU" smtClean="0"/>
+              <a:t>Образец заголовка</a:t>
+            </a:r>
+            <a:endParaRPr lang="ru-RU"/>
+          </a:p>
+        </p:txBody>
+      </p:sp>
+      <p:sp>
+        <p:nvSpPr>
+          <p:cNvPr id="3" name="Текст 2"/>
+          <p:cNvSpPr>
+            <a:spLocks noGrp="true"/>
+          </p:cNvSpPr>
+          <p:nvPr>
+            <p:ph type="body" idx="1"/>
+          </p:nvPr>
+        </p:nvSpPr>
+        <p:spPr>
+          <a:xfrm>
+            <a:off x="839788" y="1681163"/>
+            <a:ext cx="5157787" cy="823912"/>
+          </a:xfrm>
+        </p:spPr>
+        <p:txBody>
+          <a:bodyPr anchor="b"/>
           <a:lstStyle>
-            <a:lvl1pPr algn="ctr">
-              <a:defRPr sz="4800" b="0">
-                <a:effectLst>
-                  <a:outerShdw blurRad="38100" dist="38100" dir="2700000" algn="tl">
-                    <a:srgbClr val="000000">
-                      <a:alpha val="43137"/>
-                    </a:srgbClr>
-                  </a:outerShdw>
-                </a:effectLst>
-              </a:defRPr>
+            <a:lvl1pPr marL="0" indent="0">
+              <a:buNone/>
+              <a:defRPr sz="1800" b="1"/>
             </a:lvl1pPr>
+            <a:lvl2pPr marL="342900" indent="0">
+              <a:buNone/>
+              <a:defRPr sz="1500" b="1"/>
+            </a:lvl2pPr>
+            <a:lvl3pPr marL="685800" indent="0">
+              <a:buNone/>
+              <a:defRPr sz="1350" b="1"/>
+            </a:lvl3pPr>
+            <a:lvl4pPr marL="1028700" indent="0">
+              <a:buNone/>
+              <a:defRPr sz="1200" b="1"/>
+            </a:lvl4pPr>
+            <a:lvl5pPr marL="1371600" indent="0">
+              <a:buNone/>
+              <a:defRPr sz="1200" b="1"/>
+            </a:lvl5pPr>
+            <a:lvl6pPr marL="1714500" indent="0">
+              <a:buNone/>
+              <a:defRPr sz="1200" b="1"/>
+            </a:lvl6pPr>
+            <a:lvl7pPr marL="2057400" indent="0">
+              <a:buNone/>
+              <a:defRPr sz="1200" b="1"/>
+            </a:lvl7pPr>
+            <a:lvl8pPr marL="2400300" indent="0">
+              <a:buNone/>
+              <a:defRPr sz="1200" b="1"/>
+            </a:lvl8pPr>
+            <a:lvl9pPr marL="2743200" indent="0">
+              <a:buNone/>
+              <a:defRPr sz="1200" b="1"/>
+            </a:lvl9pPr>
           </a:lstStyle>
           <a:p>
-            <a:r>
-              <a:rPr lang="zh-CN" altLang="en-US" dirty="0"/>
-              <a:t>Click to edit Master title style</a:t>
-            </a:r>
-            <a:endParaRPr lang="zh-CN" altLang="en-US" dirty="0"/>
-          </a:p>
-        </p:txBody>
-      </p:sp>
-      <p:sp>
-        <p:nvSpPr>
-          <p:cNvPr id="3" name="日期占位符 2"/>
+            <a:pPr lvl="0"/>
+            <a:r>
+              <a:rPr lang="ru-RU" smtClean="0"/>
+              <a:t>Образец текста</a:t>
+            </a:r>
+            <a:endParaRPr lang="ru-RU" smtClean="0"/>
+          </a:p>
+        </p:txBody>
+      </p:sp>
+      <p:sp>
+        <p:nvSpPr>
+          <p:cNvPr id="4" name="Объект 3"/>
+          <p:cNvSpPr>
+            <a:spLocks noGrp="true"/>
+          </p:cNvSpPr>
+          <p:nvPr>
+            <p:ph sz="half" idx="2"/>
+          </p:nvPr>
+        </p:nvSpPr>
+        <p:spPr>
+          <a:xfrm>
+            <a:off x="839788" y="2505075"/>
+            <a:ext cx="5157787" cy="3684588"/>
+          </a:xfrm>
+        </p:spPr>
+        <p:txBody>
+          <a:bodyPr/>
+          <a:lstStyle/>
+          <a:p>
+            <a:pPr lvl="0"/>
+            <a:r>
+              <a:rPr lang="ru-RU" smtClean="0"/>
+              <a:t>Образец текста</a:t>
+            </a:r>
+            <a:endParaRPr lang="ru-RU" smtClean="0"/>
+          </a:p>
+          <a:p>
+            <a:pPr lvl="1"/>
+            <a:r>
+              <a:rPr lang="ru-RU" smtClean="0"/>
+              <a:t>Второй уровень</a:t>
+            </a:r>
+            <a:endParaRPr lang="ru-RU" smtClean="0"/>
+          </a:p>
+          <a:p>
+            <a:pPr lvl="2"/>
+            <a:r>
+              <a:rPr lang="ru-RU" smtClean="0"/>
+              <a:t>Третий уровень</a:t>
+            </a:r>
+            <a:endParaRPr lang="ru-RU" smtClean="0"/>
+          </a:p>
+          <a:p>
+            <a:pPr lvl="3"/>
+            <a:r>
+              <a:rPr lang="ru-RU" smtClean="0"/>
+              <a:t>Четвертый уровень</a:t>
+            </a:r>
+            <a:endParaRPr lang="ru-RU" smtClean="0"/>
+          </a:p>
+          <a:p>
+            <a:pPr lvl="4"/>
+            <a:r>
+              <a:rPr lang="ru-RU" smtClean="0"/>
+              <a:t>Пятый уровень</a:t>
+            </a:r>
+            <a:endParaRPr lang="ru-RU"/>
+          </a:p>
+        </p:txBody>
+      </p:sp>
+      <p:sp>
+        <p:nvSpPr>
+          <p:cNvPr id="5" name="Текст 4"/>
+          <p:cNvSpPr>
+            <a:spLocks noGrp="true"/>
+          </p:cNvSpPr>
+          <p:nvPr>
+            <p:ph type="body" sz="quarter" idx="3"/>
+          </p:nvPr>
+        </p:nvSpPr>
+        <p:spPr>
+          <a:xfrm>
+            <a:off x="6172200" y="1681163"/>
+            <a:ext cx="5183188" cy="823912"/>
+          </a:xfrm>
+        </p:spPr>
+        <p:txBody>
+          <a:bodyPr anchor="b"/>
+          <a:lstStyle>
+            <a:lvl1pPr marL="0" indent="0">
+              <a:buNone/>
+              <a:defRPr sz="1800" b="1"/>
+            </a:lvl1pPr>
+            <a:lvl2pPr marL="342900" indent="0">
+              <a:buNone/>
+              <a:defRPr sz="1500" b="1"/>
+            </a:lvl2pPr>
+            <a:lvl3pPr marL="685800" indent="0">
+              <a:buNone/>
+              <a:defRPr sz="1350" b="1"/>
+            </a:lvl3pPr>
+            <a:lvl4pPr marL="1028700" indent="0">
+              <a:buNone/>
+              <a:defRPr sz="1200" b="1"/>
+            </a:lvl4pPr>
+            <a:lvl5pPr marL="1371600" indent="0">
+              <a:buNone/>
+              <a:defRPr sz="1200" b="1"/>
+            </a:lvl5pPr>
+            <a:lvl6pPr marL="1714500" indent="0">
+              <a:buNone/>
+              <a:defRPr sz="1200" b="1"/>
+            </a:lvl6pPr>
+            <a:lvl7pPr marL="2057400" indent="0">
+              <a:buNone/>
+              <a:defRPr sz="1200" b="1"/>
+            </a:lvl7pPr>
+            <a:lvl8pPr marL="2400300" indent="0">
+              <a:buNone/>
+              <a:defRPr sz="1200" b="1"/>
+            </a:lvl8pPr>
+            <a:lvl9pPr marL="2743200" indent="0">
+              <a:buNone/>
+              <a:defRPr sz="1200" b="1"/>
+            </a:lvl9pPr>
+          </a:lstStyle>
+          <a:p>
+            <a:pPr lvl="0"/>
+            <a:r>
+              <a:rPr lang="ru-RU" smtClean="0"/>
+              <a:t>Образец текста</a:t>
+            </a:r>
+            <a:endParaRPr lang="ru-RU" smtClean="0"/>
+          </a:p>
+        </p:txBody>
+      </p:sp>
+      <p:sp>
+        <p:nvSpPr>
+          <p:cNvPr id="6" name="Объект 5"/>
+          <p:cNvSpPr>
+            <a:spLocks noGrp="true"/>
+          </p:cNvSpPr>
+          <p:nvPr>
+            <p:ph sz="quarter" idx="4"/>
+          </p:nvPr>
+        </p:nvSpPr>
+        <p:spPr>
+          <a:xfrm>
+            <a:off x="6172200" y="2505075"/>
+            <a:ext cx="5183188" cy="3684588"/>
+          </a:xfrm>
+        </p:spPr>
+        <p:txBody>
+          <a:bodyPr/>
+          <a:lstStyle/>
+          <a:p>
+            <a:pPr lvl="0"/>
+            <a:r>
+              <a:rPr lang="ru-RU" smtClean="0"/>
+              <a:t>Образец текста</a:t>
+            </a:r>
+            <a:endParaRPr lang="ru-RU" smtClean="0"/>
+          </a:p>
+          <a:p>
+            <a:pPr lvl="1"/>
+            <a:r>
+              <a:rPr lang="ru-RU" smtClean="0"/>
+              <a:t>Второй уровень</a:t>
+            </a:r>
+            <a:endParaRPr lang="ru-RU" smtClean="0"/>
+          </a:p>
+          <a:p>
+            <a:pPr lvl="2"/>
+            <a:r>
+              <a:rPr lang="ru-RU" smtClean="0"/>
+              <a:t>Третий уровень</a:t>
+            </a:r>
+            <a:endParaRPr lang="ru-RU" smtClean="0"/>
+          </a:p>
+          <a:p>
+            <a:pPr lvl="3"/>
+            <a:r>
+              <a:rPr lang="ru-RU" smtClean="0"/>
+              <a:t>Четвертый уровень</a:t>
+            </a:r>
+            <a:endParaRPr lang="ru-RU" smtClean="0"/>
+          </a:p>
+          <a:p>
+            <a:pPr lvl="4"/>
+            <a:r>
+              <a:rPr lang="ru-RU" smtClean="0"/>
+              <a:t>Пятый уровень</a:t>
+            </a:r>
+            <a:endParaRPr lang="ru-RU"/>
+          </a:p>
+        </p:txBody>
+      </p:sp>
+      <p:sp>
+        <p:nvSpPr>
+          <p:cNvPr id="7" name="Дата 6"/>
           <p:cNvSpPr>
             <a:spLocks noGrp="true"/>
           </p:cNvSpPr>
@@ -2344,15 +2215,15 @@
           <a:lstStyle/>
           <a:p>
             <a:fld id="{760FBDFE-C587-4B4C-A407-44438C67B59E}" type="datetimeFigureOut">
-              <a:rPr lang="zh-CN" altLang="en-US" smtClean="0"/>
+              <a:rPr lang="en-US" smtClean="0"/>
             </a:fld>
-            <a:endParaRPr lang="zh-CN" altLang="en-US"/>
-          </a:p>
-        </p:txBody>
-      </p:sp>
-      <p:sp>
-        <p:nvSpPr>
-          <p:cNvPr id="4" name="页脚占位符 3"/>
+            <a:endParaRPr lang="en-US"/>
+          </a:p>
+        </p:txBody>
+      </p:sp>
+      <p:sp>
+        <p:nvSpPr>
+          <p:cNvPr id="8" name="Нижний колонтитул 7"/>
           <p:cNvSpPr>
             <a:spLocks noGrp="true"/>
           </p:cNvSpPr>
@@ -2365,13 +2236,13 @@
           <a:bodyPr/>
           <a:lstStyle/>
           <a:p>
-            <a:endParaRPr lang="zh-CN" altLang="en-US"/>
-          </a:p>
-        </p:txBody>
-      </p:sp>
-      <p:sp>
-        <p:nvSpPr>
-          <p:cNvPr id="5" name="灯片编号占位符 4"/>
+            <a:endParaRPr lang="en-US"/>
+          </a:p>
+        </p:txBody>
+      </p:sp>
+      <p:sp>
+        <p:nvSpPr>
+          <p:cNvPr id="9" name="Номер слайда 8"/>
           <p:cNvSpPr>
             <a:spLocks noGrp="true"/>
           </p:cNvSpPr>
@@ -2385,9 +2256,9 @@
           <a:lstStyle/>
           <a:p>
             <a:fld id="{49AE70B2-8BF9-45C0-BB95-33D1B9D3A854}" type="slidenum">
-              <a:rPr lang="zh-CN" altLang="en-US" smtClean="0"/>
+              <a:rPr lang="en-US" smtClean="0"/>
             </a:fld>
-            <a:endParaRPr lang="zh-CN" altLang="en-US"/>
+            <a:endParaRPr lang="en-US"/>
           </a:p>
         </p:txBody>
       </p:sp>
@@ -2396,12 +2267,13 @@
   <p:clrMapOvr>
     <a:masterClrMapping/>
   </p:clrMapOvr>
+  <p:hf sldNum="0" hdr="0" ftr="0" dt="0"/>
 </p:sldLayout>
 </file>
 
-<file path=ppt/slideLayouts/slideLayout7.xml><?xml version="1.0" encoding="utf-8"?>
-<p:sldLayout xmlns:a="http://schemas.openxmlformats.org/drawingml/2006/main" xmlns:r="http://schemas.openxmlformats.org/officeDocument/2006/relationships" xmlns:p="http://schemas.openxmlformats.org/presentationml/2006/main" type="blank" preserve="1">
-  <p:cSld name="Blank">
+<file path=ppt/slideLayouts/slideLayout6.xml><?xml version="1.0" encoding="utf-8"?>
+<p:sldLayout xmlns:a="http://schemas.openxmlformats.org/drawingml/2006/main" xmlns:r="http://schemas.openxmlformats.org/officeDocument/2006/relationships" xmlns:p="http://schemas.openxmlformats.org/presentationml/2006/main" type="titleOnly" preserve="1">
+  <p:cSld name="Только заголовок">
     <p:spTree>
       <p:nvGrpSpPr>
         <p:cNvPr id="1" name=""/>
@@ -2418,7 +2290,30 @@
       </p:grpSpPr>
       <p:sp>
         <p:nvSpPr>
-          <p:cNvPr id="2" name="日期占位符 1"/>
+          <p:cNvPr id="2" name="Заголовок 1"/>
+          <p:cNvSpPr>
+            <a:spLocks noGrp="true"/>
+          </p:cNvSpPr>
+          <p:nvPr>
+            <p:ph type="title"/>
+          </p:nvPr>
+        </p:nvSpPr>
+        <p:spPr/>
+        <p:txBody>
+          <a:bodyPr/>
+          <a:lstStyle/>
+          <a:p>
+            <a:r>
+              <a:rPr lang="ru-RU" smtClean="0"/>
+              <a:t>Образец заголовка</a:t>
+            </a:r>
+            <a:endParaRPr lang="ru-RU"/>
+          </a:p>
+        </p:txBody>
+      </p:sp>
+      <p:sp>
+        <p:nvSpPr>
+          <p:cNvPr id="3" name="Дата 2"/>
           <p:cNvSpPr>
             <a:spLocks noGrp="true"/>
           </p:cNvSpPr>
@@ -2432,15 +2327,15 @@
           <a:lstStyle/>
           <a:p>
             <a:fld id="{760FBDFE-C587-4B4C-A407-44438C67B59E}" type="datetimeFigureOut">
-              <a:rPr lang="zh-CN" altLang="en-US" smtClean="0"/>
+              <a:rPr lang="en-US" smtClean="0"/>
             </a:fld>
-            <a:endParaRPr lang="zh-CN" altLang="en-US"/>
-          </a:p>
-        </p:txBody>
-      </p:sp>
-      <p:sp>
-        <p:nvSpPr>
-          <p:cNvPr id="3" name="页脚占位符 2"/>
+            <a:endParaRPr lang="en-US"/>
+          </a:p>
+        </p:txBody>
+      </p:sp>
+      <p:sp>
+        <p:nvSpPr>
+          <p:cNvPr id="4" name="Нижний колонтитул 3"/>
           <p:cNvSpPr>
             <a:spLocks noGrp="true"/>
           </p:cNvSpPr>
@@ -2453,13 +2348,13 @@
           <a:bodyPr/>
           <a:lstStyle/>
           <a:p>
-            <a:endParaRPr lang="zh-CN" altLang="en-US"/>
-          </a:p>
-        </p:txBody>
-      </p:sp>
-      <p:sp>
-        <p:nvSpPr>
-          <p:cNvPr id="4" name="灯片编号占位符 3"/>
+            <a:endParaRPr lang="en-US"/>
+          </a:p>
+        </p:txBody>
+      </p:sp>
+      <p:sp>
+        <p:nvSpPr>
+          <p:cNvPr id="5" name="Номер слайда 4"/>
           <p:cNvSpPr>
             <a:spLocks noGrp="true"/>
           </p:cNvSpPr>
@@ -2473,9 +2368,9 @@
           <a:lstStyle/>
           <a:p>
             <a:fld id="{49AE70B2-8BF9-45C0-BB95-33D1B9D3A854}" type="slidenum">
-              <a:rPr lang="zh-CN" altLang="en-US" smtClean="0"/>
+              <a:rPr lang="en-US" smtClean="0"/>
             </a:fld>
-            <a:endParaRPr lang="zh-CN" altLang="en-US"/>
+            <a:endParaRPr lang="en-US"/>
           </a:p>
         </p:txBody>
       </p:sp>
@@ -2484,12 +2379,13 @@
   <p:clrMapOvr>
     <a:masterClrMapping/>
   </p:clrMapOvr>
+  <p:hf sldNum="0" hdr="0" ftr="0" dt="0"/>
 </p:sldLayout>
 </file>
 
-<file path=ppt/slideLayouts/slideLayout8.xml><?xml version="1.0" encoding="utf-8"?>
-<p:sldLayout xmlns:a="http://schemas.openxmlformats.org/drawingml/2006/main" xmlns:r="http://schemas.openxmlformats.org/officeDocument/2006/relationships" xmlns:p="http://schemas.openxmlformats.org/presentationml/2006/main" type="picTx" preserve="1">
-  <p:cSld name="Picture with Caption">
+<file path=ppt/slideLayouts/slideLayout7.xml><?xml version="1.0" encoding="utf-8"?>
+<p:sldLayout xmlns:a="http://schemas.openxmlformats.org/drawingml/2006/main" xmlns:r="http://schemas.openxmlformats.org/officeDocument/2006/relationships" xmlns:p="http://schemas.openxmlformats.org/presentationml/2006/main" type="blank" preserve="1">
+  <p:cSld name="Пустой слайд">
     <p:spTree>
       <p:nvGrpSpPr>
         <p:cNvPr id="1" name=""/>
@@ -2506,185 +2402,7 @@
       </p:grpSpPr>
       <p:sp>
         <p:nvSpPr>
-          <p:cNvPr id="2" name="标题 1"/>
-          <p:cNvSpPr>
-            <a:spLocks noGrp="true"/>
-          </p:cNvSpPr>
-          <p:nvPr>
-            <p:ph type="title"/>
-          </p:nvPr>
-        </p:nvSpPr>
-        <p:spPr>
-          <a:xfrm>
-            <a:off x="646747" y="127000"/>
-            <a:ext cx="4165200" cy="1600200"/>
-          </a:xfrm>
-        </p:spPr>
-        <p:txBody>
-          <a:bodyPr anchor="ctr" anchorCtr="false">
-            <a:normAutofit/>
-          </a:bodyPr>
-          <a:lstStyle>
-            <a:lvl1pPr>
-              <a:defRPr sz="2400" b="1">
-                <a:effectLst>
-                  <a:outerShdw blurRad="38100" dist="38100" dir="2700000" algn="tl">
-                    <a:srgbClr val="000000">
-                      <a:alpha val="43137"/>
-                    </a:srgbClr>
-                  </a:outerShdw>
-                </a:effectLst>
-              </a:defRPr>
-            </a:lvl1pPr>
-          </a:lstStyle>
-          <a:p>
-            <a:r>
-              <a:rPr lang="zh-CN" altLang="en-US" dirty="0">
-                <a:sym typeface="+mn-ea"/>
-              </a:rPr>
-              <a:t>Click to edit Master title style</a:t>
-            </a:r>
-            <a:endParaRPr lang="zh-CN" altLang="en-US" dirty="0">
-              <a:sym typeface="+mn-ea"/>
-            </a:endParaRPr>
-          </a:p>
-        </p:txBody>
-      </p:sp>
-      <p:sp>
-        <p:nvSpPr>
-          <p:cNvPr id="3" name="图片占位符 2"/>
-          <p:cNvSpPr>
-            <a:spLocks noGrp="true" noChangeAspect="true"/>
-          </p:cNvSpPr>
-          <p:nvPr>
-            <p:ph type="pic" idx="1"/>
-          </p:nvPr>
-        </p:nvSpPr>
-        <p:spPr>
-          <a:xfrm>
-            <a:off x="5184000" y="766354"/>
-            <a:ext cx="5817375" cy="5094446"/>
-          </a:xfrm>
-        </p:spPr>
-        <p:txBody>
-          <a:bodyPr/>
-          <a:lstStyle>
-            <a:lvl1pPr marL="0" indent="0">
-              <a:buNone/>
-              <a:defRPr sz="3200"/>
-            </a:lvl1pPr>
-            <a:lvl2pPr marL="457200" indent="0">
-              <a:buNone/>
-              <a:defRPr sz="2800"/>
-            </a:lvl2pPr>
-            <a:lvl3pPr marL="914400" indent="0">
-              <a:buNone/>
-              <a:defRPr sz="2400"/>
-            </a:lvl3pPr>
-            <a:lvl4pPr marL="1371600" indent="0">
-              <a:buNone/>
-              <a:defRPr sz="2000"/>
-            </a:lvl4pPr>
-            <a:lvl5pPr marL="1828800" indent="0">
-              <a:buNone/>
-              <a:defRPr sz="2000"/>
-            </a:lvl5pPr>
-            <a:lvl6pPr marL="2286000" indent="0">
-              <a:buNone/>
-              <a:defRPr sz="2000"/>
-            </a:lvl6pPr>
-            <a:lvl7pPr marL="2743200" indent="0">
-              <a:buNone/>
-              <a:defRPr sz="2000"/>
-            </a:lvl7pPr>
-            <a:lvl8pPr marL="3200400" indent="0">
-              <a:buNone/>
-              <a:defRPr sz="2000"/>
-            </a:lvl8pPr>
-            <a:lvl9pPr marL="3657600" indent="0">
-              <a:buNone/>
-              <a:defRPr sz="2000"/>
-            </a:lvl9pPr>
-          </a:lstStyle>
-          <a:p>
-            <a:endParaRPr lang="zh-CN" altLang="en-US" dirty="0"/>
-          </a:p>
-        </p:txBody>
-      </p:sp>
-      <p:sp>
-        <p:nvSpPr>
-          <p:cNvPr id="4" name="文本占位符 3"/>
-          <p:cNvSpPr>
-            <a:spLocks noGrp="true"/>
-          </p:cNvSpPr>
-          <p:nvPr>
-            <p:ph type="body" sz="half" idx="2"/>
-          </p:nvPr>
-        </p:nvSpPr>
-        <p:spPr>
-          <a:xfrm>
-            <a:off x="651827" y="2057400"/>
-            <a:ext cx="4165200" cy="3811588"/>
-          </a:xfrm>
-        </p:spPr>
-        <p:txBody>
-          <a:bodyPr>
-            <a:normAutofit/>
-          </a:bodyPr>
-          <a:lstStyle>
-            <a:lvl1pPr marL="0" indent="0">
-              <a:lnSpc>
-                <a:spcPct val="150000"/>
-              </a:lnSpc>
-              <a:buNone/>
-              <a:defRPr sz="1600"/>
-            </a:lvl1pPr>
-            <a:lvl2pPr marL="457200" indent="0">
-              <a:buNone/>
-              <a:defRPr sz="1400"/>
-            </a:lvl2pPr>
-            <a:lvl3pPr marL="914400" indent="0">
-              <a:buNone/>
-              <a:defRPr sz="1200"/>
-            </a:lvl3pPr>
-            <a:lvl4pPr marL="1371600" indent="0">
-              <a:buNone/>
-              <a:defRPr sz="1000"/>
-            </a:lvl4pPr>
-            <a:lvl5pPr marL="1828800" indent="0">
-              <a:buNone/>
-              <a:defRPr sz="1000"/>
-            </a:lvl5pPr>
-            <a:lvl6pPr marL="2286000" indent="0">
-              <a:buNone/>
-              <a:defRPr sz="1000"/>
-            </a:lvl6pPr>
-            <a:lvl7pPr marL="2743200" indent="0">
-              <a:buNone/>
-              <a:defRPr sz="1000"/>
-            </a:lvl7pPr>
-            <a:lvl8pPr marL="3200400" indent="0">
-              <a:buNone/>
-              <a:defRPr sz="1000"/>
-            </a:lvl8pPr>
-            <a:lvl9pPr marL="3657600" indent="0">
-              <a:buNone/>
-              <a:defRPr sz="1000"/>
-            </a:lvl9pPr>
-          </a:lstStyle>
-          <a:p>
-            <a:pPr lvl="0"/>
-            <a:r>
-              <a:rPr lang="zh-CN" altLang="en-US" dirty="0"/>
-              <a:t>Click to edit Master text styles</a:t>
-            </a:r>
-            <a:endParaRPr lang="zh-CN" altLang="en-US" dirty="0"/>
-          </a:p>
-        </p:txBody>
-      </p:sp>
-      <p:sp>
-        <p:nvSpPr>
-          <p:cNvPr id="5" name="日期占位符 4"/>
+          <p:cNvPr id="2" name="Дата 1"/>
           <p:cNvSpPr>
             <a:spLocks noGrp="true"/>
           </p:cNvSpPr>
@@ -2697,16 +2415,16 @@
           <a:bodyPr/>
           <a:lstStyle/>
           <a:p>
-            <a:fld id="{9EFD9D74-47D9-4702-A33C-335B63B48DBF}" type="datetimeFigureOut">
-              <a:rPr lang="zh-CN" altLang="en-US" smtClean="0"/>
+            <a:fld id="{760FBDFE-C587-4B4C-A407-44438C67B59E}" type="datetimeFigureOut">
+              <a:rPr lang="en-US" smtClean="0"/>
             </a:fld>
-            <a:endParaRPr lang="zh-CN" altLang="en-US" dirty="0"/>
-          </a:p>
-        </p:txBody>
-      </p:sp>
-      <p:sp>
-        <p:nvSpPr>
-          <p:cNvPr id="6" name="页脚占位符 5"/>
+            <a:endParaRPr lang="en-US"/>
+          </a:p>
+        </p:txBody>
+      </p:sp>
+      <p:sp>
+        <p:nvSpPr>
+          <p:cNvPr id="3" name="Нижний колонтитул 2"/>
           <p:cNvSpPr>
             <a:spLocks noGrp="true"/>
           </p:cNvSpPr>
@@ -2719,13 +2437,13 @@
           <a:bodyPr/>
           <a:lstStyle/>
           <a:p>
-            <a:endParaRPr lang="zh-CN" altLang="en-US" dirty="0"/>
-          </a:p>
-        </p:txBody>
-      </p:sp>
-      <p:sp>
-        <p:nvSpPr>
-          <p:cNvPr id="7" name="灯片编号占位符 6"/>
+            <a:endParaRPr lang="en-US"/>
+          </a:p>
+        </p:txBody>
+      </p:sp>
+      <p:sp>
+        <p:nvSpPr>
+          <p:cNvPr id="4" name="Номер слайда 3"/>
           <p:cNvSpPr>
             <a:spLocks noGrp="true"/>
           </p:cNvSpPr>
@@ -2738,54 +2456,25 @@
           <a:bodyPr/>
           <a:lstStyle/>
           <a:p>
-            <a:fld id="{FABC47A4-756D-490B-A52F-7D9E2C9FC05F}" type="slidenum">
-              <a:rPr lang="zh-CN" altLang="en-US" smtClean="0"/>
+            <a:fld id="{49AE70B2-8BF9-45C0-BB95-33D1B9D3A854}" type="slidenum">
+              <a:rPr lang="en-US" smtClean="0"/>
             </a:fld>
-            <a:endParaRPr lang="zh-CN" altLang="en-US"/>
-          </a:p>
-        </p:txBody>
-      </p:sp>
-      <p:cxnSp>
-        <p:nvCxnSpPr>
-          <p:cNvPr id="8" name="直接连接符 7" hidden="true"/>
-          <p:cNvCxnSpPr/>
-          <p:nvPr userDrawn="true"/>
-        </p:nvCxnSpPr>
-        <p:spPr>
-          <a:xfrm>
-            <a:off x="742950" y="434340"/>
-            <a:ext cx="0" cy="1391285"/>
-          </a:xfrm>
-          <a:prstGeom prst="line">
-            <a:avLst/>
-          </a:prstGeom>
-        </p:spPr>
-        <p:style>
-          <a:lnRef idx="1">
-            <a:schemeClr val="accent1"/>
-          </a:lnRef>
-          <a:fillRef idx="0">
-            <a:schemeClr val="accent1"/>
-          </a:fillRef>
-          <a:effectRef idx="0">
-            <a:schemeClr val="accent1"/>
-          </a:effectRef>
-          <a:fontRef idx="minor">
-            <a:schemeClr val="tx1"/>
-          </a:fontRef>
-        </p:style>
-      </p:cxnSp>
+            <a:endParaRPr lang="en-US"/>
+          </a:p>
+        </p:txBody>
+      </p:sp>
     </p:spTree>
   </p:cSld>
   <p:clrMapOvr>
     <a:masterClrMapping/>
   </p:clrMapOvr>
+  <p:hf sldNum="0" hdr="0" ftr="0" dt="0"/>
 </p:sldLayout>
 </file>
 
-<file path=ppt/slideLayouts/slideLayout9.xml><?xml version="1.0" encoding="utf-8"?>
-<p:sldLayout xmlns:a="http://schemas.openxmlformats.org/drawingml/2006/main" xmlns:r="http://schemas.openxmlformats.org/officeDocument/2006/relationships" xmlns:p="http://schemas.openxmlformats.org/presentationml/2006/main" type="vertTitleAndTx" preserve="1">
-  <p:cSld name="Vertical Title and Text">
+<file path=ppt/slideLayouts/slideLayout8.xml><?xml version="1.0" encoding="utf-8"?>
+<p:sldLayout xmlns:a="http://schemas.openxmlformats.org/drawingml/2006/main" xmlns:r="http://schemas.openxmlformats.org/officeDocument/2006/relationships" xmlns:p="http://schemas.openxmlformats.org/presentationml/2006/main" type="objTx" preserve="1">
+  <p:cSld name="Объект с подписью">
     <p:spTree>
       <p:nvGrpSpPr>
         <p:cNvPr id="1" name=""/>
@@ -2802,163 +2491,348 @@
       </p:grpSpPr>
       <p:sp>
         <p:nvSpPr>
-          <p:cNvPr id="2" name="竖排标题 1"/>
-          <p:cNvSpPr>
-            <a:spLocks noGrp="true"/>
-          </p:cNvSpPr>
-          <p:nvPr>
-            <p:ph type="title" orient="vert"/>
+          <p:cNvPr id="2" name="Заголовок 1"/>
+          <p:cNvSpPr>
+            <a:spLocks noGrp="true"/>
+          </p:cNvSpPr>
+          <p:nvPr>
+            <p:ph type="title"/>
           </p:nvPr>
         </p:nvSpPr>
         <p:spPr>
           <a:xfrm>
-            <a:off x="9824484" y="365125"/>
-            <a:ext cx="1529316" cy="5811838"/>
+            <a:off x="839788" y="457200"/>
+            <a:ext cx="3932237" cy="1600200"/>
           </a:xfrm>
         </p:spPr>
         <p:txBody>
-          <a:bodyPr vert="eaVert">
-            <a:normAutofit/>
-          </a:bodyPr>
+          <a:bodyPr anchor="b"/>
           <a:lstStyle>
             <a:lvl1pPr>
-              <a:defRPr sz="3600"/>
+              <a:defRPr sz="2400"/>
             </a:lvl1pPr>
           </a:lstStyle>
           <a:p>
             <a:r>
-              <a:rPr lang="zh-CN" altLang="en-US"/>
-              <a:t>Click to edit Master title style</a:t>
-            </a:r>
-            <a:endParaRPr lang="zh-CN" altLang="en-US"/>
-          </a:p>
-        </p:txBody>
-      </p:sp>
-      <p:sp>
-        <p:nvSpPr>
-          <p:cNvPr id="3" name="竖排文字占位符 2"/>
-          <p:cNvSpPr>
-            <a:spLocks noGrp="true"/>
-          </p:cNvSpPr>
-          <p:nvPr>
-            <p:ph type="body" orient="vert" idx="1"/>
+              <a:rPr lang="ru-RU" smtClean="0"/>
+              <a:t>Образец заголовка</a:t>
+            </a:r>
+            <a:endParaRPr lang="ru-RU"/>
+          </a:p>
+        </p:txBody>
+      </p:sp>
+      <p:sp>
+        <p:nvSpPr>
+          <p:cNvPr id="3" name="Объект 2"/>
+          <p:cNvSpPr>
+            <a:spLocks noGrp="true"/>
+          </p:cNvSpPr>
+          <p:nvPr>
+            <p:ph idx="1"/>
           </p:nvPr>
         </p:nvSpPr>
         <p:spPr>
           <a:xfrm>
-            <a:off x="838200" y="365125"/>
-            <a:ext cx="8879958" cy="5811838"/>
+            <a:off x="5183188" y="987425"/>
+            <a:ext cx="6172200" cy="4873625"/>
           </a:xfrm>
         </p:spPr>
         <p:txBody>
-          <a:bodyPr vert="eaVert"/>
+          <a:bodyPr/>
+          <a:lstStyle>
+            <a:lvl1pPr>
+              <a:defRPr sz="2400"/>
+            </a:lvl1pPr>
+            <a:lvl2pPr>
+              <a:defRPr sz="2100"/>
+            </a:lvl2pPr>
+            <a:lvl3pPr>
+              <a:defRPr sz="1800"/>
+            </a:lvl3pPr>
+            <a:lvl4pPr>
+              <a:defRPr sz="1500"/>
+            </a:lvl4pPr>
+            <a:lvl5pPr>
+              <a:defRPr sz="1500"/>
+            </a:lvl5pPr>
+            <a:lvl6pPr>
+              <a:defRPr sz="1500"/>
+            </a:lvl6pPr>
+            <a:lvl7pPr>
+              <a:defRPr sz="1500"/>
+            </a:lvl7pPr>
+            <a:lvl8pPr>
+              <a:defRPr sz="1500"/>
+            </a:lvl8pPr>
+            <a:lvl9pPr>
+              <a:defRPr sz="1500"/>
+            </a:lvl9pPr>
+          </a:lstStyle>
+          <a:p>
+            <a:pPr lvl="0"/>
+            <a:r>
+              <a:rPr lang="ru-RU" smtClean="0"/>
+              <a:t>Образец текста</a:t>
+            </a:r>
+            <a:endParaRPr lang="ru-RU" smtClean="0"/>
+          </a:p>
+          <a:p>
+            <a:pPr lvl="1"/>
+            <a:r>
+              <a:rPr lang="ru-RU" smtClean="0"/>
+              <a:t>Второй уровень</a:t>
+            </a:r>
+            <a:endParaRPr lang="ru-RU" smtClean="0"/>
+          </a:p>
+          <a:p>
+            <a:pPr lvl="2"/>
+            <a:r>
+              <a:rPr lang="ru-RU" smtClean="0"/>
+              <a:t>Третий уровень</a:t>
+            </a:r>
+            <a:endParaRPr lang="ru-RU" smtClean="0"/>
+          </a:p>
+          <a:p>
+            <a:pPr lvl="3"/>
+            <a:r>
+              <a:rPr lang="ru-RU" smtClean="0"/>
+              <a:t>Четвертый уровень</a:t>
+            </a:r>
+            <a:endParaRPr lang="ru-RU" smtClean="0"/>
+          </a:p>
+          <a:p>
+            <a:pPr lvl="4"/>
+            <a:r>
+              <a:rPr lang="ru-RU" smtClean="0"/>
+              <a:t>Пятый уровень</a:t>
+            </a:r>
+            <a:endParaRPr lang="ru-RU"/>
+          </a:p>
+        </p:txBody>
+      </p:sp>
+      <p:sp>
+        <p:nvSpPr>
+          <p:cNvPr id="4" name="Текст 3"/>
+          <p:cNvSpPr>
+            <a:spLocks noGrp="true"/>
+          </p:cNvSpPr>
+          <p:nvPr>
+            <p:ph type="body" sz="half" idx="2"/>
+          </p:nvPr>
+        </p:nvSpPr>
+        <p:spPr>
+          <a:xfrm>
+            <a:off x="839788" y="2057400"/>
+            <a:ext cx="3932237" cy="3811588"/>
+          </a:xfrm>
+        </p:spPr>
+        <p:txBody>
+          <a:bodyPr/>
+          <a:lstStyle>
+            <a:lvl1pPr marL="0" indent="0">
+              <a:buNone/>
+              <a:defRPr sz="1200"/>
+            </a:lvl1pPr>
+            <a:lvl2pPr marL="342900" indent="0">
+              <a:buNone/>
+              <a:defRPr sz="1050"/>
+            </a:lvl2pPr>
+            <a:lvl3pPr marL="685800" indent="0">
+              <a:buNone/>
+              <a:defRPr sz="900"/>
+            </a:lvl3pPr>
+            <a:lvl4pPr marL="1028700" indent="0">
+              <a:buNone/>
+              <a:defRPr sz="750"/>
+            </a:lvl4pPr>
+            <a:lvl5pPr marL="1371600" indent="0">
+              <a:buNone/>
+              <a:defRPr sz="750"/>
+            </a:lvl5pPr>
+            <a:lvl6pPr marL="1714500" indent="0">
+              <a:buNone/>
+              <a:defRPr sz="750"/>
+            </a:lvl6pPr>
+            <a:lvl7pPr marL="2057400" indent="0">
+              <a:buNone/>
+              <a:defRPr sz="750"/>
+            </a:lvl7pPr>
+            <a:lvl8pPr marL="2400300" indent="0">
+              <a:buNone/>
+              <a:defRPr sz="750"/>
+            </a:lvl8pPr>
+            <a:lvl9pPr marL="2743200" indent="0">
+              <a:buNone/>
+              <a:defRPr sz="750"/>
+            </a:lvl9pPr>
+          </a:lstStyle>
+          <a:p>
+            <a:pPr lvl="0"/>
+            <a:r>
+              <a:rPr lang="ru-RU" smtClean="0"/>
+              <a:t>Образец текста</a:t>
+            </a:r>
+            <a:endParaRPr lang="ru-RU" smtClean="0"/>
+          </a:p>
+        </p:txBody>
+      </p:sp>
+      <p:sp>
+        <p:nvSpPr>
+          <p:cNvPr id="5" name="Дата 4"/>
+          <p:cNvSpPr>
+            <a:spLocks noGrp="true"/>
+          </p:cNvSpPr>
+          <p:nvPr>
+            <p:ph type="dt" sz="half" idx="10"/>
+          </p:nvPr>
+        </p:nvSpPr>
+        <p:spPr/>
+        <p:txBody>
+          <a:bodyPr/>
           <a:lstStyle/>
           <a:p>
-            <a:pPr lvl="0"/>
-            <a:r>
-              <a:rPr lang="zh-CN" altLang="en-US" dirty="0">
-                <a:sym typeface="+mn-ea"/>
+            <a:pPr marL="0" marR="0" lvl="0" indent="0" algn="l" defTabSz="914400" rtl="0" eaLnBrk="1" fontAlgn="base" latinLnBrk="0" hangingPunct="1">
+              <a:lnSpc>
+                <a:spcPct val="100000"/>
+              </a:lnSpc>
+              <a:spcBef>
+                <a:spcPct val="0"/>
+              </a:spcBef>
+              <a:spcAft>
+                <a:spcPct val="0"/>
+              </a:spcAft>
+              <a:buClrTx/>
+              <a:buSzTx/>
+              <a:buFontTx/>
+              <a:buNone/>
+              <a:defRPr/>
+            </a:pPr>
+            <a:endParaRPr kumimoji="0" lang="en-US" altLang="zh-CN" sz="1400" b="0" i="0" u="none" strike="noStrike" kern="1200" cap="none" spc="0" normalizeH="0" baseline="0" noProof="0" smtClean="0">
+              <a:ln>
+                <a:noFill/>
+              </a:ln>
+              <a:solidFill>
+                <a:schemeClr val="tx1"/>
+              </a:solidFill>
+              <a:effectLst/>
+              <a:uLnTx/>
+              <a:uFillTx/>
+              <a:latin typeface="Arial" panose="020B0604020202020204" pitchFamily="34" charset="0"/>
+              <a:ea typeface="SimSun" pitchFamily="2" charset="-122"/>
+              <a:cs typeface="+mn-cs"/>
+            </a:endParaRPr>
+          </a:p>
+        </p:txBody>
+      </p:sp>
+      <p:sp>
+        <p:nvSpPr>
+          <p:cNvPr id="6" name="Нижний колонтитул 5"/>
+          <p:cNvSpPr>
+            <a:spLocks noGrp="true"/>
+          </p:cNvSpPr>
+          <p:nvPr>
+            <p:ph type="ftr" sz="quarter" idx="11"/>
+          </p:nvPr>
+        </p:nvSpPr>
+        <p:spPr/>
+        <p:txBody>
+          <a:bodyPr/>
+          <a:lstStyle/>
+          <a:p>
+            <a:pPr marL="0" marR="0" lvl="0" indent="0" algn="ctr" defTabSz="914400" rtl="0" eaLnBrk="1" fontAlgn="base" latinLnBrk="0" hangingPunct="1">
+              <a:lnSpc>
+                <a:spcPct val="100000"/>
+              </a:lnSpc>
+              <a:spcBef>
+                <a:spcPct val="0"/>
+              </a:spcBef>
+              <a:spcAft>
+                <a:spcPct val="0"/>
+              </a:spcAft>
+              <a:buClrTx/>
+              <a:buSzTx/>
+              <a:buFontTx/>
+              <a:buNone/>
+              <a:defRPr/>
+            </a:pPr>
+            <a:endParaRPr kumimoji="0" lang="en-US" altLang="zh-CN" sz="1400" b="0" i="0" u="none" strike="noStrike" kern="1200" cap="none" spc="0" normalizeH="0" baseline="0" noProof="0" smtClean="0">
+              <a:ln>
+                <a:noFill/>
+              </a:ln>
+              <a:solidFill>
+                <a:schemeClr val="tx1"/>
+              </a:solidFill>
+              <a:effectLst/>
+              <a:uLnTx/>
+              <a:uFillTx/>
+              <a:latin typeface="Arial" panose="020B0604020202020204" pitchFamily="34" charset="0"/>
+              <a:ea typeface="SimSun" pitchFamily="2" charset="-122"/>
+              <a:cs typeface="+mn-cs"/>
+            </a:endParaRPr>
+          </a:p>
+        </p:txBody>
+      </p:sp>
+      <p:sp>
+        <p:nvSpPr>
+          <p:cNvPr id="7" name="Номер слайда 6"/>
+          <p:cNvSpPr>
+            <a:spLocks noGrp="true"/>
+          </p:cNvSpPr>
+          <p:nvPr>
+            <p:ph type="sldNum" sz="quarter" idx="12"/>
+          </p:nvPr>
+        </p:nvSpPr>
+        <p:spPr/>
+        <p:txBody>
+          <a:bodyPr/>
+          <a:lstStyle/>
+          <a:p>
+            <a:pPr marL="0" marR="0" lvl="0" indent="0" algn="r" defTabSz="914400" rtl="0" eaLnBrk="1" fontAlgn="base" latinLnBrk="0" hangingPunct="1">
+              <a:lnSpc>
+                <a:spcPct val="100000"/>
+              </a:lnSpc>
+              <a:spcBef>
+                <a:spcPct val="0"/>
+              </a:spcBef>
+              <a:spcAft>
+                <a:spcPct val="0"/>
+              </a:spcAft>
+              <a:buClrTx/>
+              <a:buSzTx/>
+              <a:buFontTx/>
+              <a:buNone/>
+              <a:defRPr/>
+            </a:pPr>
+            <a:fld id="{078FD23A-2F78-4156-BB62-C393E2F1F45C}" type="slidenum">
+              <a:rPr kumimoji="0" lang="en-US" altLang="zh-CN" sz="1400" b="0" i="0" u="none" strike="noStrike" kern="1200" cap="none" spc="0" normalizeH="0" baseline="0" noProof="0" smtClean="0">
+                <a:ln>
+                  <a:noFill/>
+                </a:ln>
+                <a:solidFill>
+                  <a:schemeClr val="tx1"/>
+                </a:solidFill>
+                <a:effectLst/>
+                <a:uLnTx/>
+                <a:uFillTx/>
+                <a:latin typeface="Arial" panose="020B0604020202020204" pitchFamily="34" charset="0"/>
+                <a:ea typeface="SimSun" pitchFamily="2" charset="-122"/>
+                <a:cs typeface="+mn-cs"/>
               </a:rPr>
-              <a:t>Click to edit Master text styles</a:t>
-            </a:r>
-            <a:endParaRPr lang="zh-CN" altLang="en-US" dirty="0">
-              <a:sym typeface="+mn-ea"/>
+            </a:fld>
+            <a:endParaRPr kumimoji="0" lang="en-US" altLang="zh-CN" sz="1400" b="0" i="0" u="none" strike="noStrike" kern="1200" cap="none" spc="0" normalizeH="0" baseline="0" noProof="0" smtClean="0">
+              <a:ln>
+                <a:noFill/>
+              </a:ln>
+              <a:solidFill>
+                <a:schemeClr val="tx1"/>
+              </a:solidFill>
+              <a:effectLst/>
+              <a:uLnTx/>
+              <a:uFillTx/>
+              <a:latin typeface="Arial" panose="020B0604020202020204" pitchFamily="34" charset="0"/>
+              <a:ea typeface="SimSun" pitchFamily="2" charset="-122"/>
+              <a:cs typeface="+mn-cs"/>
             </a:endParaRPr>
-          </a:p>
-          <a:p>
-            <a:pPr lvl="1"/>
-            <a:r>
-              <a:rPr lang="zh-CN" altLang="en-US" dirty="0"/>
-              <a:t>Second level</a:t>
-            </a:r>
-            <a:endParaRPr lang="zh-CN" altLang="en-US" dirty="0"/>
-          </a:p>
-          <a:p>
-            <a:pPr lvl="2"/>
-            <a:r>
-              <a:rPr lang="zh-CN" altLang="en-US" dirty="0"/>
-              <a:t>Third level</a:t>
-            </a:r>
-            <a:endParaRPr lang="zh-CN" altLang="en-US" dirty="0"/>
-          </a:p>
-          <a:p>
-            <a:pPr lvl="3"/>
-            <a:r>
-              <a:rPr lang="zh-CN" altLang="en-US" dirty="0"/>
-              <a:t>Fourth level</a:t>
-            </a:r>
-            <a:endParaRPr lang="zh-CN" altLang="en-US" dirty="0"/>
-          </a:p>
-          <a:p>
-            <a:pPr lvl="4"/>
-            <a:r>
-              <a:rPr lang="zh-CN" altLang="en-US" dirty="0"/>
-              <a:t>Fifth level</a:t>
-            </a:r>
-            <a:endParaRPr lang="zh-CN" altLang="en-US" dirty="0"/>
-          </a:p>
-        </p:txBody>
-      </p:sp>
-      <p:sp>
-        <p:nvSpPr>
-          <p:cNvPr id="4" name="日期占位符 3"/>
-          <p:cNvSpPr>
-            <a:spLocks noGrp="true"/>
-          </p:cNvSpPr>
-          <p:nvPr>
-            <p:ph type="dt" sz="half" idx="10"/>
-          </p:nvPr>
-        </p:nvSpPr>
-        <p:spPr/>
-        <p:txBody>
-          <a:bodyPr/>
-          <a:lstStyle/>
-          <a:p>
-            <a:fld id="{760FBDFE-C587-4B4C-A407-44438C67B59E}" type="datetimeFigureOut">
-              <a:rPr lang="zh-CN" altLang="en-US" smtClean="0"/>
-            </a:fld>
-            <a:endParaRPr lang="zh-CN" altLang="en-US"/>
-          </a:p>
-        </p:txBody>
-      </p:sp>
-      <p:sp>
-        <p:nvSpPr>
-          <p:cNvPr id="5" name="页脚占位符 4"/>
-          <p:cNvSpPr>
-            <a:spLocks noGrp="true"/>
-          </p:cNvSpPr>
-          <p:nvPr>
-            <p:ph type="ftr" sz="quarter" idx="11"/>
-          </p:nvPr>
-        </p:nvSpPr>
-        <p:spPr/>
-        <p:txBody>
-          <a:bodyPr/>
-          <a:lstStyle/>
-          <a:p>
-            <a:endParaRPr lang="zh-CN" altLang="en-US"/>
-          </a:p>
-        </p:txBody>
-      </p:sp>
-      <p:sp>
-        <p:nvSpPr>
-          <p:cNvPr id="6" name="灯片编号占位符 5"/>
-          <p:cNvSpPr>
-            <a:spLocks noGrp="true"/>
-          </p:cNvSpPr>
-          <p:nvPr>
-            <p:ph type="sldNum" sz="quarter" idx="12"/>
-          </p:nvPr>
-        </p:nvSpPr>
-        <p:spPr/>
-        <p:txBody>
-          <a:bodyPr/>
-          <a:lstStyle/>
-          <a:p>
-            <a:fld id="{49AE70B2-8BF9-45C0-BB95-33D1B9D3A854}" type="slidenum">
-              <a:rPr lang="zh-CN" altLang="en-US" smtClean="0"/>
-            </a:fld>
-            <a:endParaRPr lang="zh-CN" altLang="en-US"/>
           </a:p>
         </p:txBody>
       </p:sp>
@@ -2967,20 +2841,13 @@
   <p:clrMapOvr>
     <a:masterClrMapping/>
   </p:clrMapOvr>
+  <p:hf sldNum="0" hdr="0" ftr="0" dt="0"/>
 </p:sldLayout>
 </file>
 
-<file path=ppt/slideMasters/slideMaster1.xml><?xml version="1.0" encoding="utf-8"?>
-<p:sldMaster xmlns:a="http://schemas.openxmlformats.org/drawingml/2006/main" xmlns:r="http://schemas.openxmlformats.org/officeDocument/2006/relationships" xmlns:p="http://schemas.openxmlformats.org/presentationml/2006/main">
-  <p:cSld>
-    <p:bg>
-      <p:bgPr>
-        <a:solidFill>
-          <a:schemeClr val="bg1"/>
-        </a:solidFill>
-        <a:effectLst/>
-      </p:bgPr>
-    </p:bg>
+<file path=ppt/slideLayouts/slideLayout9.xml><?xml version="1.0" encoding="utf-8"?>
+<p:sldLayout xmlns:a="http://schemas.openxmlformats.org/drawingml/2006/main" xmlns:r="http://schemas.openxmlformats.org/officeDocument/2006/relationships" xmlns:p="http://schemas.openxmlformats.org/presentationml/2006/main" type="picTx" preserve="1">
+  <p:cSld name="Рисунок с подписью">
     <p:spTree>
       <p:nvGrpSpPr>
         <p:cNvPr id="1" name=""/>
@@ -2997,7 +2864,7 @@
       </p:grpSpPr>
       <p:sp>
         <p:nvSpPr>
-          <p:cNvPr id="2" name="标题占位符 1"/>
+          <p:cNvPr id="2" name="Заголовок 1"/>
           <p:cNvSpPr>
             <a:spLocks noGrp="true"/>
           </p:cNvSpPr>
@@ -3007,217 +2874,445 @@
         </p:nvSpPr>
         <p:spPr>
           <a:xfrm>
-            <a:off x="838200" y="365125"/>
-            <a:ext cx="10515600" cy="1325563"/>
+            <a:off x="839788" y="457200"/>
+            <a:ext cx="3932237" cy="1600200"/>
+          </a:xfrm>
+        </p:spPr>
+        <p:txBody>
+          <a:bodyPr anchor="b"/>
+          <a:lstStyle>
+            <a:lvl1pPr>
+              <a:defRPr sz="2400"/>
+            </a:lvl1pPr>
+          </a:lstStyle>
+          <a:p>
+            <a:r>
+              <a:rPr lang="ru-RU" smtClean="0"/>
+              <a:t>Образец заголовка</a:t>
+            </a:r>
+            <a:endParaRPr lang="ru-RU"/>
+          </a:p>
+        </p:txBody>
+      </p:sp>
+      <p:sp>
+        <p:nvSpPr>
+          <p:cNvPr id="3" name="Рисунок 2"/>
+          <p:cNvSpPr>
+            <a:spLocks noGrp="true"/>
+          </p:cNvSpPr>
+          <p:nvPr>
+            <p:ph type="pic" idx="1"/>
+          </p:nvPr>
+        </p:nvSpPr>
+        <p:spPr>
+          <a:xfrm>
+            <a:off x="5183188" y="987425"/>
+            <a:ext cx="6172200" cy="4873625"/>
+          </a:xfrm>
+        </p:spPr>
+        <p:txBody>
+          <a:bodyPr/>
+          <a:lstStyle>
+            <a:lvl1pPr marL="0" indent="0">
+              <a:buNone/>
+              <a:defRPr sz="2400"/>
+            </a:lvl1pPr>
+            <a:lvl2pPr marL="342900" indent="0">
+              <a:buNone/>
+              <a:defRPr sz="2100"/>
+            </a:lvl2pPr>
+            <a:lvl3pPr marL="685800" indent="0">
+              <a:buNone/>
+              <a:defRPr sz="1800"/>
+            </a:lvl3pPr>
+            <a:lvl4pPr marL="1028700" indent="0">
+              <a:buNone/>
+              <a:defRPr sz="1500"/>
+            </a:lvl4pPr>
+            <a:lvl5pPr marL="1371600" indent="0">
+              <a:buNone/>
+              <a:defRPr sz="1500"/>
+            </a:lvl5pPr>
+            <a:lvl6pPr marL="1714500" indent="0">
+              <a:buNone/>
+              <a:defRPr sz="1500"/>
+            </a:lvl6pPr>
+            <a:lvl7pPr marL="2057400" indent="0">
+              <a:buNone/>
+              <a:defRPr sz="1500"/>
+            </a:lvl7pPr>
+            <a:lvl8pPr marL="2400300" indent="0">
+              <a:buNone/>
+              <a:defRPr sz="1500"/>
+            </a:lvl8pPr>
+            <a:lvl9pPr marL="2743200" indent="0">
+              <a:buNone/>
+              <a:defRPr sz="1500"/>
+            </a:lvl9pPr>
+          </a:lstStyle>
+          <a:p>
+            <a:endParaRPr lang="ru-RU"/>
+          </a:p>
+        </p:txBody>
+      </p:sp>
+      <p:sp>
+        <p:nvSpPr>
+          <p:cNvPr id="4" name="Текст 3"/>
+          <p:cNvSpPr>
+            <a:spLocks noGrp="true"/>
+          </p:cNvSpPr>
+          <p:nvPr>
+            <p:ph type="body" sz="half" idx="2"/>
+          </p:nvPr>
+        </p:nvSpPr>
+        <p:spPr>
+          <a:xfrm>
+            <a:off x="839788" y="2057400"/>
+            <a:ext cx="3932237" cy="3811588"/>
+          </a:xfrm>
+        </p:spPr>
+        <p:txBody>
+          <a:bodyPr/>
+          <a:lstStyle>
+            <a:lvl1pPr marL="0" indent="0">
+              <a:buNone/>
+              <a:defRPr sz="1200"/>
+            </a:lvl1pPr>
+            <a:lvl2pPr marL="342900" indent="0">
+              <a:buNone/>
+              <a:defRPr sz="1050"/>
+            </a:lvl2pPr>
+            <a:lvl3pPr marL="685800" indent="0">
+              <a:buNone/>
+              <a:defRPr sz="900"/>
+            </a:lvl3pPr>
+            <a:lvl4pPr marL="1028700" indent="0">
+              <a:buNone/>
+              <a:defRPr sz="750"/>
+            </a:lvl4pPr>
+            <a:lvl5pPr marL="1371600" indent="0">
+              <a:buNone/>
+              <a:defRPr sz="750"/>
+            </a:lvl5pPr>
+            <a:lvl6pPr marL="1714500" indent="0">
+              <a:buNone/>
+              <a:defRPr sz="750"/>
+            </a:lvl6pPr>
+            <a:lvl7pPr marL="2057400" indent="0">
+              <a:buNone/>
+              <a:defRPr sz="750"/>
+            </a:lvl7pPr>
+            <a:lvl8pPr marL="2400300" indent="0">
+              <a:buNone/>
+              <a:defRPr sz="750"/>
+            </a:lvl8pPr>
+            <a:lvl9pPr marL="2743200" indent="0">
+              <a:buNone/>
+              <a:defRPr sz="750"/>
+            </a:lvl9pPr>
+          </a:lstStyle>
+          <a:p>
+            <a:pPr lvl="0"/>
+            <a:r>
+              <a:rPr lang="ru-RU" smtClean="0"/>
+              <a:t>Образец текста</a:t>
+            </a:r>
+            <a:endParaRPr lang="ru-RU" smtClean="0"/>
+          </a:p>
+        </p:txBody>
+      </p:sp>
+      <p:sp>
+        <p:nvSpPr>
+          <p:cNvPr id="5" name="Дата 4"/>
+          <p:cNvSpPr>
+            <a:spLocks noGrp="true"/>
+          </p:cNvSpPr>
+          <p:nvPr>
+            <p:ph type="dt" sz="half" idx="10"/>
+          </p:nvPr>
+        </p:nvSpPr>
+        <p:spPr/>
+        <p:txBody>
+          <a:bodyPr/>
+          <a:lstStyle/>
+          <a:p>
+            <a:fld id="{9EFD9D74-47D9-4702-A33C-335B63B48DBF}" type="datetimeFigureOut">
+              <a:rPr lang="en-US" smtClean="0"/>
+            </a:fld>
+            <a:endParaRPr lang="en-US" dirty="0"/>
+          </a:p>
+        </p:txBody>
+      </p:sp>
+      <p:sp>
+        <p:nvSpPr>
+          <p:cNvPr id="6" name="Нижний колонтитул 5"/>
+          <p:cNvSpPr>
+            <a:spLocks noGrp="true"/>
+          </p:cNvSpPr>
+          <p:nvPr>
+            <p:ph type="ftr" sz="quarter" idx="11"/>
+          </p:nvPr>
+        </p:nvSpPr>
+        <p:spPr/>
+        <p:txBody>
+          <a:bodyPr/>
+          <a:lstStyle/>
+          <a:p>
+            <a:endParaRPr lang="en-US" dirty="0"/>
+          </a:p>
+        </p:txBody>
+      </p:sp>
+      <p:sp>
+        <p:nvSpPr>
+          <p:cNvPr id="7" name="Номер слайда 6"/>
+          <p:cNvSpPr>
+            <a:spLocks noGrp="true"/>
+          </p:cNvSpPr>
+          <p:nvPr>
+            <p:ph type="sldNum" sz="quarter" idx="12"/>
+          </p:nvPr>
+        </p:nvSpPr>
+        <p:spPr/>
+        <p:txBody>
+          <a:bodyPr/>
+          <a:lstStyle/>
+          <a:p>
+            <a:fld id="{FABC47A4-756D-490B-A52F-7D9E2C9FC05F}" type="slidenum">
+              <a:rPr lang="en-US" smtClean="0"/>
+            </a:fld>
+            <a:endParaRPr lang="en-US"/>
+          </a:p>
+        </p:txBody>
+      </p:sp>
+    </p:spTree>
+  </p:cSld>
+  <p:clrMapOvr>
+    <a:masterClrMapping/>
+  </p:clrMapOvr>
+  <p:hf sldNum="0" hdr="0" ftr="0" dt="0"/>
+</p:sldLayout>
+</file>
+
+<file path=ppt/slideMasters/slideMaster1.xml><?xml version="1.0" encoding="utf-8"?>
+<p:sldMaster xmlns:a="http://schemas.openxmlformats.org/drawingml/2006/main" xmlns:r="http://schemas.openxmlformats.org/officeDocument/2006/relationships" xmlns:p="http://schemas.openxmlformats.org/presentationml/2006/main">
+  <p:cSld>
+    <p:bg>
+      <p:bgPr>
+        <a:gradFill rotWithShape="false">
+          <a:gsLst>
+            <a:gs pos="0">
+              <a:schemeClr val="accent1">
+                <a:lumMod val="5000"/>
+                <a:lumOff val="95000"/>
+              </a:schemeClr>
+            </a:gs>
+            <a:gs pos="100000">
+              <a:schemeClr val="accent1">
+                <a:lumMod val="30000"/>
+                <a:lumOff val="70000"/>
+              </a:schemeClr>
+            </a:gs>
+          </a:gsLst>
+          <a:lin ang="2700000" scaled="false"/>
+        </a:gradFill>
+        <a:effectLst/>
+      </p:bgPr>
+    </p:bg>
+    <p:spTree>
+      <p:nvGrpSpPr>
+        <p:cNvPr id="1" name=""/>
+        <p:cNvGrpSpPr/>
+        <p:nvPr/>
+      </p:nvGrpSpPr>
+      <p:grpSpPr/>
+      <p:sp>
+        <p:nvSpPr>
+          <p:cNvPr id="1026" name="Заголовок 1025"/>
+          <p:cNvSpPr/>
+          <p:nvPr>
+            <p:ph type="title"/>
+          </p:nvPr>
+        </p:nvSpPr>
+        <p:spPr>
+          <a:xfrm>
+            <a:off x="609600" y="274638"/>
+            <a:ext cx="10972800" cy="1143000"/>
           </a:xfrm>
           <a:prstGeom prst="rect">
             <a:avLst/>
           </a:prstGeom>
+          <a:noFill/>
+          <a:ln w="9525">
+            <a:noFill/>
+          </a:ln>
         </p:spPr>
         <p:txBody>
-          <a:bodyPr vert="horz" lIns="91440" tIns="45720" rIns="91440" bIns="45720" rtlCol="0" anchor="ctr">
-            <a:normAutofit/>
-          </a:bodyPr>
-          <a:lstStyle/>
-          <a:p>
-            <a:r>
-              <a:rPr lang="zh-CN" altLang="en-US" dirty="0"/>
+          <a:bodyPr anchor="ctr" anchorCtr="false"/>
+          <a:p>
+            <a:pPr lvl="0"/>
+            <a:r>
               <a:t>Click to edit Master title style</a:t>
             </a:r>
-            <a:endParaRPr lang="zh-CN" altLang="en-US" dirty="0"/>
-          </a:p>
-        </p:txBody>
-      </p:sp>
-      <p:sp>
-        <p:nvSpPr>
-          <p:cNvPr id="3" name="文本占位符 2"/>
-          <p:cNvSpPr>
-            <a:spLocks noGrp="true"/>
-          </p:cNvSpPr>
+          </a:p>
+        </p:txBody>
+      </p:sp>
+      <p:sp>
+        <p:nvSpPr>
+          <p:cNvPr id="1027" name="Замещающий текст 1026"/>
+          <p:cNvSpPr/>
           <p:nvPr>
             <p:ph type="body" idx="1"/>
           </p:nvPr>
         </p:nvSpPr>
         <p:spPr>
           <a:xfrm>
-            <a:off x="838200" y="1825625"/>
-            <a:ext cx="10515600" cy="4351338"/>
+            <a:off x="609600" y="1600200"/>
+            <a:ext cx="10972800" cy="4525963"/>
           </a:xfrm>
           <a:prstGeom prst="rect">
             <a:avLst/>
           </a:prstGeom>
+          <a:noFill/>
+          <a:ln w="9525">
+            <a:noFill/>
+          </a:ln>
         </p:spPr>
         <p:txBody>
-          <a:bodyPr vert="horz" lIns="91440" tIns="45720" rIns="91440" bIns="45720" rtlCol="0">
-            <a:normAutofit/>
-          </a:bodyPr>
-          <a:lstStyle/>
+          <a:bodyPr/>
           <a:p>
             <a:pPr lvl="0"/>
             <a:r>
-              <a:rPr lang="zh-CN" altLang="en-US" dirty="0">
-                <a:sym typeface="+mn-ea"/>
-              </a:rPr>
               <a:t>Click to edit Master text styles</a:t>
             </a:r>
-            <a:endParaRPr lang="zh-CN" altLang="en-US" dirty="0">
-              <a:sym typeface="+mn-ea"/>
-            </a:endParaRPr>
           </a:p>
           <a:p>
             <a:pPr lvl="1"/>
             <a:r>
-              <a:rPr lang="zh-CN" altLang="en-US" dirty="0"/>
               <a:t>Second level</a:t>
             </a:r>
-            <a:endParaRPr lang="zh-CN" altLang="en-US" dirty="0"/>
           </a:p>
           <a:p>
             <a:pPr lvl="2"/>
             <a:r>
-              <a:rPr lang="zh-CN" altLang="en-US" dirty="0"/>
               <a:t>Third level</a:t>
             </a:r>
-            <a:endParaRPr lang="zh-CN" altLang="en-US" dirty="0"/>
           </a:p>
           <a:p>
             <a:pPr lvl="3"/>
             <a:r>
-              <a:rPr lang="zh-CN" altLang="en-US" dirty="0"/>
               <a:t>Fourth level</a:t>
             </a:r>
-            <a:endParaRPr lang="zh-CN" altLang="en-US" dirty="0"/>
           </a:p>
           <a:p>
             <a:pPr lvl="4"/>
             <a:r>
-              <a:rPr lang="zh-CN" altLang="en-US" dirty="0"/>
               <a:t>Fifth level</a:t>
             </a:r>
-            <a:endParaRPr lang="zh-CN" altLang="en-US" dirty="0"/>
-          </a:p>
-        </p:txBody>
-      </p:sp>
-      <p:sp>
-        <p:nvSpPr>
-          <p:cNvPr id="4" name="日期占位符 3"/>
-          <p:cNvSpPr>
-            <a:spLocks noGrp="true"/>
-          </p:cNvSpPr>
+          </a:p>
+        </p:txBody>
+      </p:sp>
+      <p:sp>
+        <p:nvSpPr>
+          <p:cNvPr id="1028" name="Замещающая дата 1027"/>
+          <p:cNvSpPr/>
           <p:nvPr>
             <p:ph type="dt" sz="half" idx="2"/>
           </p:nvPr>
         </p:nvSpPr>
         <p:spPr>
           <a:xfrm>
-            <a:off x="838200" y="6356350"/>
-            <a:ext cx="2743200" cy="365125"/>
+            <a:off x="609600" y="6245225"/>
+            <a:ext cx="2844800" cy="476250"/>
           </a:xfrm>
           <a:prstGeom prst="rect">
             <a:avLst/>
           </a:prstGeom>
+          <a:noFill/>
+          <a:ln w="9525">
+            <a:noFill/>
+          </a:ln>
         </p:spPr>
         <p:txBody>
-          <a:bodyPr vert="horz" lIns="91440" tIns="45720" rIns="91440" bIns="45720" rtlCol="0" anchor="ctr">
-            <a:normAutofit/>
-          </a:bodyPr>
+          <a:bodyPr/>
           <a:lstStyle>
-            <a:lvl1pPr algn="l">
-              <a:defRPr sz="1200">
-                <a:solidFill>
-                  <a:schemeClr val="tx1">
-                    <a:tint val="75000"/>
-                  </a:schemeClr>
-                </a:solidFill>
-              </a:defRPr>
+            <a:lvl1pPr>
+              <a:defRPr sz="1400"/>
             </a:lvl1pPr>
           </a:lstStyle>
           <a:p>
             <a:fld id="{760FBDFE-C587-4B4C-A407-44438C67B59E}" type="datetimeFigureOut">
-              <a:rPr lang="zh-CN" altLang="en-US" smtClean="0"/>
+              <a:rPr lang="en-US" smtClean="0"/>
             </a:fld>
-            <a:endParaRPr lang="zh-CN" altLang="en-US"/>
-          </a:p>
-        </p:txBody>
-      </p:sp>
-      <p:sp>
-        <p:nvSpPr>
-          <p:cNvPr id="5" name="页脚占位符 4"/>
-          <p:cNvSpPr>
-            <a:spLocks noGrp="true"/>
-          </p:cNvSpPr>
+            <a:endParaRPr lang="en-US" dirty="0"/>
+          </a:p>
+        </p:txBody>
+      </p:sp>
+      <p:sp>
+        <p:nvSpPr>
+          <p:cNvPr id="1029" name="Замещающий нижний колонтитул 1028"/>
+          <p:cNvSpPr/>
           <p:nvPr>
             <p:ph type="ftr" sz="quarter" idx="3"/>
           </p:nvPr>
         </p:nvSpPr>
         <p:spPr>
           <a:xfrm>
-            <a:off x="4038600" y="6356350"/>
-            <a:ext cx="4114800" cy="365125"/>
+            <a:off x="4165600" y="6245225"/>
+            <a:ext cx="3860800" cy="476250"/>
           </a:xfrm>
           <a:prstGeom prst="rect">
             <a:avLst/>
           </a:prstGeom>
+          <a:noFill/>
+          <a:ln w="9525">
+            <a:noFill/>
+          </a:ln>
         </p:spPr>
         <p:txBody>
-          <a:bodyPr vert="horz" lIns="91440" tIns="45720" rIns="91440" bIns="45720" rtlCol="0" anchor="ctr">
-            <a:normAutofit/>
-          </a:bodyPr>
+          <a:bodyPr/>
           <a:lstStyle>
             <a:lvl1pPr algn="ctr">
-              <a:defRPr sz="1200">
-                <a:solidFill>
-                  <a:schemeClr val="tx1">
-                    <a:tint val="75000"/>
-                  </a:schemeClr>
-                </a:solidFill>
-              </a:defRPr>
+              <a:defRPr sz="1400"/>
             </a:lvl1pPr>
           </a:lstStyle>
           <a:p>
-            <a:endParaRPr lang="zh-CN" altLang="en-US"/>
-          </a:p>
-        </p:txBody>
-      </p:sp>
-      <p:sp>
-        <p:nvSpPr>
-          <p:cNvPr id="6" name="灯片编号占位符 5"/>
-          <p:cNvSpPr>
-            <a:spLocks noGrp="true"/>
-          </p:cNvSpPr>
+            <a:endParaRPr lang="en-US"/>
+          </a:p>
+        </p:txBody>
+      </p:sp>
+      <p:sp>
+        <p:nvSpPr>
+          <p:cNvPr id="1030" name="Замещающий номер слайда 1029"/>
+          <p:cNvSpPr/>
           <p:nvPr>
             <p:ph type="sldNum" sz="quarter" idx="4"/>
           </p:nvPr>
         </p:nvSpPr>
         <p:spPr>
           <a:xfrm>
-            <a:off x="8610600" y="6356350"/>
-            <a:ext cx="2743200" cy="365125"/>
+            <a:off x="8737600" y="6245225"/>
+            <a:ext cx="2844800" cy="476250"/>
           </a:xfrm>
           <a:prstGeom prst="rect">
             <a:avLst/>
           </a:prstGeom>
+          <a:noFill/>
+          <a:ln w="9525">
+            <a:noFill/>
+          </a:ln>
         </p:spPr>
         <p:txBody>
-          <a:bodyPr vert="horz" lIns="91440" tIns="45720" rIns="91440" bIns="45720" rtlCol="0" anchor="ctr">
-            <a:normAutofit/>
-          </a:bodyPr>
+          <a:bodyPr/>
           <a:lstStyle>
             <a:lvl1pPr algn="r">
-              <a:defRPr sz="1200">
-                <a:solidFill>
-                  <a:schemeClr val="tx1">
-                    <a:tint val="75000"/>
-                  </a:schemeClr>
-                </a:solidFill>
-              </a:defRPr>
+              <a:defRPr sz="1400"/>
             </a:lvl1pPr>
           </a:lstStyle>
           <a:p>
             <a:fld id="{49AE70B2-8BF9-45C0-BB95-33D1B9D3A854}" type="slidenum">
-              <a:rPr lang="zh-CN" altLang="en-US" smtClean="0"/>
+              <a:rPr lang="en-US" smtClean="0"/>
             </a:fld>
-            <a:endParaRPr lang="zh-CN" altLang="en-US"/>
+            <a:endParaRPr lang="en-US" dirty="0"/>
           </a:p>
         </p:txBody>
       </p:sp>
@@ -3235,20 +3330,25 @@
     <p:sldLayoutId id="2147483656" r:id="rId8"/>
     <p:sldLayoutId id="2147483657" r:id="rId9"/>
     <p:sldLayoutId id="2147483658" r:id="rId10"/>
+    <p:sldLayoutId id="2147483659" r:id="rId11"/>
   </p:sldLayoutIdLst>
+  <p:hf sldNum="0" hdr="0" ftr="0" dt="0"/>
   <p:txStyles>
     <p:titleStyle>
-      <a:lvl1pPr algn="l" defTabSz="914400" rtl="0" eaLnBrk="1" latinLnBrk="0" hangingPunct="1">
+      <a:lvl1pPr marL="0" lvl="0" indent="0" algn="ctr" defTabSz="914400" eaLnBrk="1" fontAlgn="base" latinLnBrk="0" hangingPunct="1">
         <a:lnSpc>
-          <a:spcPct val="90000"/>
+          <a:spcPct val="100000"/>
         </a:lnSpc>
         <a:spcBef>
           <a:spcPct val="0"/>
         </a:spcBef>
+        <a:spcAft>
+          <a:spcPct val="0"/>
+        </a:spcAft>
         <a:buNone/>
-        <a:defRPr sz="4000" kern="1200">
+        <a:defRPr sz="4400" b="0" i="0" u="none" kern="1200" baseline="0">
           <a:solidFill>
-            <a:schemeClr val="tx1"/>
+            <a:schemeClr val="tx2"/>
           </a:solidFill>
           <a:latin typeface="+mj-lt"/>
           <a:ea typeface="+mj-ea"/>
@@ -3257,16 +3357,18 @@
       </a:lvl1pPr>
     </p:titleStyle>
     <p:bodyStyle>
-      <a:lvl1pPr marL="228600" indent="-228600" algn="l" defTabSz="914400" rtl="0" eaLnBrk="1" latinLnBrk="0" hangingPunct="1">
+      <a:lvl1pPr marL="342900" lvl="0" indent="-342900" algn="l" defTabSz="914400" eaLnBrk="1" fontAlgn="base" latinLnBrk="0" hangingPunct="1">
         <a:lnSpc>
-          <a:spcPct val="90000"/>
+          <a:spcPct val="100000"/>
         </a:lnSpc>
         <a:spcBef>
-          <a:spcPts val="1000"/>
+          <a:spcPct val="20000"/>
         </a:spcBef>
-        <a:buFont typeface="Arial" panose="02080604020202020204" pitchFamily="34" charset="0"/>
+        <a:spcAft>
+          <a:spcPct val="0"/>
+        </a:spcAft>
         <a:buChar char="•"/>
-        <a:defRPr sz="2400" kern="1200">
+        <a:defRPr sz="3200" b="0" i="0" u="none" kern="1200" baseline="0">
           <a:solidFill>
             <a:schemeClr val="tx1"/>
           </a:solidFill>
@@ -3275,16 +3377,18 @@
           <a:cs typeface="+mn-cs"/>
         </a:defRPr>
       </a:lvl1pPr>
-      <a:lvl2pPr marL="685800" indent="-228600" algn="l" defTabSz="914400" rtl="0" eaLnBrk="1" latinLnBrk="0" hangingPunct="1">
+      <a:lvl2pPr marL="742950" lvl="1" indent="-285750" algn="l" defTabSz="914400" eaLnBrk="1" fontAlgn="base" latinLnBrk="0" hangingPunct="1">
         <a:lnSpc>
-          <a:spcPct val="90000"/>
+          <a:spcPct val="100000"/>
         </a:lnSpc>
         <a:spcBef>
-          <a:spcPts val="500"/>
+          <a:spcPct val="20000"/>
         </a:spcBef>
-        <a:buFont typeface="Arial" panose="02080604020202020204" pitchFamily="34" charset="0"/>
-        <a:buChar char="•"/>
-        <a:defRPr sz="2000" kern="1200">
+        <a:spcAft>
+          <a:spcPct val="0"/>
+        </a:spcAft>
+        <a:buChar char="–"/>
+        <a:defRPr sz="2800" b="0" i="0" u="none" kern="1200" baseline="0">
           <a:solidFill>
             <a:schemeClr val="tx1"/>
           </a:solidFill>
@@ -3293,16 +3397,18 @@
           <a:cs typeface="+mn-cs"/>
         </a:defRPr>
       </a:lvl2pPr>
-      <a:lvl3pPr marL="1143000" indent="-228600" algn="l" defTabSz="914400" rtl="0" eaLnBrk="1" latinLnBrk="0" hangingPunct="1">
+      <a:lvl3pPr marL="1143000" lvl="2" indent="-228600" algn="l" defTabSz="914400" eaLnBrk="1" fontAlgn="base" latinLnBrk="0" hangingPunct="1">
         <a:lnSpc>
-          <a:spcPct val="90000"/>
+          <a:spcPct val="100000"/>
         </a:lnSpc>
         <a:spcBef>
-          <a:spcPts val="500"/>
+          <a:spcPct val="20000"/>
         </a:spcBef>
-        <a:buFont typeface="Arial" panose="02080604020202020204" pitchFamily="34" charset="0"/>
+        <a:spcAft>
+          <a:spcPct val="0"/>
+        </a:spcAft>
         <a:buChar char="•"/>
-        <a:defRPr sz="1800" kern="1200">
+        <a:defRPr sz="2400" b="0" i="0" u="none" kern="1200" baseline="0">
           <a:solidFill>
             <a:schemeClr val="tx1"/>
           </a:solidFill>
@@ -3311,16 +3417,18 @@
           <a:cs typeface="+mn-cs"/>
         </a:defRPr>
       </a:lvl3pPr>
-      <a:lvl4pPr marL="1600200" indent="-228600" algn="l" defTabSz="914400" rtl="0" eaLnBrk="1" latinLnBrk="0" hangingPunct="1">
+      <a:lvl4pPr marL="1600200" lvl="3" indent="-228600" algn="l" defTabSz="914400" eaLnBrk="1" fontAlgn="base" latinLnBrk="0" hangingPunct="1">
         <a:lnSpc>
-          <a:spcPct val="90000"/>
+          <a:spcPct val="100000"/>
         </a:lnSpc>
         <a:spcBef>
-          <a:spcPts val="500"/>
+          <a:spcPct val="20000"/>
         </a:spcBef>
-        <a:buFont typeface="Arial" panose="02080604020202020204" pitchFamily="34" charset="0"/>
-        <a:buChar char="•"/>
-        <a:defRPr sz="1800" kern="1200">
+        <a:spcAft>
+          <a:spcPct val="0"/>
+        </a:spcAft>
+        <a:buChar char="–"/>
+        <a:defRPr sz="2000" b="0" i="0" u="none" kern="1200" baseline="0">
           <a:solidFill>
             <a:schemeClr val="tx1"/>
           </a:solidFill>
@@ -3329,16 +3437,18 @@
           <a:cs typeface="+mn-cs"/>
         </a:defRPr>
       </a:lvl4pPr>
-      <a:lvl5pPr marL="2057400" indent="-228600" algn="l" defTabSz="914400" rtl="0" eaLnBrk="1" latinLnBrk="0" hangingPunct="1">
+      <a:lvl5pPr marL="2057400" lvl="4" indent="-228600" algn="l" defTabSz="914400" eaLnBrk="1" fontAlgn="base" latinLnBrk="0" hangingPunct="1">
         <a:lnSpc>
-          <a:spcPct val="90000"/>
+          <a:spcPct val="100000"/>
         </a:lnSpc>
         <a:spcBef>
-          <a:spcPts val="500"/>
+          <a:spcPct val="20000"/>
         </a:spcBef>
-        <a:buFont typeface="Arial" panose="02080604020202020204" pitchFamily="34" charset="0"/>
-        <a:buChar char="•"/>
-        <a:defRPr sz="1800" kern="1200">
+        <a:spcAft>
+          <a:spcPct val="0"/>
+        </a:spcAft>
+        <a:buChar char="»"/>
+        <a:defRPr sz="2000" b="0" i="0" u="none" kern="1200" baseline="0">
           <a:solidFill>
             <a:schemeClr val="tx1"/>
           </a:solidFill>
@@ -3347,16 +3457,18 @@
           <a:cs typeface="+mn-cs"/>
         </a:defRPr>
       </a:lvl5pPr>
-      <a:lvl6pPr marL="2514600" indent="-228600" algn="l" defTabSz="914400" rtl="0" eaLnBrk="1" latinLnBrk="0" hangingPunct="1">
+      <a:lvl6pPr marL="2514600" lvl="5" indent="-228600" algn="l" defTabSz="914400" eaLnBrk="1" fontAlgn="base" latinLnBrk="0" hangingPunct="1">
         <a:lnSpc>
-          <a:spcPct val="90000"/>
+          <a:spcPct val="100000"/>
         </a:lnSpc>
         <a:spcBef>
-          <a:spcPts val="500"/>
+          <a:spcPct val="20000"/>
         </a:spcBef>
-        <a:buFont typeface="Arial" panose="02080604020202020204" pitchFamily="34" charset="0"/>
-        <a:buChar char="•"/>
-        <a:defRPr sz="1800" kern="1200">
+        <a:spcAft>
+          <a:spcPct val="0"/>
+        </a:spcAft>
+        <a:buChar char="»"/>
+        <a:defRPr sz="2000" b="0" i="0" u="none" kern="1200" baseline="0">
           <a:solidFill>
             <a:schemeClr val="tx1"/>
           </a:solidFill>
@@ -3365,16 +3477,18 @@
           <a:cs typeface="+mn-cs"/>
         </a:defRPr>
       </a:lvl6pPr>
-      <a:lvl7pPr marL="2971800" indent="-228600" algn="l" defTabSz="914400" rtl="0" eaLnBrk="1" latinLnBrk="0" hangingPunct="1">
+      <a:lvl7pPr marL="2971800" lvl="6" indent="-228600" algn="l" defTabSz="914400" eaLnBrk="1" fontAlgn="base" latinLnBrk="0" hangingPunct="1">
         <a:lnSpc>
-          <a:spcPct val="90000"/>
+          <a:spcPct val="100000"/>
         </a:lnSpc>
         <a:spcBef>
-          <a:spcPts val="500"/>
+          <a:spcPct val="20000"/>
         </a:spcBef>
-        <a:buFont typeface="Arial" panose="02080604020202020204" pitchFamily="34" charset="0"/>
-        <a:buChar char="•"/>
-        <a:defRPr sz="1800" kern="1200">
+        <a:spcAft>
+          <a:spcPct val="0"/>
+        </a:spcAft>
+        <a:buChar char="»"/>
+        <a:defRPr sz="2000" b="0" i="0" u="none" kern="1200" baseline="0">
           <a:solidFill>
             <a:schemeClr val="tx1"/>
           </a:solidFill>
@@ -3383,16 +3497,18 @@
           <a:cs typeface="+mn-cs"/>
         </a:defRPr>
       </a:lvl7pPr>
-      <a:lvl8pPr marL="3429000" indent="-228600" algn="l" defTabSz="914400" rtl="0" eaLnBrk="1" latinLnBrk="0" hangingPunct="1">
+      <a:lvl8pPr marL="3429000" lvl="7" indent="-228600" algn="l" defTabSz="914400" eaLnBrk="1" fontAlgn="base" latinLnBrk="0" hangingPunct="1">
         <a:lnSpc>
-          <a:spcPct val="90000"/>
+          <a:spcPct val="100000"/>
         </a:lnSpc>
         <a:spcBef>
-          <a:spcPts val="500"/>
+          <a:spcPct val="20000"/>
         </a:spcBef>
-        <a:buFont typeface="Arial" panose="02080604020202020204" pitchFamily="34" charset="0"/>
-        <a:buChar char="•"/>
-        <a:defRPr sz="1800" kern="1200">
+        <a:spcAft>
+          <a:spcPct val="0"/>
+        </a:spcAft>
+        <a:buChar char="»"/>
+        <a:defRPr sz="2000" b="0" i="0" u="none" kern="1200" baseline="0">
           <a:solidFill>
             <a:schemeClr val="tx1"/>
           </a:solidFill>
@@ -3401,16 +3517,18 @@
           <a:cs typeface="+mn-cs"/>
         </a:defRPr>
       </a:lvl8pPr>
-      <a:lvl9pPr marL="3886200" indent="-228600" algn="l" defTabSz="914400" rtl="0" eaLnBrk="1" latinLnBrk="0" hangingPunct="1">
+      <a:lvl9pPr marL="3886200" lvl="8" indent="-228600" algn="l" defTabSz="914400" eaLnBrk="1" fontAlgn="base" latinLnBrk="0" hangingPunct="1">
         <a:lnSpc>
-          <a:spcPct val="90000"/>
+          <a:spcPct val="100000"/>
         </a:lnSpc>
         <a:spcBef>
-          <a:spcPts val="500"/>
+          <a:spcPct val="20000"/>
         </a:spcBef>
-        <a:buFont typeface="Arial" panose="02080604020202020204" pitchFamily="34" charset="0"/>
-        <a:buChar char="•"/>
-        <a:defRPr sz="1800" kern="1200">
+        <a:spcAft>
+          <a:spcPct val="0"/>
+        </a:spcAft>
+        <a:buChar char="»"/>
+        <a:defRPr sz="2000" b="0" i="0" u="none" kern="1200" baseline="0">
           <a:solidFill>
             <a:schemeClr val="tx1"/>
           </a:solidFill>
@@ -3421,11 +3539,19 @@
       </a:lvl9pPr>
     </p:bodyStyle>
     <p:otherStyle>
-      <a:defPPr>
-        <a:defRPr lang="zh-CN"/>
-      </a:defPPr>
-      <a:lvl1pPr marL="0" algn="l" defTabSz="914400" rtl="0" eaLnBrk="1" latinLnBrk="0" hangingPunct="1">
-        <a:defRPr sz="1800" kern="1200">
+      <a:lvl1pPr marL="0" lvl="0" indent="0" algn="l" defTabSz="914400" eaLnBrk="1" fontAlgn="base" latinLnBrk="0" hangingPunct="1">
+        <a:lnSpc>
+          <a:spcPct val="100000"/>
+        </a:lnSpc>
+        <a:spcBef>
+          <a:spcPct val="0"/>
+        </a:spcBef>
+        <a:spcAft>
+          <a:spcPct val="0"/>
+        </a:spcAft>
+        <a:buFont typeface="Arial" panose="020B0604020202020204" pitchFamily="34" charset="0"/>
+        <a:buNone/>
+        <a:defRPr sz="1800" b="0" i="0" u="none" kern="1200" baseline="0">
           <a:solidFill>
             <a:schemeClr val="tx1"/>
           </a:solidFill>
@@ -3434,82 +3560,170 @@
           <a:cs typeface="+mn-cs"/>
         </a:defRPr>
       </a:lvl1pPr>
-      <a:lvl2pPr marL="457200" algn="l" defTabSz="914400" rtl="0" eaLnBrk="1" latinLnBrk="0" hangingPunct="1">
-        <a:defRPr sz="1800" kern="1200">
+      <a:lvl2pPr marL="457200" lvl="1" indent="0" algn="l" defTabSz="914400" eaLnBrk="1" fontAlgn="base" latinLnBrk="0" hangingPunct="1">
+        <a:lnSpc>
+          <a:spcPct val="100000"/>
+        </a:lnSpc>
+        <a:spcBef>
+          <a:spcPct val="0"/>
+        </a:spcBef>
+        <a:spcAft>
+          <a:spcPct val="0"/>
+        </a:spcAft>
+        <a:buFont typeface="Arial" panose="020B0604020202020204" pitchFamily="34" charset="0"/>
+        <a:buNone/>
+        <a:defRPr b="0" i="0" u="none" kern="1200" baseline="0">
           <a:solidFill>
             <a:schemeClr val="tx1"/>
           </a:solidFill>
-          <a:latin typeface="+mn-lt"/>
+          <a:latin typeface="Arial" panose="020B0604020202020204" pitchFamily="34" charset="0"/>
           <a:ea typeface="+mn-ea"/>
           <a:cs typeface="+mn-cs"/>
         </a:defRPr>
       </a:lvl2pPr>
-      <a:lvl3pPr marL="914400" algn="l" defTabSz="914400" rtl="0" eaLnBrk="1" latinLnBrk="0" hangingPunct="1">
-        <a:defRPr sz="1800" kern="1200">
+      <a:lvl3pPr marL="914400" lvl="2" indent="0" algn="l" defTabSz="914400" eaLnBrk="1" fontAlgn="base" latinLnBrk="0" hangingPunct="1">
+        <a:lnSpc>
+          <a:spcPct val="100000"/>
+        </a:lnSpc>
+        <a:spcBef>
+          <a:spcPct val="0"/>
+        </a:spcBef>
+        <a:spcAft>
+          <a:spcPct val="0"/>
+        </a:spcAft>
+        <a:buFont typeface="Arial" panose="020B0604020202020204" pitchFamily="34" charset="0"/>
+        <a:buNone/>
+        <a:defRPr b="0" i="0" u="none" kern="1200" baseline="0">
           <a:solidFill>
             <a:schemeClr val="tx1"/>
           </a:solidFill>
-          <a:latin typeface="+mn-lt"/>
+          <a:latin typeface="Arial" panose="020B0604020202020204" pitchFamily="34" charset="0"/>
           <a:ea typeface="+mn-ea"/>
           <a:cs typeface="+mn-cs"/>
         </a:defRPr>
       </a:lvl3pPr>
-      <a:lvl4pPr marL="1371600" algn="l" defTabSz="914400" rtl="0" eaLnBrk="1" latinLnBrk="0" hangingPunct="1">
-        <a:defRPr sz="1800" kern="1200">
+      <a:lvl4pPr marL="1371600" lvl="3" indent="0" algn="l" defTabSz="914400" eaLnBrk="1" fontAlgn="base" latinLnBrk="0" hangingPunct="1">
+        <a:lnSpc>
+          <a:spcPct val="100000"/>
+        </a:lnSpc>
+        <a:spcBef>
+          <a:spcPct val="0"/>
+        </a:spcBef>
+        <a:spcAft>
+          <a:spcPct val="0"/>
+        </a:spcAft>
+        <a:buFont typeface="Arial" panose="020B0604020202020204" pitchFamily="34" charset="0"/>
+        <a:buNone/>
+        <a:defRPr b="0" i="0" u="none" kern="1200" baseline="0">
           <a:solidFill>
             <a:schemeClr val="tx1"/>
           </a:solidFill>
-          <a:latin typeface="+mn-lt"/>
+          <a:latin typeface="Arial" panose="020B0604020202020204" pitchFamily="34" charset="0"/>
           <a:ea typeface="+mn-ea"/>
           <a:cs typeface="+mn-cs"/>
         </a:defRPr>
       </a:lvl4pPr>
-      <a:lvl5pPr marL="1828800" algn="l" defTabSz="914400" rtl="0" eaLnBrk="1" latinLnBrk="0" hangingPunct="1">
-        <a:defRPr sz="1800" kern="1200">
+      <a:lvl5pPr marL="1828800" lvl="4" indent="0" algn="l" defTabSz="914400" eaLnBrk="1" fontAlgn="base" latinLnBrk="0" hangingPunct="1">
+        <a:lnSpc>
+          <a:spcPct val="100000"/>
+        </a:lnSpc>
+        <a:spcBef>
+          <a:spcPct val="0"/>
+        </a:spcBef>
+        <a:spcAft>
+          <a:spcPct val="0"/>
+        </a:spcAft>
+        <a:buFont typeface="Arial" panose="020B0604020202020204" pitchFamily="34" charset="0"/>
+        <a:buNone/>
+        <a:defRPr b="0" i="0" u="none" kern="1200" baseline="0">
           <a:solidFill>
             <a:schemeClr val="tx1"/>
           </a:solidFill>
-          <a:latin typeface="+mn-lt"/>
+          <a:latin typeface="Arial" panose="020B0604020202020204" pitchFamily="34" charset="0"/>
           <a:ea typeface="+mn-ea"/>
           <a:cs typeface="+mn-cs"/>
         </a:defRPr>
       </a:lvl5pPr>
-      <a:lvl6pPr marL="2286000" algn="l" defTabSz="914400" rtl="0" eaLnBrk="1" latinLnBrk="0" hangingPunct="1">
-        <a:defRPr sz="1800" kern="1200">
+      <a:lvl6pPr marL="2286000" lvl="5" indent="0" algn="l" defTabSz="914400" eaLnBrk="1" fontAlgn="base" latinLnBrk="0" hangingPunct="1">
+        <a:lnSpc>
+          <a:spcPct val="100000"/>
+        </a:lnSpc>
+        <a:spcBef>
+          <a:spcPct val="0"/>
+        </a:spcBef>
+        <a:spcAft>
+          <a:spcPct val="0"/>
+        </a:spcAft>
+        <a:buFont typeface="Arial" panose="020B0604020202020204" pitchFamily="34" charset="0"/>
+        <a:buNone/>
+        <a:defRPr b="0" i="0" u="none" kern="1200" baseline="0">
           <a:solidFill>
             <a:schemeClr val="tx1"/>
           </a:solidFill>
-          <a:latin typeface="+mn-lt"/>
+          <a:latin typeface="Arial" panose="020B0604020202020204" pitchFamily="34" charset="0"/>
           <a:ea typeface="+mn-ea"/>
           <a:cs typeface="+mn-cs"/>
         </a:defRPr>
       </a:lvl6pPr>
-      <a:lvl7pPr marL="2743200" algn="l" defTabSz="914400" rtl="0" eaLnBrk="1" latinLnBrk="0" hangingPunct="1">
-        <a:defRPr sz="1800" kern="1200">
+      <a:lvl7pPr marL="2743200" lvl="6" indent="0" algn="l" defTabSz="914400" eaLnBrk="1" fontAlgn="base" latinLnBrk="0" hangingPunct="1">
+        <a:lnSpc>
+          <a:spcPct val="100000"/>
+        </a:lnSpc>
+        <a:spcBef>
+          <a:spcPct val="0"/>
+        </a:spcBef>
+        <a:spcAft>
+          <a:spcPct val="0"/>
+        </a:spcAft>
+        <a:buFont typeface="Arial" panose="020B0604020202020204" pitchFamily="34" charset="0"/>
+        <a:buNone/>
+        <a:defRPr b="0" i="0" u="none" kern="1200" baseline="0">
           <a:solidFill>
             <a:schemeClr val="tx1"/>
           </a:solidFill>
-          <a:latin typeface="+mn-lt"/>
+          <a:latin typeface="Arial" panose="020B0604020202020204" pitchFamily="34" charset="0"/>
           <a:ea typeface="+mn-ea"/>
           <a:cs typeface="+mn-cs"/>
         </a:defRPr>
       </a:lvl7pPr>
-      <a:lvl8pPr marL="3200400" algn="l" defTabSz="914400" rtl="0" eaLnBrk="1" latinLnBrk="0" hangingPunct="1">
-        <a:defRPr sz="1800" kern="1200">
+      <a:lvl8pPr marL="3200400" lvl="7" indent="0" algn="l" defTabSz="914400" eaLnBrk="1" fontAlgn="base" latinLnBrk="0" hangingPunct="1">
+        <a:lnSpc>
+          <a:spcPct val="100000"/>
+        </a:lnSpc>
+        <a:spcBef>
+          <a:spcPct val="0"/>
+        </a:spcBef>
+        <a:spcAft>
+          <a:spcPct val="0"/>
+        </a:spcAft>
+        <a:buFont typeface="Arial" panose="020B0604020202020204" pitchFamily="34" charset="0"/>
+        <a:buNone/>
+        <a:defRPr b="0" i="0" u="none" kern="1200" baseline="0">
           <a:solidFill>
             <a:schemeClr val="tx1"/>
           </a:solidFill>
-          <a:latin typeface="+mn-lt"/>
+          <a:latin typeface="Arial" panose="020B0604020202020204" pitchFamily="34" charset="0"/>
           <a:ea typeface="+mn-ea"/>
           <a:cs typeface="+mn-cs"/>
         </a:defRPr>
       </a:lvl8pPr>
-      <a:lvl9pPr marL="3657600" algn="l" defTabSz="914400" rtl="0" eaLnBrk="1" latinLnBrk="0" hangingPunct="1">
-        <a:defRPr sz="1800" kern="1200">
+      <a:lvl9pPr marL="3657600" lvl="8" indent="0" algn="l" defTabSz="914400" eaLnBrk="1" fontAlgn="base" latinLnBrk="0" hangingPunct="1">
+        <a:lnSpc>
+          <a:spcPct val="100000"/>
+        </a:lnSpc>
+        <a:spcBef>
+          <a:spcPct val="0"/>
+        </a:spcBef>
+        <a:spcAft>
+          <a:spcPct val="0"/>
+        </a:spcAft>
+        <a:buFont typeface="Arial" panose="020B0604020202020204" pitchFamily="34" charset="0"/>
+        <a:buNone/>
+        <a:defRPr b="0" i="0" u="none" kern="1200" baseline="0">
           <a:solidFill>
             <a:schemeClr val="tx1"/>
           </a:solidFill>
-          <a:latin typeface="+mn-lt"/>
+          <a:latin typeface="Arial" panose="020B0604020202020204" pitchFamily="34" charset="0"/>
           <a:ea typeface="+mn-ea"/>
           <a:cs typeface="+mn-cs"/>
         </a:defRPr>
@@ -3528,9 +3742,253 @@
         <p:cNvGrpSpPr/>
         <p:nvPr/>
       </p:nvGrpSpPr>
+      <p:grpSpPr>
+        <a:xfrm>
+          <a:off x="0" y="0"/>
+          <a:ext cx="0" cy="0"/>
+          <a:chOff x="0" y="0"/>
+          <a:chExt cx="0" cy="0"/>
+        </a:xfrm>
+      </p:grpSpPr>
+      <p:sp>
+        <p:nvSpPr>
+          <p:cNvPr id="2" name="Title 1"/>
+          <p:cNvSpPr>
+            <a:spLocks noGrp="true"/>
+          </p:cNvSpPr>
+          <p:nvPr>
+            <p:ph type="ctrTitle"/>
+          </p:nvPr>
+        </p:nvSpPr>
+        <p:spPr/>
+        <p:txBody>
+          <a:bodyPr/>
+          <a:lstStyle/>
+          <a:p>
+            <a:r>
+              <a:rPr lang="en-US">
+                <a:solidFill>
+                  <a:schemeClr val="tx1"/>
+                </a:solidFill>
+              </a:rPr>
+              <a:t>Интегрированная система входа на портал ГосУслуг для распознавания лиц Vega</a:t>
+            </a:r>
+            <a:endParaRPr lang="en-US">
+              <a:solidFill>
+                <a:schemeClr val="tx1"/>
+              </a:solidFill>
+            </a:endParaRPr>
+          </a:p>
+        </p:txBody>
+      </p:sp>
+      <p:sp>
+        <p:nvSpPr>
+          <p:cNvPr id="5" name="Subtitle 4"/>
+          <p:cNvSpPr>
+            <a:spLocks noGrp="true"/>
+          </p:cNvSpPr>
+          <p:nvPr>
+            <p:ph type="subTitle" idx="1"/>
+          </p:nvPr>
+        </p:nvSpPr>
+        <p:spPr>
+          <a:xfrm>
+            <a:off x="626745" y="3749675"/>
+            <a:ext cx="10854690" cy="2466340"/>
+          </a:xfrm>
+        </p:spPr>
+        <p:txBody>
+          <a:bodyPr/>
+          <a:lstStyle/>
+          <a:p>
+            <a:pPr algn="r"/>
+            <a:r>
+              <a:rPr lang="en-US">
+                <a:solidFill>
+                  <a:schemeClr val="tx1"/>
+                </a:solidFill>
+              </a:rPr>
+              <a:t>Участники проекта :</a:t>
+            </a:r>
+            <a:endParaRPr lang="en-US">
+              <a:solidFill>
+                <a:schemeClr val="tx1"/>
+              </a:solidFill>
+            </a:endParaRPr>
+          </a:p>
+          <a:p>
+            <a:pPr algn="r"/>
+            <a:r>
+              <a:rPr lang="en-US">
+                <a:solidFill>
+                  <a:schemeClr val="tx1"/>
+                </a:solidFill>
+              </a:rPr>
+              <a:t>учащи</a:t>
+            </a:r>
+            <a:r>
+              <a:rPr lang="ru-RU" altLang="en-US">
+                <a:solidFill>
+                  <a:schemeClr val="tx1"/>
+                </a:solidFill>
+              </a:rPr>
+              <a:t>е</a:t>
+            </a:r>
+            <a:r>
+              <a:rPr lang="en-US">
+                <a:solidFill>
+                  <a:schemeClr val="tx1"/>
+                </a:solidFill>
+              </a:rPr>
+              <a:t>ся 10А класса ГБОУ школы №1564</a:t>
+            </a:r>
+            <a:endParaRPr lang="en-US">
+              <a:solidFill>
+                <a:schemeClr val="tx1"/>
+              </a:solidFill>
+            </a:endParaRPr>
+          </a:p>
+          <a:p>
+            <a:pPr algn="r"/>
+            <a:r>
+              <a:rPr lang="en-US">
+                <a:solidFill>
+                  <a:schemeClr val="tx1"/>
+                </a:solidFill>
+                <a:sym typeface="+mn-ea"/>
+              </a:rPr>
+              <a:t>Михедов Константин Константинович, </a:t>
+            </a:r>
+            <a:endParaRPr lang="en-US">
+              <a:solidFill>
+                <a:schemeClr val="tx1"/>
+              </a:solidFill>
+            </a:endParaRPr>
+          </a:p>
+          <a:p>
+            <a:pPr algn="r"/>
+            <a:r>
+              <a:rPr lang="en-US">
+                <a:solidFill>
+                  <a:schemeClr val="tx1"/>
+                </a:solidFill>
+              </a:rPr>
+              <a:t>Мехтиев Владимир Денисович</a:t>
+            </a:r>
+            <a:endParaRPr lang="en-US">
+              <a:solidFill>
+                <a:schemeClr val="tx1"/>
+              </a:solidFill>
+            </a:endParaRPr>
+          </a:p>
+          <a:p>
+            <a:pPr algn="r"/>
+            <a:r>
+              <a:rPr lang="en-US">
+                <a:solidFill>
+                  <a:schemeClr val="tx1"/>
+                </a:solidFill>
+              </a:rPr>
+              <a:t>Руководитель проекта :</a:t>
+            </a:r>
+            <a:endParaRPr lang="en-US">
+              <a:solidFill>
+                <a:schemeClr val="tx1"/>
+              </a:solidFill>
+            </a:endParaRPr>
+          </a:p>
+        </p:txBody>
+      </p:sp>
+    </p:spTree>
+  </p:cSld>
+  <p:clrMapOvr>
+    <a:masterClrMapping/>
+  </p:clrMapOvr>
+</p:sld>
+</file>
+
+<file path=ppt/slides/slide10.xml><?xml version="1.0" encoding="utf-8"?>
+<p:sld xmlns:a="http://schemas.openxmlformats.org/drawingml/2006/main" xmlns:r="http://schemas.openxmlformats.org/officeDocument/2006/relationships" xmlns:p="http://schemas.openxmlformats.org/presentationml/2006/main">
+  <p:cSld>
+    <p:spTree>
+      <p:nvGrpSpPr>
+        <p:cNvPr id="1" name=""/>
+        <p:cNvGrpSpPr/>
+        <p:nvPr/>
+      </p:nvGrpSpPr>
       <p:grpSpPr/>
       <p:sp>
         <p:nvSpPr>
+          <p:cNvPr id="2" name="Заголовок 1"/>
+          <p:cNvSpPr>
+            <a:spLocks noGrp="true"/>
+          </p:cNvSpPr>
+          <p:nvPr>
+            <p:ph type="title"/>
+          </p:nvPr>
+        </p:nvSpPr>
+        <p:spPr/>
+        <p:txBody>
+          <a:bodyPr/>
+          <a:p>
+            <a:r>
+              <a:rPr lang="ru-RU" altLang="en-US"/>
+              <a:t>Дальнейшие перспективы</a:t>
+            </a:r>
+            <a:endParaRPr lang="ru-RU" altLang="en-US"/>
+          </a:p>
+        </p:txBody>
+      </p:sp>
+      <p:sp>
+        <p:nvSpPr>
+          <p:cNvPr id="3" name="Замещающее содержимое 2"/>
+          <p:cNvSpPr>
+            <a:spLocks noGrp="true"/>
+          </p:cNvSpPr>
+          <p:nvPr>
+            <p:ph idx="1"/>
+          </p:nvPr>
+        </p:nvSpPr>
+        <p:spPr/>
+        <p:txBody>
+          <a:bodyPr/>
+          <a:p>
+            <a:pPr algn="just"/>
+            <a:r>
+              <a:rPr lang="ru-RU" altLang="en-US"/>
+              <a:t>Системы подтверждения личности при помощи биометрических и физических данных пользователя имеют широчайший спектр применений. С их помощью можно не только предоставлять способ получения доступа к конфиденциальной информации, но и осуществлять контрольно-пропускной режим на объектах государственной важности, идентифицировать человека в таких учреждинях, как поликлиники и библиотеки.</a:t>
+            </a:r>
+            <a:endParaRPr lang="ru-RU" altLang="en-US"/>
+          </a:p>
+        </p:txBody>
+      </p:sp>
+    </p:spTree>
+  </p:cSld>
+  <p:clrMapOvr>
+    <a:masterClrMapping/>
+  </p:clrMapOvr>
+</p:sld>
+</file>
+
+<file path=ppt/slides/slide11.xml><?xml version="1.0" encoding="utf-8"?>
+<p:sld xmlns:a="http://schemas.openxmlformats.org/drawingml/2006/main" xmlns:r="http://schemas.openxmlformats.org/officeDocument/2006/relationships" xmlns:p="http://schemas.openxmlformats.org/presentationml/2006/main">
+  <p:cSld>
+    <p:spTree>
+      <p:nvGrpSpPr>
+        <p:cNvPr id="1" name=""/>
+        <p:cNvGrpSpPr/>
+        <p:nvPr/>
+      </p:nvGrpSpPr>
+      <p:grpSpPr>
+        <a:xfrm>
+          <a:off x="0" y="0"/>
+          <a:ext cx="0" cy="0"/>
+          <a:chOff x="0" y="0"/>
+          <a:chExt cx="0" cy="0"/>
+        </a:xfrm>
+      </p:grpSpPr>
+      <p:sp>
+        <p:nvSpPr>
           <p:cNvPr id="2" name="Title 1"/>
           <p:cNvSpPr>
             <a:spLocks noGrp="true"/>
@@ -3542,14 +4000,19 @@
         <p:spPr/>
         <p:txBody>
           <a:bodyPr/>
-          <a:p>
+          <a:lstStyle/>
+          <a:p>
+            <a:r>
+              <a:rPr lang="en-US"/>
+              <a:t>Интегрированная система входа на портал ГосУслуг для распознавания лиц Vega</a:t>
+            </a:r>
             <a:endParaRPr lang="en-US"/>
           </a:p>
         </p:txBody>
       </p:sp>
       <p:sp>
         <p:nvSpPr>
-          <p:cNvPr id="3" name="Subtitle 2"/>
+          <p:cNvPr id="5" name="Subtitle 4"/>
           <p:cNvSpPr>
             <a:spLocks noGrp="true"/>
           </p:cNvSpPr>
@@ -3557,11 +4020,843 @@
             <p:ph type="subTitle" idx="1"/>
           </p:nvPr>
         </p:nvSpPr>
+        <p:spPr>
+          <a:xfrm>
+            <a:off x="626745" y="3926840"/>
+            <a:ext cx="10949305" cy="2487295"/>
+          </a:xfrm>
+        </p:spPr>
+        <p:txBody>
+          <a:bodyPr/>
+          <a:lstStyle/>
+          <a:p>
+            <a:pPr algn="r"/>
+            <a:r>
+              <a:rPr lang="en-US"/>
+              <a:t>Участники проекта :</a:t>
+            </a:r>
+            <a:endParaRPr lang="en-US"/>
+          </a:p>
+          <a:p>
+            <a:pPr algn="r"/>
+            <a:r>
+              <a:rPr lang="en-US"/>
+              <a:t>учащи</a:t>
+            </a:r>
+            <a:r>
+              <a:rPr lang="ru-RU" altLang="en-US"/>
+              <a:t>е</a:t>
+            </a:r>
+            <a:r>
+              <a:rPr lang="en-US"/>
+              <a:t>ся 10А класса ГБОУ школы №1564</a:t>
+            </a:r>
+            <a:endParaRPr lang="en-US"/>
+          </a:p>
+          <a:p>
+            <a:pPr algn="r"/>
+            <a:r>
+              <a:rPr lang="en-US">
+                <a:sym typeface="+mn-ea"/>
+              </a:rPr>
+              <a:t>Михедов Константин Константинович, </a:t>
+            </a:r>
+            <a:endParaRPr lang="en-US"/>
+          </a:p>
+          <a:p>
+            <a:pPr algn="r"/>
+            <a:r>
+              <a:rPr lang="en-US"/>
+              <a:t>Мехтиев Владимир Денисович</a:t>
+            </a:r>
+            <a:endParaRPr lang="en-US"/>
+          </a:p>
+          <a:p>
+            <a:pPr algn="r"/>
+            <a:r>
+              <a:rPr lang="en-US"/>
+              <a:t>Руководитель проекта :</a:t>
+            </a:r>
+            <a:endParaRPr lang="en-US"/>
+          </a:p>
+        </p:txBody>
+      </p:sp>
+    </p:spTree>
+  </p:cSld>
+  <p:clrMapOvr>
+    <a:masterClrMapping/>
+  </p:clrMapOvr>
+</p:sld>
+</file>
+
+<file path=ppt/slides/slide2.xml><?xml version="1.0" encoding="utf-8"?>
+<p:sld xmlns:a="http://schemas.openxmlformats.org/drawingml/2006/main" xmlns:r="http://schemas.openxmlformats.org/officeDocument/2006/relationships" xmlns:p="http://schemas.openxmlformats.org/presentationml/2006/main">
+  <p:cSld>
+    <p:spTree>
+      <p:nvGrpSpPr>
+        <p:cNvPr id="1" name=""/>
+        <p:cNvGrpSpPr/>
+        <p:nvPr/>
+      </p:nvGrpSpPr>
+      <p:grpSpPr/>
+      <p:sp>
+        <p:nvSpPr>
+          <p:cNvPr id="2" name="Заголовок 1"/>
+          <p:cNvSpPr>
+            <a:spLocks noGrp="true"/>
+          </p:cNvSpPr>
+          <p:nvPr>
+            <p:ph type="title"/>
+          </p:nvPr>
+        </p:nvSpPr>
         <p:spPr/>
         <p:txBody>
           <a:bodyPr/>
           <a:p>
-            <a:endParaRPr lang="en-US"/>
+            <a:r>
+              <a:rPr lang="ru-RU" altLang="en-US"/>
+              <a:t>Аннотация</a:t>
+            </a:r>
+            <a:endParaRPr lang="ru-RU" altLang="en-US"/>
+          </a:p>
+        </p:txBody>
+      </p:sp>
+      <p:sp>
+        <p:nvSpPr>
+          <p:cNvPr id="3" name="Замещающее содержимое 2"/>
+          <p:cNvSpPr>
+            <a:spLocks noGrp="true"/>
+          </p:cNvSpPr>
+          <p:nvPr>
+            <p:ph idx="1"/>
+          </p:nvPr>
+        </p:nvSpPr>
+        <p:spPr/>
+        <p:txBody>
+          <a:bodyPr/>
+          <a:p>
+            <a:pPr algn="just"/>
+            <a:r>
+              <a:rPr lang="ru-RU" altLang="en-US"/>
+              <a:t>В современном мире людям часто приходится подтверждать свою личность, чтобы получить доступ к конфиденциальной информации.</a:t>
+            </a:r>
+            <a:endParaRPr lang="ru-RU" altLang="en-US"/>
+          </a:p>
+          <a:p>
+            <a:pPr algn="just"/>
+            <a:r>
+              <a:rPr lang="ru-RU" altLang="en-US"/>
+              <a:t>Пропуском к закрытым данным являются пароли, но они неудобны в использовании</a:t>
+            </a:r>
+            <a:endParaRPr lang="ru-RU" altLang="en-US"/>
+          </a:p>
+          <a:p>
+            <a:pPr algn="just"/>
+            <a:r>
+              <a:rPr lang="ru-RU" altLang="en-US"/>
+              <a:t>Гораздо более актуальными способами идентфикации являются медоты входа при помощи анализа биометрических и физических данных пользователя.</a:t>
+            </a:r>
+            <a:endParaRPr lang="ru-RU" altLang="en-US"/>
+          </a:p>
+        </p:txBody>
+      </p:sp>
+    </p:spTree>
+  </p:cSld>
+  <p:clrMapOvr>
+    <a:masterClrMapping/>
+  </p:clrMapOvr>
+</p:sld>
+</file>
+
+<file path=ppt/slides/slide3.xml><?xml version="1.0" encoding="utf-8"?>
+<p:sld xmlns:a="http://schemas.openxmlformats.org/drawingml/2006/main" xmlns:r="http://schemas.openxmlformats.org/officeDocument/2006/relationships" xmlns:p="http://schemas.openxmlformats.org/presentationml/2006/main">
+  <p:cSld>
+    <p:spTree>
+      <p:nvGrpSpPr>
+        <p:cNvPr id="1" name=""/>
+        <p:cNvGrpSpPr/>
+        <p:nvPr/>
+      </p:nvGrpSpPr>
+      <p:grpSpPr/>
+      <p:sp>
+        <p:nvSpPr>
+          <p:cNvPr id="2" name="Заголовок 1"/>
+          <p:cNvSpPr>
+            <a:spLocks noGrp="true"/>
+          </p:cNvSpPr>
+          <p:nvPr>
+            <p:ph type="title"/>
+          </p:nvPr>
+        </p:nvSpPr>
+        <p:spPr/>
+        <p:txBody>
+          <a:bodyPr/>
+          <a:p>
+            <a:r>
+              <a:rPr lang="ru-RU" altLang="en-US"/>
+              <a:t>Цель и Задачи</a:t>
+            </a:r>
+            <a:endParaRPr lang="ru-RU" altLang="en-US"/>
+          </a:p>
+        </p:txBody>
+      </p:sp>
+      <p:sp>
+        <p:nvSpPr>
+          <p:cNvPr id="3" name="Замещающее содержимое 2"/>
+          <p:cNvSpPr>
+            <a:spLocks noGrp="true"/>
+          </p:cNvSpPr>
+          <p:nvPr>
+            <p:ph idx="1"/>
+          </p:nvPr>
+        </p:nvSpPr>
+        <p:spPr/>
+        <p:txBody>
+          <a:bodyPr/>
+          <a:p>
+            <a:pPr algn="just"/>
+            <a:r>
+              <a:rPr lang="ru-RU" altLang="en-US"/>
+              <a:t>Цель: разработать систему, позволяющую входить в электронный дневник школьника, расположенный по адресу https://dnevnik.mos.ru/, идентифицируя пользователя при помощи фотографии его лица.</a:t>
+            </a:r>
+            <a:endParaRPr lang="ru-RU" altLang="en-US"/>
+          </a:p>
+        </p:txBody>
+      </p:sp>
+    </p:spTree>
+  </p:cSld>
+  <p:clrMapOvr>
+    <a:masterClrMapping/>
+  </p:clrMapOvr>
+</p:sld>
+</file>
+
+<file path=ppt/slides/slide4.xml><?xml version="1.0" encoding="utf-8"?>
+<p:sld xmlns:a="http://schemas.openxmlformats.org/drawingml/2006/main" xmlns:r="http://schemas.openxmlformats.org/officeDocument/2006/relationships" xmlns:p="http://schemas.openxmlformats.org/presentationml/2006/main">
+  <p:cSld>
+    <p:spTree>
+      <p:nvGrpSpPr>
+        <p:cNvPr id="1" name=""/>
+        <p:cNvGrpSpPr/>
+        <p:nvPr/>
+      </p:nvGrpSpPr>
+      <p:grpSpPr/>
+      <p:sp>
+        <p:nvSpPr>
+          <p:cNvPr id="3" name="Замещающее содержимое 2"/>
+          <p:cNvSpPr>
+            <a:spLocks noGrp="true"/>
+          </p:cNvSpPr>
+          <p:nvPr>
+            <p:ph idx="1"/>
+          </p:nvPr>
+        </p:nvSpPr>
+        <p:spPr>
+          <a:xfrm>
+            <a:off x="609600" y="401320"/>
+            <a:ext cx="10972800" cy="5725160"/>
+          </a:xfrm>
+        </p:spPr>
+        <p:txBody>
+          <a:bodyPr/>
+          <a:p>
+            <a:pPr marL="0" indent="0" algn="just">
+              <a:buNone/>
+            </a:pPr>
+            <a:r>
+              <a:rPr lang="ru-RU" altLang="en-US"/>
+              <a:t>Задачи:</a:t>
+            </a:r>
+            <a:endParaRPr lang="ru-RU" altLang="en-US"/>
+          </a:p>
+          <a:p>
+            <a:pPr marL="514350" indent="-514350" algn="just">
+              <a:buAutoNum type="arabicPeriod"/>
+            </a:pPr>
+            <a:r>
+              <a:rPr lang="ru-RU" altLang="en-US"/>
+              <a:t>Спроектировать базу данных, содержащую в себе авторизационные данные пользователей, и наполнить ее необходимой информацие</a:t>
+            </a:r>
+            <a:endParaRPr lang="ru-RU" altLang="en-US"/>
+          </a:p>
+          <a:p>
+            <a:pPr marL="514350" indent="-514350" algn="just">
+              <a:buAutoNum type="arabicPeriod"/>
+            </a:pPr>
+            <a:r>
+              <a:rPr lang="ru-RU" altLang="en-US"/>
+              <a:t>Обучить нейронную сеть, которая будет идентифицировать пользователя</a:t>
+            </a:r>
+            <a:endParaRPr lang="ru-RU" altLang="en-US"/>
+          </a:p>
+          <a:p>
+            <a:pPr marL="514350" indent="-514350" algn="just">
+              <a:buAutoNum type="arabicPeriod"/>
+            </a:pPr>
+            <a:r>
+              <a:rPr lang="ru-RU" altLang="en-US"/>
+              <a:t>Разработать серверную инфраструктуру авторизационной системы</a:t>
+            </a:r>
+            <a:endParaRPr lang="ru-RU" altLang="en-US"/>
+          </a:p>
+          <a:p>
+            <a:pPr marL="514350" indent="-514350" algn="just">
+              <a:buAutoNum type="arabicPeriod"/>
+            </a:pPr>
+            <a:r>
+              <a:rPr lang="ru-RU" altLang="en-US"/>
+              <a:t>Создать конечное клиентское приложение</a:t>
+            </a:r>
+            <a:endParaRPr lang="ru-RU" altLang="en-US"/>
+          </a:p>
+        </p:txBody>
+      </p:sp>
+    </p:spTree>
+  </p:cSld>
+  <p:clrMapOvr>
+    <a:masterClrMapping/>
+  </p:clrMapOvr>
+</p:sld>
+</file>
+
+<file path=ppt/slides/slide5.xml><?xml version="1.0" encoding="utf-8"?>
+<p:sld xmlns:a="http://schemas.openxmlformats.org/drawingml/2006/main" xmlns:r="http://schemas.openxmlformats.org/officeDocument/2006/relationships" xmlns:p="http://schemas.openxmlformats.org/presentationml/2006/main">
+  <p:cSld>
+    <p:spTree>
+      <p:nvGrpSpPr>
+        <p:cNvPr id="1" name=""/>
+        <p:cNvGrpSpPr/>
+        <p:nvPr/>
+      </p:nvGrpSpPr>
+      <p:grpSpPr/>
+      <p:sp>
+        <p:nvSpPr>
+          <p:cNvPr id="2" name="Заголовок 1"/>
+          <p:cNvSpPr>
+            <a:spLocks noGrp="true"/>
+          </p:cNvSpPr>
+          <p:nvPr>
+            <p:ph type="title"/>
+          </p:nvPr>
+        </p:nvSpPr>
+        <p:spPr/>
+        <p:txBody>
+          <a:bodyPr/>
+          <a:p>
+            <a:r>
+              <a:rPr lang="ru-RU" altLang="en-US"/>
+              <a:t>Аналоги и конкуренты</a:t>
+            </a:r>
+            <a:endParaRPr lang="ru-RU" altLang="en-US"/>
+          </a:p>
+        </p:txBody>
+      </p:sp>
+      <p:sp>
+        <p:nvSpPr>
+          <p:cNvPr id="3" name="Замещающее содержимое 2"/>
+          <p:cNvSpPr>
+            <a:spLocks noGrp="true"/>
+          </p:cNvSpPr>
+          <p:nvPr>
+            <p:ph idx="1"/>
+          </p:nvPr>
+        </p:nvSpPr>
+        <p:spPr>
+          <a:xfrm>
+            <a:off x="609600" y="1600200"/>
+            <a:ext cx="7433310" cy="4526280"/>
+          </a:xfrm>
+        </p:spPr>
+        <p:txBody>
+          <a:bodyPr/>
+          <a:p>
+            <a:pPr algn="just"/>
+            <a:r>
+              <a:rPr lang="ru-RU" altLang="en-US"/>
+              <a:t>Компания Apple предоставляет функцию FaceID, позволяющую идентифицировать владельца устройства, работающего на базе IOS или MacOS.</a:t>
+            </a:r>
+            <a:endParaRPr lang="ru-RU" altLang="en-US"/>
+          </a:p>
+          <a:p>
+            <a:pPr algn="just"/>
+            <a:r>
+              <a:rPr lang="ru-RU" altLang="en-US"/>
+              <a:t>Такой же тенденции придерживается Microsoft, внедряя в свою ОС подсистему Windows Hello.</a:t>
+            </a:r>
+            <a:endParaRPr lang="ru-RU" altLang="en-US"/>
+          </a:p>
+        </p:txBody>
+      </p:sp>
+      <p:pic>
+        <p:nvPicPr>
+          <p:cNvPr id="4" name="Picture 3"/>
+          <p:cNvPicPr>
+            <a:picLocks noChangeAspect="true"/>
+          </p:cNvPicPr>
+          <p:nvPr/>
+        </p:nvPicPr>
+        <p:blipFill>
+          <a:blip r:embed="rId1">
+            <a:clrChange>
+              <a:clrFrom>
+                <a:srgbClr val="FFFFFF">
+                  <a:alpha val="100000"/>
+                </a:srgbClr>
+              </a:clrFrom>
+              <a:clrTo>
+                <a:srgbClr val="FFFFFF">
+                  <a:alpha val="100000"/>
+                  <a:alpha val="0"/>
+                </a:srgbClr>
+              </a:clrTo>
+            </a:clrChange>
+          </a:blip>
+          <a:stretch>
+            <a:fillRect/>
+          </a:stretch>
+        </p:blipFill>
+        <p:spPr>
+          <a:xfrm>
+            <a:off x="8685530" y="1765935"/>
+            <a:ext cx="2752725" cy="3971925"/>
+          </a:xfrm>
+          <a:prstGeom prst="rect">
+            <a:avLst/>
+          </a:prstGeom>
+        </p:spPr>
+      </p:pic>
+    </p:spTree>
+  </p:cSld>
+  <p:clrMapOvr>
+    <a:masterClrMapping/>
+  </p:clrMapOvr>
+</p:sld>
+</file>
+
+<file path=ppt/slides/slide6.xml><?xml version="1.0" encoding="utf-8"?>
+<p:sld xmlns:a="http://schemas.openxmlformats.org/drawingml/2006/main" xmlns:r="http://schemas.openxmlformats.org/officeDocument/2006/relationships" xmlns:p="http://schemas.openxmlformats.org/presentationml/2006/main">
+  <p:cSld>
+    <p:spTree>
+      <p:nvGrpSpPr>
+        <p:cNvPr id="1" name=""/>
+        <p:cNvGrpSpPr/>
+        <p:nvPr/>
+      </p:nvGrpSpPr>
+      <p:grpSpPr/>
+      <p:sp>
+        <p:nvSpPr>
+          <p:cNvPr id="2" name="Заголовок 1"/>
+          <p:cNvSpPr>
+            <a:spLocks noGrp="true"/>
+          </p:cNvSpPr>
+          <p:nvPr>
+            <p:ph type="title"/>
+          </p:nvPr>
+        </p:nvSpPr>
+        <p:spPr/>
+        <p:txBody>
+          <a:bodyPr/>
+          <a:p>
+            <a:r>
+              <a:rPr lang="ru-RU" altLang="en-US"/>
+              <a:t>Использованные технологии</a:t>
+            </a:r>
+            <a:endParaRPr lang="ru-RU" altLang="en-US"/>
+          </a:p>
+        </p:txBody>
+      </p:sp>
+      <p:pic>
+        <p:nvPicPr>
+          <p:cNvPr id="4" name="Замещающее содержимое 3"/>
+          <p:cNvPicPr>
+            <a:picLocks noChangeAspect="true"/>
+          </p:cNvPicPr>
+          <p:nvPr>
+            <p:ph sz="half" idx="1"/>
+          </p:nvPr>
+        </p:nvPicPr>
+        <p:blipFill>
+          <a:blip r:embed="rId1">
+            <a:clrChange>
+              <a:clrFrom>
+                <a:srgbClr val="000000">
+                  <a:alpha val="100000"/>
+                </a:srgbClr>
+              </a:clrFrom>
+              <a:clrTo>
+                <a:srgbClr val="000000">
+                  <a:alpha val="100000"/>
+                  <a:alpha val="0"/>
+                </a:srgbClr>
+              </a:clrTo>
+            </a:clrChange>
+          </a:blip>
+          <a:stretch>
+            <a:fillRect/>
+          </a:stretch>
+        </p:blipFill>
+        <p:spPr>
+          <a:xfrm>
+            <a:off x="609600" y="2770505"/>
+            <a:ext cx="3810000" cy="3810000"/>
+          </a:xfrm>
+          <a:prstGeom prst="rect">
+            <a:avLst/>
+          </a:prstGeom>
+          <a:noFill/>
+        </p:spPr>
+      </p:pic>
+      <p:pic>
+        <p:nvPicPr>
+          <p:cNvPr id="6" name="Изображение 5"/>
+          <p:cNvPicPr>
+            <a:picLocks noChangeAspect="true"/>
+          </p:cNvPicPr>
+          <p:nvPr/>
+        </p:nvPicPr>
+        <p:blipFill>
+          <a:blip r:embed="rId2">
+            <a:clrChange>
+              <a:clrFrom>
+                <a:srgbClr val="000000">
+                  <a:alpha val="100000"/>
+                </a:srgbClr>
+              </a:clrFrom>
+              <a:clrTo>
+                <a:srgbClr val="000000">
+                  <a:alpha val="100000"/>
+                  <a:alpha val="0"/>
+                </a:srgbClr>
+              </a:clrTo>
+            </a:clrChange>
+          </a:blip>
+          <a:stretch>
+            <a:fillRect/>
+          </a:stretch>
+        </p:blipFill>
+        <p:spPr>
+          <a:xfrm>
+            <a:off x="8288655" y="1417955"/>
+            <a:ext cx="3293745" cy="3293745"/>
+          </a:xfrm>
+          <a:prstGeom prst="rect">
+            <a:avLst/>
+          </a:prstGeom>
+        </p:spPr>
+      </p:pic>
+      <p:pic>
+        <p:nvPicPr>
+          <p:cNvPr id="8" name="Замещающее содержимое 7"/>
+          <p:cNvPicPr>
+            <a:picLocks noChangeAspect="true"/>
+          </p:cNvPicPr>
+          <p:nvPr>
+            <p:ph sz="half" idx="2"/>
+          </p:nvPr>
+        </p:nvPicPr>
+        <p:blipFill>
+          <a:blip r:embed="rId3">
+            <a:clrChange>
+              <a:clrFrom>
+                <a:srgbClr val="000000">
+                  <a:alpha val="100000"/>
+                </a:srgbClr>
+              </a:clrFrom>
+              <a:clrTo>
+                <a:srgbClr val="000000">
+                  <a:alpha val="100000"/>
+                  <a:alpha val="0"/>
+                </a:srgbClr>
+              </a:clrTo>
+            </a:clrChange>
+          </a:blip>
+          <a:stretch>
+            <a:fillRect/>
+          </a:stretch>
+        </p:blipFill>
+        <p:spPr>
+          <a:xfrm>
+            <a:off x="4736465" y="2770505"/>
+            <a:ext cx="2837815" cy="1941195"/>
+          </a:xfrm>
+          <a:prstGeom prst="rect">
+            <a:avLst/>
+          </a:prstGeom>
+        </p:spPr>
+      </p:pic>
+    </p:spTree>
+  </p:cSld>
+  <p:clrMapOvr>
+    <a:masterClrMapping/>
+  </p:clrMapOvr>
+</p:sld>
+</file>
+
+<file path=ppt/slides/slide7.xml><?xml version="1.0" encoding="utf-8"?>
+<p:sld xmlns:a="http://schemas.openxmlformats.org/drawingml/2006/main" xmlns:r="http://schemas.openxmlformats.org/officeDocument/2006/relationships" xmlns:p="http://schemas.openxmlformats.org/presentationml/2006/main">
+  <p:cSld>
+    <p:spTree>
+      <p:nvGrpSpPr>
+        <p:cNvPr id="1" name=""/>
+        <p:cNvGrpSpPr/>
+        <p:nvPr/>
+      </p:nvGrpSpPr>
+      <p:grpSpPr/>
+      <p:sp>
+        <p:nvSpPr>
+          <p:cNvPr id="11" name="Заголовок 10"/>
+          <p:cNvSpPr>
+            <a:spLocks noGrp="true"/>
+          </p:cNvSpPr>
+          <p:nvPr>
+            <p:ph type="title"/>
+          </p:nvPr>
+        </p:nvSpPr>
+        <p:spPr/>
+        <p:txBody>
+          <a:bodyPr/>
+          <a:p>
+            <a:r>
+              <a:rPr lang="ru-RU" altLang="ru-RU"/>
+              <a:t>Технологии </a:t>
+            </a:r>
+            <a:r>
+              <a:rPr lang="en-US" altLang="ru-RU"/>
+              <a:t>Machine Learning</a:t>
+            </a:r>
+            <a:endParaRPr lang="en-US" altLang="ru-RU"/>
+          </a:p>
+        </p:txBody>
+      </p:sp>
+      <p:pic>
+        <p:nvPicPr>
+          <p:cNvPr id="5" name="Замещающее содержимое 4"/>
+          <p:cNvPicPr>
+            <a:picLocks noChangeAspect="true"/>
+          </p:cNvPicPr>
+          <p:nvPr>
+            <p:ph sz="half" idx="1"/>
+          </p:nvPr>
+        </p:nvPicPr>
+        <p:blipFill>
+          <a:blip r:embed="rId1">
+            <a:clrChange>
+              <a:clrFrom>
+                <a:srgbClr val="FFFFFF">
+                  <a:alpha val="100000"/>
+                </a:srgbClr>
+              </a:clrFrom>
+              <a:clrTo>
+                <a:srgbClr val="FFFFFF">
+                  <a:alpha val="100000"/>
+                  <a:alpha val="0"/>
+                </a:srgbClr>
+              </a:clrTo>
+            </a:clrChange>
+          </a:blip>
+          <a:stretch>
+            <a:fillRect/>
+          </a:stretch>
+        </p:blipFill>
+        <p:spPr>
+          <a:xfrm>
+            <a:off x="456565" y="801370"/>
+            <a:ext cx="5376545" cy="4032250"/>
+          </a:xfrm>
+          <a:prstGeom prst="rect">
+            <a:avLst/>
+          </a:prstGeom>
+        </p:spPr>
+      </p:pic>
+      <p:pic>
+        <p:nvPicPr>
+          <p:cNvPr id="10" name="Замещающее содержимое 9"/>
+          <p:cNvPicPr>
+            <a:picLocks noChangeAspect="true"/>
+          </p:cNvPicPr>
+          <p:nvPr>
+            <p:ph sz="half" idx="2"/>
+          </p:nvPr>
+        </p:nvPicPr>
+        <p:blipFill>
+          <a:blip r:embed="rId2">
+            <a:clrChange>
+              <a:clrFrom>
+                <a:srgbClr val="E9E9E9">
+                  <a:alpha val="100000"/>
+                </a:srgbClr>
+              </a:clrFrom>
+              <a:clrTo>
+                <a:srgbClr val="E9E9E9">
+                  <a:alpha val="100000"/>
+                  <a:alpha val="0"/>
+                </a:srgbClr>
+              </a:clrTo>
+            </a:clrChange>
+          </a:blip>
+          <a:stretch>
+            <a:fillRect/>
+          </a:stretch>
+        </p:blipFill>
+        <p:spPr>
+          <a:xfrm>
+            <a:off x="5231765" y="4420235"/>
+            <a:ext cx="6666865" cy="1781175"/>
+          </a:xfrm>
+          <a:prstGeom prst="rect">
+            <a:avLst/>
+          </a:prstGeom>
+        </p:spPr>
+      </p:pic>
+    </p:spTree>
+  </p:cSld>
+  <p:clrMapOvr>
+    <a:masterClrMapping/>
+  </p:clrMapOvr>
+</p:sld>
+</file>
+
+<file path=ppt/slides/slide8.xml><?xml version="1.0" encoding="utf-8"?>
+<p:sld xmlns:a="http://schemas.openxmlformats.org/drawingml/2006/main" xmlns:r="http://schemas.openxmlformats.org/officeDocument/2006/relationships" xmlns:p="http://schemas.openxmlformats.org/presentationml/2006/main">
+  <p:cSld>
+    <p:spTree>
+      <p:nvGrpSpPr>
+        <p:cNvPr id="1" name=""/>
+        <p:cNvGrpSpPr/>
+        <p:nvPr/>
+      </p:nvGrpSpPr>
+      <p:grpSpPr/>
+      <p:sp>
+        <p:nvSpPr>
+          <p:cNvPr id="2" name="Заголовок 1"/>
+          <p:cNvSpPr>
+            <a:spLocks noGrp="true"/>
+          </p:cNvSpPr>
+          <p:nvPr>
+            <p:ph type="title"/>
+          </p:nvPr>
+        </p:nvSpPr>
+        <p:spPr/>
+        <p:txBody>
+          <a:bodyPr/>
+          <a:p>
+            <a:r>
+              <a:rPr lang="ru-RU" altLang="en-US"/>
+              <a:t>Струтктура нейронной сети</a:t>
+            </a:r>
+            <a:endParaRPr lang="ru-RU" altLang="en-US"/>
+          </a:p>
+        </p:txBody>
+      </p:sp>
+      <p:pic>
+        <p:nvPicPr>
+          <p:cNvPr id="5" name="Изображение 4" descr="Model"/>
+          <p:cNvPicPr>
+            <a:picLocks noChangeAspect="true"/>
+          </p:cNvPicPr>
+          <p:nvPr>
+            <p:ph idx="1"/>
+          </p:nvPr>
+        </p:nvPicPr>
+        <p:blipFill>
+          <a:blip r:embed="rId1">
+            <a:clrChange>
+              <a:clrFrom>
+                <a:srgbClr val="FFFFFF">
+                  <a:alpha val="100000"/>
+                </a:srgbClr>
+              </a:clrFrom>
+              <a:clrTo>
+                <a:srgbClr val="FFFFFF">
+                  <a:alpha val="100000"/>
+                  <a:alpha val="0"/>
+                </a:srgbClr>
+              </a:clrTo>
+            </a:clrChange>
+          </a:blip>
+          <a:srcRect l="-187" t="-387" r="22641" b="387"/>
+          <a:stretch>
+            <a:fillRect/>
+          </a:stretch>
+        </p:blipFill>
+        <p:spPr>
+          <a:xfrm>
+            <a:off x="1729740" y="1686560"/>
+            <a:ext cx="8731885" cy="4526280"/>
+          </a:xfrm>
+          <a:prstGeom prst="rect">
+            <a:avLst/>
+          </a:prstGeom>
+        </p:spPr>
+      </p:pic>
+    </p:spTree>
+  </p:cSld>
+  <p:clrMapOvr>
+    <a:masterClrMapping/>
+  </p:clrMapOvr>
+</p:sld>
+</file>
+
+<file path=ppt/slides/slide9.xml><?xml version="1.0" encoding="utf-8"?>
+<p:sld xmlns:a="http://schemas.openxmlformats.org/drawingml/2006/main" xmlns:r="http://schemas.openxmlformats.org/officeDocument/2006/relationships" xmlns:p="http://schemas.openxmlformats.org/presentationml/2006/main">
+  <p:cSld>
+    <p:spTree>
+      <p:nvGrpSpPr>
+        <p:cNvPr id="1" name=""/>
+        <p:cNvGrpSpPr/>
+        <p:nvPr/>
+      </p:nvGrpSpPr>
+      <p:grpSpPr/>
+      <p:sp>
+        <p:nvSpPr>
+          <p:cNvPr id="2" name="Заголовок 1"/>
+          <p:cNvSpPr>
+            <a:spLocks noGrp="true"/>
+          </p:cNvSpPr>
+          <p:nvPr>
+            <p:ph type="title"/>
+          </p:nvPr>
+        </p:nvSpPr>
+        <p:spPr/>
+        <p:txBody>
+          <a:bodyPr/>
+          <a:p>
+            <a:r>
+              <a:rPr lang="ru-RU" altLang="en-US"/>
+              <a:t>Заключение</a:t>
+            </a:r>
+            <a:endParaRPr lang="ru-RU" altLang="en-US"/>
+          </a:p>
+        </p:txBody>
+      </p:sp>
+      <p:sp>
+        <p:nvSpPr>
+          <p:cNvPr id="3" name="Замещающее содержимое 2"/>
+          <p:cNvSpPr>
+            <a:spLocks noGrp="true"/>
+          </p:cNvSpPr>
+          <p:nvPr>
+            <p:ph idx="1"/>
+          </p:nvPr>
+        </p:nvSpPr>
+        <p:spPr/>
+        <p:txBody>
+          <a:bodyPr/>
+          <a:p>
+            <a:pPr algn="just"/>
+            <a:r>
+              <a:rPr lang="ru-RU" altLang="en-US"/>
+              <a:t>При выполнении данной работы была создана полностью работоспособная система авторизации на сайте электронного дневника (https://dnevnik.mos.ru/) при помощи физических данных пользователя.</a:t>
+            </a:r>
+            <a:endParaRPr lang="ru-RU" altLang="en-US"/>
+          </a:p>
+          <a:p>
+            <a:pPr algn="just"/>
+            <a:r>
+              <a:rPr lang="ru-RU" altLang="en-US"/>
+              <a:t>Данная система состоит из нескольких составных модулей : клиентское и серверные приложения, база данных и нейронная сеть. Она легко поддаётся масштабированию при незначительных изменениях в исходном коде.</a:t>
+            </a:r>
+            <a:endParaRPr lang="ru-RU" altLang="en-US"/>
           </a:p>
         </p:txBody>
       </p:sp>
@@ -3574,116 +4869,56 @@
 </file>
 
 <file path=ppt/theme/theme1.xml><?xml version="1.0" encoding="utf-8"?>
-<a:theme xmlns:a="http://schemas.openxmlformats.org/drawingml/2006/main" name="Office Theme">
+<a:theme xmlns:a="http://schemas.openxmlformats.org/drawingml/2006/main" name="Default Design">
   <a:themeElements>
-    <a:clrScheme name="Office">
+    <a:clrScheme name="">
       <a:dk1>
-        <a:sysClr val="windowText" lastClr="000000"/>
+        <a:srgbClr val="000000"/>
       </a:dk1>
       <a:lt1>
-        <a:sysClr val="window" lastClr="FFFFFF"/>
+        <a:srgbClr val="FFFFFF"/>
       </a:lt1>
       <a:dk2>
-        <a:srgbClr val="44546A"/>
+        <a:srgbClr val="000000"/>
       </a:dk2>
       <a:lt2>
-        <a:srgbClr val="E7E6E6"/>
+        <a:srgbClr val="808080"/>
       </a:lt2>
       <a:accent1>
-        <a:srgbClr val="5B9BD5"/>
+        <a:srgbClr val="7DB6EF"/>
       </a:accent1>
       <a:accent2>
-        <a:srgbClr val="ED7D31"/>
+        <a:srgbClr val="C0504D"/>
       </a:accent2>
       <a:accent3>
-        <a:srgbClr val="A5A5A5"/>
+        <a:srgbClr val="FFFFFF"/>
       </a:accent3>
       <a:accent4>
-        <a:srgbClr val="FFC000"/>
+        <a:srgbClr val="000000"/>
       </a:accent4>
       <a:accent5>
-        <a:srgbClr val="4472C4"/>
+        <a:srgbClr val="C0D7F5"/>
       </a:accent5>
       <a:accent6>
-        <a:srgbClr val="70AD47"/>
+        <a:srgbClr val="AC4744"/>
       </a:accent6>
       <a:hlink>
-        <a:srgbClr val="0563C1"/>
+        <a:srgbClr val="0066CC"/>
       </a:hlink>
       <a:folHlink>
-        <a:srgbClr val="954F72"/>
+        <a:srgbClr val="800080"/>
       </a:folHlink>
     </a:clrScheme>
-    <a:fontScheme name="Arial Black-Arial">
+    <a:fontScheme name="">
       <a:majorFont>
-        <a:latin typeface="Arial Black"/>
-        <a:ea typeface=""/>
+        <a:latin typeface="Arial"/>
+        <a:ea typeface="Arial"/>
         <a:cs typeface=""/>
-        <a:font script="Jpan" typeface="ＭＳ ゴシック"/>
-        <a:font script="Hang" typeface="굴림"/>
-        <a:font script="Hans" typeface="宋体"/>
-        <a:font script="Hant" typeface="新細明體"/>
-        <a:font script="Arab" typeface="Tahoma"/>
-        <a:font script="Hebr" typeface="Tahoma"/>
-        <a:font script="Thai" typeface="FreesiaUPC"/>
-        <a:font script="Ethi" typeface="Nyala"/>
-        <a:font script="Beng" typeface="Vrinda"/>
-        <a:font script="Gujr" typeface="Shruti"/>
-        <a:font script="Khmr" typeface="DaunPenh"/>
-        <a:font script="Knda" typeface="Tunga"/>
-        <a:font script="Guru" typeface="Raavi"/>
-        <a:font script="Cans" typeface="Euphemia"/>
-        <a:font script="Cher" typeface="Plantagenet Cherokee"/>
-        <a:font script="Yiii" typeface="Microsoft Yi Baiti"/>
-        <a:font script="Tibt" typeface="Microsoft Himalaya"/>
-        <a:font script="Thaa" typeface="MV Boli"/>
-        <a:font script="Deva" typeface="Mangal"/>
-        <a:font script="Telu" typeface="Gautami"/>
-        <a:font script="Taml" typeface="Latha"/>
-        <a:font script="Syrc" typeface="Estrangelo Edessa"/>
-        <a:font script="Orya" typeface="Kalinga"/>
-        <a:font script="Mlym" typeface="Kartika"/>
-        <a:font script="Laoo" typeface="DokChampa"/>
-        <a:font script="Sinh" typeface="Iskoola Pota"/>
-        <a:font script="Mong" typeface="Mongolian Baiti"/>
-        <a:font script="Viet" typeface="Verdana"/>
-        <a:font script="Uigh" typeface="Microsoft Uighur"/>
-        <a:font script="Geor" typeface="Sylfaen"/>
       </a:majorFont>
       <a:minorFont>
         <a:latin typeface="Arial"/>
-        <a:ea typeface=""/>
+        <a:ea typeface="Arial"/>
         <a:cs typeface=""/>
-        <a:font script="Jpan" typeface="ＭＳ Ｐゴシック"/>
-        <a:font script="Hang" typeface="굴림"/>
-        <a:font script="Hans" typeface="宋体"/>
-        <a:font script="Hant" typeface="新細明體"/>
-        <a:font script="Arab" typeface="Arial"/>
-        <a:font script="Hebr" typeface="Arial"/>
-        <a:font script="Thai" typeface="Cordia New"/>
-        <a:font script="Ethi" typeface="Nyala"/>
-        <a:font script="Beng" typeface="Vrinda"/>
-        <a:font script="Gujr" typeface="Shruti"/>
-        <a:font script="Khmr" typeface="DaunPenh"/>
-        <a:font script="Knda" typeface="Tunga"/>
-        <a:font script="Guru" typeface="Raavi"/>
-        <a:font script="Cans" typeface="Euphemia"/>
-        <a:font script="Cher" typeface="Plantagenet Cherokee"/>
-        <a:font script="Yiii" typeface="Microsoft Yi Baiti"/>
-        <a:font script="Tibt" typeface="Microsoft Himalaya"/>
-        <a:font script="Thaa" typeface="MV Boli"/>
-        <a:font script="Deva" typeface="Mangal"/>
-        <a:font script="Telu" typeface="Gautami"/>
-        <a:font script="Taml" typeface="Latha"/>
-        <a:font script="Syrc" typeface="Estrangelo Edessa"/>
-        <a:font script="Orya" typeface="Kalinga"/>
-        <a:font script="Mlym" typeface="Kartika"/>
-        <a:font script="Laoo" typeface="DokChampa"/>
-        <a:font script="Sinh" typeface="Iskoola Pota"/>
-        <a:font script="Mong" typeface="Mongolian Baiti"/>
-        <a:font script="Viet" typeface="Arial"/>
-        <a:font script="Uigh" typeface="Microsoft Uighur"/>
-        <a:font script="Geor" typeface="Sylfaen"/>
       </a:minorFont>
     </a:fontScheme>
     <a:fmtScheme name="Office">
@@ -3824,6 +5059,500 @@
       </a:bgFillStyleLst>
     </a:fmtScheme>
   </a:themeElements>
+  <a:extraClrSchemeLst>
+    <a:extraClrScheme>
+      <a:clrScheme name="">
+        <a:dk1>
+          <a:srgbClr val="000000"/>
+        </a:dk1>
+        <a:lt1>
+          <a:srgbClr val="FFFFFF"/>
+        </a:lt1>
+        <a:dk2>
+          <a:srgbClr val="000000"/>
+        </a:dk2>
+        <a:lt2>
+          <a:srgbClr val="969696"/>
+        </a:lt2>
+        <a:accent1>
+          <a:srgbClr val="FBDF53"/>
+        </a:accent1>
+        <a:accent2>
+          <a:srgbClr val="FF9966"/>
+        </a:accent2>
+        <a:accent3>
+          <a:srgbClr val="FFFFFF"/>
+        </a:accent3>
+        <a:accent4>
+          <a:srgbClr val="000000"/>
+        </a:accent4>
+        <a:accent5>
+          <a:srgbClr val="FDECB4"/>
+        </a:accent5>
+        <a:accent6>
+          <a:srgbClr val="E5895B"/>
+        </a:accent6>
+        <a:hlink>
+          <a:srgbClr val="CC3300"/>
+        </a:hlink>
+        <a:folHlink>
+          <a:srgbClr val="996600"/>
+        </a:folHlink>
+      </a:clrScheme>
+      <a:clrMap bg1="lt1" tx1="dk1" bg2="lt2" tx2="dk2" accent1="accent1" accent2="accent2" accent3="accent3" accent4="accent4" accent5="accent5" accent6="accent6" hlink="hlink" folHlink="folHlink"/>
+    </a:extraClrScheme>
+    <a:extraClrScheme>
+      <a:clrScheme name="">
+        <a:dk1>
+          <a:srgbClr val="000000"/>
+        </a:dk1>
+        <a:lt1>
+          <a:srgbClr val="FFFFFF"/>
+        </a:lt1>
+        <a:dk2>
+          <a:srgbClr val="000000"/>
+        </a:dk2>
+        <a:lt2>
+          <a:srgbClr val="808080"/>
+        </a:lt2>
+        <a:accent1>
+          <a:srgbClr val="99CCFF"/>
+        </a:accent1>
+        <a:accent2>
+          <a:srgbClr val="CCCCFF"/>
+        </a:accent2>
+        <a:accent3>
+          <a:srgbClr val="FFFFFF"/>
+        </a:accent3>
+        <a:accent4>
+          <a:srgbClr val="000000"/>
+        </a:accent4>
+        <a:accent5>
+          <a:srgbClr val="CAE2FF"/>
+        </a:accent5>
+        <a:accent6>
+          <a:srgbClr val="B7B7E5"/>
+        </a:accent6>
+        <a:hlink>
+          <a:srgbClr val="3333CC"/>
+        </a:hlink>
+        <a:folHlink>
+          <a:srgbClr val="AF67FF"/>
+        </a:folHlink>
+      </a:clrScheme>
+      <a:clrMap bg1="lt1" tx1="dk1" bg2="lt2" tx2="dk2" accent1="accent1" accent2="accent2" accent3="accent3" accent4="accent4" accent5="accent5" accent6="accent6" hlink="hlink" folHlink="folHlink"/>
+    </a:extraClrScheme>
+    <a:extraClrScheme>
+      <a:clrScheme name="">
+        <a:dk1>
+          <a:srgbClr val="000000"/>
+        </a:dk1>
+        <a:lt1>
+          <a:srgbClr val="DEF6F1"/>
+        </a:lt1>
+        <a:dk2>
+          <a:srgbClr val="000000"/>
+        </a:dk2>
+        <a:lt2>
+          <a:srgbClr val="969696"/>
+        </a:lt2>
+        <a:accent1>
+          <a:srgbClr val="FFFFFF"/>
+        </a:accent1>
+        <a:accent2>
+          <a:srgbClr val="8DC6FF"/>
+        </a:accent2>
+        <a:accent3>
+          <a:srgbClr val="EBFAF7"/>
+        </a:accent3>
+        <a:accent4>
+          <a:srgbClr val="000000"/>
+        </a:accent4>
+        <a:accent5>
+          <a:srgbClr val="FFFFFF"/>
+        </a:accent5>
+        <a:accent6>
+          <a:srgbClr val="7EB1E5"/>
+        </a:accent6>
+        <a:hlink>
+          <a:srgbClr val="0066CC"/>
+        </a:hlink>
+        <a:folHlink>
+          <a:srgbClr val="00A800"/>
+        </a:folHlink>
+      </a:clrScheme>
+      <a:clrMap bg1="lt1" tx1="dk1" bg2="lt2" tx2="dk2" accent1="accent1" accent2="accent2" accent3="accent3" accent4="accent4" accent5="accent5" accent6="accent6" hlink="hlink" folHlink="folHlink"/>
+    </a:extraClrScheme>
+    <a:extraClrScheme>
+      <a:clrScheme name="">
+        <a:dk1>
+          <a:srgbClr val="000000"/>
+        </a:dk1>
+        <a:lt1>
+          <a:srgbClr val="FFFFD9"/>
+        </a:lt1>
+        <a:dk2>
+          <a:srgbClr val="000000"/>
+        </a:dk2>
+        <a:lt2>
+          <a:srgbClr val="777777"/>
+        </a:lt2>
+        <a:accent1>
+          <a:srgbClr val="FFFFF7"/>
+        </a:accent1>
+        <a:accent2>
+          <a:srgbClr val="33CCCC"/>
+        </a:accent2>
+        <a:accent3>
+          <a:srgbClr val="FFFFE9"/>
+        </a:accent3>
+        <a:accent4>
+          <a:srgbClr val="000000"/>
+        </a:accent4>
+        <a:accent5>
+          <a:srgbClr val="FFFFFA"/>
+        </a:accent5>
+        <a:accent6>
+          <a:srgbClr val="2DB7B7"/>
+        </a:accent6>
+        <a:hlink>
+          <a:srgbClr val="FF5050"/>
+        </a:hlink>
+        <a:folHlink>
+          <a:srgbClr val="FF9900"/>
+        </a:folHlink>
+      </a:clrScheme>
+      <a:clrMap bg1="lt1" tx1="dk1" bg2="lt2" tx2="dk2" accent1="accent1" accent2="accent2" accent3="accent3" accent4="accent4" accent5="accent5" accent6="accent6" hlink="hlink" folHlink="folHlink"/>
+    </a:extraClrScheme>
+    <a:extraClrScheme>
+      <a:clrScheme name="">
+        <a:dk1>
+          <a:srgbClr val="FFFFFF"/>
+        </a:dk1>
+        <a:lt1>
+          <a:srgbClr val="008080"/>
+        </a:lt1>
+        <a:dk2>
+          <a:srgbClr val="FFFF99"/>
+        </a:dk2>
+        <a:lt2>
+          <a:srgbClr val="005A58"/>
+        </a:lt2>
+        <a:accent1>
+          <a:srgbClr val="006462"/>
+        </a:accent1>
+        <a:accent2>
+          <a:srgbClr val="6D6FC7"/>
+        </a:accent2>
+        <a:accent3>
+          <a:srgbClr val="AAC1C1"/>
+        </a:accent3>
+        <a:accent4>
+          <a:srgbClr val="DCDCDC"/>
+        </a:accent4>
+        <a:accent5>
+          <a:srgbClr val="AAB8B8"/>
+        </a:accent5>
+        <a:accent6>
+          <a:srgbClr val="6163B2"/>
+        </a:accent6>
+        <a:hlink>
+          <a:srgbClr val="00FFFF"/>
+        </a:hlink>
+        <a:folHlink>
+          <a:srgbClr val="00FF00"/>
+        </a:folHlink>
+      </a:clrScheme>
+      <a:clrMap bg1="lt1" tx1="dk1" bg2="lt2" tx2="dk2" accent1="accent1" accent2="accent2" accent3="accent3" accent4="accent4" accent5="accent5" accent6="accent6" hlink="hlink" folHlink="folHlink"/>
+    </a:extraClrScheme>
+    <a:extraClrScheme>
+      <a:clrScheme name="">
+        <a:dk1>
+          <a:srgbClr val="FFFFFF"/>
+        </a:dk1>
+        <a:lt1>
+          <a:srgbClr val="800000"/>
+        </a:lt1>
+        <a:dk2>
+          <a:srgbClr val="DFD293"/>
+        </a:dk2>
+        <a:lt2>
+          <a:srgbClr val="5C1F00"/>
+        </a:lt2>
+        <a:accent1>
+          <a:srgbClr val="CC3300"/>
+        </a:accent1>
+        <a:accent2>
+          <a:srgbClr val="BE7960"/>
+        </a:accent2>
+        <a:accent3>
+          <a:srgbClr val="C1AAAA"/>
+        </a:accent3>
+        <a:accent4>
+          <a:srgbClr val="DCDCDC"/>
+        </a:accent4>
+        <a:accent5>
+          <a:srgbClr val="E2ADAA"/>
+        </a:accent5>
+        <a:accent6>
+          <a:srgbClr val="AA6C55"/>
+        </a:accent6>
+        <a:hlink>
+          <a:srgbClr val="FFFF99"/>
+        </a:hlink>
+        <a:folHlink>
+          <a:srgbClr val="D3A219"/>
+        </a:folHlink>
+      </a:clrScheme>
+      <a:clrMap bg1="lt1" tx1="dk1" bg2="lt2" tx2="dk2" accent1="accent1" accent2="accent2" accent3="accent3" accent4="accent4" accent5="accent5" accent6="accent6" hlink="hlink" folHlink="folHlink"/>
+    </a:extraClrScheme>
+    <a:extraClrScheme>
+      <a:clrScheme name="">
+        <a:dk1>
+          <a:srgbClr val="FFFFFF"/>
+        </a:dk1>
+        <a:lt1>
+          <a:srgbClr val="000099"/>
+        </a:lt1>
+        <a:dk2>
+          <a:srgbClr val="CCFFFF"/>
+        </a:dk2>
+        <a:lt2>
+          <a:srgbClr val="003366"/>
+        </a:lt2>
+        <a:accent1>
+          <a:srgbClr val="3366CC"/>
+        </a:accent1>
+        <a:accent2>
+          <a:srgbClr val="00B000"/>
+        </a:accent2>
+        <a:accent3>
+          <a:srgbClr val="AAAACA"/>
+        </a:accent3>
+        <a:accent4>
+          <a:srgbClr val="DCDCDC"/>
+        </a:accent4>
+        <a:accent5>
+          <a:srgbClr val="ADB9E2"/>
+        </a:accent5>
+        <a:accent6>
+          <a:srgbClr val="009D00"/>
+        </a:accent6>
+        <a:hlink>
+          <a:srgbClr val="66CCFF"/>
+        </a:hlink>
+        <a:folHlink>
+          <a:srgbClr val="FFE701"/>
+        </a:folHlink>
+      </a:clrScheme>
+      <a:clrMap bg1="lt1" tx1="dk1" bg2="lt2" tx2="dk2" accent1="accent1" accent2="accent2" accent3="accent3" accent4="accent4" accent5="accent5" accent6="accent6" hlink="hlink" folHlink="folHlink"/>
+    </a:extraClrScheme>
+    <a:extraClrScheme>
+      <a:clrScheme name="">
+        <a:dk1>
+          <a:srgbClr val="FFFFFF"/>
+        </a:dk1>
+        <a:lt1>
+          <a:srgbClr val="000000"/>
+        </a:lt1>
+        <a:dk2>
+          <a:srgbClr val="E3EBF1"/>
+        </a:dk2>
+        <a:lt2>
+          <a:srgbClr val="336699"/>
+        </a:lt2>
+        <a:accent1>
+          <a:srgbClr val="003399"/>
+        </a:accent1>
+        <a:accent2>
+          <a:srgbClr val="468A4B"/>
+        </a:accent2>
+        <a:accent3>
+          <a:srgbClr val="AAAAAA"/>
+        </a:accent3>
+        <a:accent4>
+          <a:srgbClr val="DCDCDC"/>
+        </a:accent4>
+        <a:accent5>
+          <a:srgbClr val="AAADCA"/>
+        </a:accent5>
+        <a:accent6>
+          <a:srgbClr val="3E7B43"/>
+        </a:accent6>
+        <a:hlink>
+          <a:srgbClr val="66CCFF"/>
+        </a:hlink>
+        <a:folHlink>
+          <a:srgbClr val="F0E500"/>
+        </a:folHlink>
+      </a:clrScheme>
+      <a:clrMap bg1="lt1" tx1="dk1" bg2="lt2" tx2="dk2" accent1="accent1" accent2="accent2" accent3="accent3" accent4="accent4" accent5="accent5" accent6="accent6" hlink="hlink" folHlink="folHlink"/>
+    </a:extraClrScheme>
+    <a:extraClrScheme>
+      <a:clrScheme name="">
+        <a:dk1>
+          <a:srgbClr val="FFFFFF"/>
+        </a:dk1>
+        <a:lt1>
+          <a:srgbClr val="686B5D"/>
+        </a:lt1>
+        <a:dk2>
+          <a:srgbClr val="D1D1CB"/>
+        </a:dk2>
+        <a:lt2>
+          <a:srgbClr val="777777"/>
+        </a:lt2>
+        <a:accent1>
+          <a:srgbClr val="909082"/>
+        </a:accent1>
+        <a:accent2>
+          <a:srgbClr val="809EA8"/>
+        </a:accent2>
+        <a:accent3>
+          <a:srgbClr val="B9BAB6"/>
+        </a:accent3>
+        <a:accent4>
+          <a:srgbClr val="DCDCDC"/>
+        </a:accent4>
+        <a:accent5>
+          <a:srgbClr val="C7C7C1"/>
+        </a:accent5>
+        <a:accent6>
+          <a:srgbClr val="728D96"/>
+        </a:accent6>
+        <a:hlink>
+          <a:srgbClr val="FFCC66"/>
+        </a:hlink>
+        <a:folHlink>
+          <a:srgbClr val="E9DCB9"/>
+        </a:folHlink>
+      </a:clrScheme>
+      <a:clrMap bg1="lt1" tx1="dk1" bg2="lt2" tx2="dk2" accent1="accent1" accent2="accent2" accent3="accent3" accent4="accent4" accent5="accent5" accent6="accent6" hlink="hlink" folHlink="folHlink"/>
+    </a:extraClrScheme>
+    <a:extraClrScheme>
+      <a:clrScheme name="">
+        <a:dk1>
+          <a:srgbClr val="FFFFFF"/>
+        </a:dk1>
+        <a:lt1>
+          <a:srgbClr val="666699"/>
+        </a:lt1>
+        <a:dk2>
+          <a:srgbClr val="FFFFFF"/>
+        </a:dk2>
+        <a:lt2>
+          <a:srgbClr val="3E3E5C"/>
+        </a:lt2>
+        <a:accent1>
+          <a:srgbClr val="60597B"/>
+        </a:accent1>
+        <a:accent2>
+          <a:srgbClr val="6666FF"/>
+        </a:accent2>
+        <a:accent3>
+          <a:srgbClr val="B9B9CA"/>
+        </a:accent3>
+        <a:accent4>
+          <a:srgbClr val="DCDCDC"/>
+        </a:accent4>
+        <a:accent5>
+          <a:srgbClr val="B7B5BF"/>
+        </a:accent5>
+        <a:accent6>
+          <a:srgbClr val="5B5BE5"/>
+        </a:accent6>
+        <a:hlink>
+          <a:srgbClr val="99CCFF"/>
+        </a:hlink>
+        <a:folHlink>
+          <a:srgbClr val="FFFF99"/>
+        </a:folHlink>
+      </a:clrScheme>
+      <a:clrMap bg1="lt1" tx1="dk1" bg2="lt2" tx2="dk2" accent1="accent1" accent2="accent2" accent3="accent3" accent4="accent4" accent5="accent5" accent6="accent6" hlink="hlink" folHlink="folHlink"/>
+    </a:extraClrScheme>
+    <a:extraClrScheme>
+      <a:clrScheme name="">
+        <a:dk1>
+          <a:srgbClr val="FFFFFF"/>
+        </a:dk1>
+        <a:lt1>
+          <a:srgbClr val="523E26"/>
+        </a:lt1>
+        <a:dk2>
+          <a:srgbClr val="DFC08D"/>
+        </a:dk2>
+        <a:lt2>
+          <a:srgbClr val="2D2015"/>
+        </a:lt2>
+        <a:accent1>
+          <a:srgbClr val="8C7B70"/>
+        </a:accent1>
+        <a:accent2>
+          <a:srgbClr val="8F5F2F"/>
+        </a:accent2>
+        <a:accent3>
+          <a:srgbClr val="B3AFAB"/>
+        </a:accent3>
+        <a:accent4>
+          <a:srgbClr val="DCDCDC"/>
+        </a:accent4>
+        <a:accent5>
+          <a:srgbClr val="C5BFBC"/>
+        </a:accent5>
+        <a:accent6>
+          <a:srgbClr val="805529"/>
+        </a:accent6>
+        <a:hlink>
+          <a:srgbClr val="CCB400"/>
+        </a:hlink>
+        <a:folHlink>
+          <a:srgbClr val="8C9EA0"/>
+        </a:folHlink>
+      </a:clrScheme>
+      <a:clrMap bg1="lt1" tx1="dk1" bg2="lt2" tx2="dk2" accent1="accent1" accent2="accent2" accent3="accent3" accent4="accent4" accent5="accent5" accent6="accent6" hlink="hlink" folHlink="folHlink"/>
+    </a:extraClrScheme>
+    <a:extraClrScheme>
+      <a:clrScheme name="">
+        <a:dk1>
+          <a:srgbClr val="000000"/>
+        </a:dk1>
+        <a:lt1>
+          <a:srgbClr val="FFFFFF"/>
+        </a:lt1>
+        <a:dk2>
+          <a:srgbClr val="000000"/>
+        </a:dk2>
+        <a:lt2>
+          <a:srgbClr val="808080"/>
+        </a:lt2>
+        <a:accent1>
+          <a:srgbClr val="7DB6EF"/>
+        </a:accent1>
+        <a:accent2>
+          <a:srgbClr val="C0504D"/>
+        </a:accent2>
+        <a:accent3>
+          <a:srgbClr val="FFFFFF"/>
+        </a:accent3>
+        <a:accent4>
+          <a:srgbClr val="000000"/>
+        </a:accent4>
+        <a:accent5>
+          <a:srgbClr val="C0D7F5"/>
+        </a:accent5>
+        <a:accent6>
+          <a:srgbClr val="AC4744"/>
+        </a:accent6>
+        <a:hlink>
+          <a:srgbClr val="0066CC"/>
+        </a:hlink>
+        <a:folHlink>
+          <a:srgbClr val="800080"/>
+        </a:folHlink>
+      </a:clrScheme>
+      <a:clrMap bg1="lt1" tx1="dk1" bg2="lt2" tx2="dk2" accent1="accent1" accent2="accent2" accent3="accent3" accent4="accent4" accent5="accent5" accent6="accent6" hlink="hlink" folHlink="folHlink"/>
+    </a:extraClrScheme>
+  </a:extraClrSchemeLst>
   <a:extLst>
     <a:ext uri="{05A4C25C-085E-4340-85A3-A5531E510DB2}">
       <thm15:themeFamily xmlns:thm15="http://schemas.microsoft.com/office/thememl/2012/main" name="Office Theme" id="{62F939B6-93AF-4DB8-9C6B-D6C7DFDC589F}" vid="{4A3C46E8-61CC-4603-A589-7422A47A8E4A}"/>
@@ -3875,12 +5604,12 @@
     </a:clrScheme>
     <a:fontScheme name="Office">
       <a:majorFont>
-        <a:latin typeface="宋体"/>
+        <a:latin typeface="微软雅黑"/>
         <a:ea typeface=""/>
         <a:cs typeface=""/>
         <a:font script="Jpan" typeface="游ゴシック Light"/>
         <a:font script="Hang" typeface="맑은 고딕"/>
-        <a:font script="Hans" typeface="宋体"/>
+        <a:font script="Hans" typeface="微软雅黑"/>
         <a:font script="Hant" typeface="新細明體"/>
         <a:font script="Arab" typeface="Times New Roman"/>
         <a:font script="Hebr" typeface="Times New Roman"/>
@@ -3910,12 +5639,12 @@
         <a:font script="Geor" typeface="Sylfaen"/>
       </a:majorFont>
       <a:minorFont>
-        <a:latin typeface="宋体"/>
+        <a:latin typeface="微软雅黑"/>
         <a:ea typeface=""/>
         <a:cs typeface=""/>
         <a:font script="Jpan" typeface="游ゴシック"/>
         <a:font script="Hang" typeface="맑은 고딕"/>
-        <a:font script="Hans" typeface="宋体"/>
+        <a:font script="Hans" typeface="微软雅黑"/>
         <a:font script="Hant" typeface="新細明體"/>
         <a:font script="Arab" typeface="Arial"/>
         <a:font script="Hebr" typeface="Arial"/>
